--- a/results/Sim_12.15.20/PhenotypePlotPanel.pptx
+++ b/results/Sim_12.15.20/PhenotypePlotPanel.pptx
@@ -2,7 +2,7 @@
 <file path=ppt/presentation.xml><?xml version="1.0" encoding="utf-8"?>
 <p:presentation xmlns:a="http://schemas.openxmlformats.org/drawingml/2006/main" xmlns:r="http://schemas.openxmlformats.org/officeDocument/2006/relationships" xmlns:p="http://schemas.openxmlformats.org/presentationml/2006/main" saveSubsetFonts="1" autoCompressPictures="0">
   <p:sldMasterIdLst>
-    <p:sldMasterId id="2147483672" r:id="rId1"/>
+    <p:sldMasterId id="2147483684" r:id="rId1"/>
   </p:sldMasterIdLst>
   <p:notesMasterIdLst>
     <p:notesMasterId r:id="rId3"/>
@@ -10,7 +10,7 @@
   <p:sldIdLst>
     <p:sldId id="256" r:id="rId2"/>
   </p:sldIdLst>
-  <p:sldSz cx="12192000" cy="6858000"/>
+  <p:sldSz cx="6858000" cy="12192000"/>
   <p:notesSz cx="6858000" cy="9144000"/>
   <p:defaultTextStyle>
     <a:defPPr>
@@ -107,6 +107,11 @@
       </a:defRPr>
     </a:lvl9pPr>
   </p:defaultTextStyle>
+  <p:extLst>
+    <p:ext uri="{EFAFB233-063F-42B5-8137-9DF3F51BA10A}">
+      <p15:sldGuideLst xmlns:p15="http://schemas.microsoft.com/office/powerpoint/2012/main"/>
+    </p:ext>
+  </p:extLst>
 </p:presentation>
 </file>
 
@@ -192,7 +197,7 @@
           <a:p>
             <a:fld id="{A5D1D6E8-CCD9-7949-840F-E5DF5A030765}" type="datetimeFigureOut">
               <a:rPr lang="en-US" smtClean="0"/>
-              <a:t>12/22/20</a:t>
+              <a:t>1/4/21</a:t>
             </a:fld>
             <a:endParaRPr lang="en-US"/>
           </a:p>
@@ -210,8 +215,8 @@
         </p:nvSpPr>
         <p:spPr>
           <a:xfrm>
-            <a:off x="685800" y="1143000"/>
-            <a:ext cx="5486400" cy="3086100"/>
+            <a:off x="2560638" y="1143000"/>
+            <a:ext cx="1736725" cy="3086100"/>
           </a:xfrm>
           <a:prstGeom prst="rect">
             <a:avLst/>
@@ -488,8 +493,8 @@
         </p:nvSpPr>
         <p:spPr>
           <a:xfrm>
-            <a:off x="685800" y="1143000"/>
-            <a:ext cx="5486400" cy="3086100"/>
+            <a:off x="2560638" y="1143000"/>
+            <a:ext cx="1736725" cy="3086100"/>
           </a:xfrm>
         </p:spPr>
       </p:sp>
@@ -577,15 +582,15 @@
         </p:nvSpPr>
         <p:spPr>
           <a:xfrm>
-            <a:off x="1524000" y="1122363"/>
-            <a:ext cx="9144000" cy="2387600"/>
+            <a:off x="514350" y="1995312"/>
+            <a:ext cx="5829300" cy="4244622"/>
           </a:xfrm>
         </p:spPr>
         <p:txBody>
           <a:bodyPr anchor="b"/>
           <a:lstStyle>
             <a:lvl1pPr algn="ctr">
-              <a:defRPr sz="6000"/>
+              <a:defRPr sz="4500"/>
             </a:lvl1pPr>
           </a:lstStyle>
           <a:p>
@@ -609,8 +614,8 @@
         </p:nvSpPr>
         <p:spPr>
           <a:xfrm>
-            <a:off x="1524000" y="3602038"/>
-            <a:ext cx="9144000" cy="1655762"/>
+            <a:off x="857250" y="6403623"/>
+            <a:ext cx="5143500" cy="2943577"/>
           </a:xfrm>
         </p:spPr>
         <p:txBody>
@@ -618,39 +623,39 @@
           <a:lstStyle>
             <a:lvl1pPr marL="0" indent="0" algn="ctr">
               <a:buNone/>
-              <a:defRPr sz="2400"/>
+              <a:defRPr sz="1800"/>
             </a:lvl1pPr>
-            <a:lvl2pPr marL="457200" indent="0" algn="ctr">
-              <a:buNone/>
-              <a:defRPr sz="2000"/>
+            <a:lvl2pPr marL="342900" indent="0" algn="ctr">
+              <a:buNone/>
+              <a:defRPr sz="1500"/>
             </a:lvl2pPr>
-            <a:lvl3pPr marL="914400" indent="0" algn="ctr">
-              <a:buNone/>
-              <a:defRPr sz="1800"/>
+            <a:lvl3pPr marL="685800" indent="0" algn="ctr">
+              <a:buNone/>
+              <a:defRPr sz="1350"/>
             </a:lvl3pPr>
-            <a:lvl4pPr marL="1371600" indent="0" algn="ctr">
-              <a:buNone/>
-              <a:defRPr sz="1600"/>
+            <a:lvl4pPr marL="1028700" indent="0" algn="ctr">
+              <a:buNone/>
+              <a:defRPr sz="1200"/>
             </a:lvl4pPr>
-            <a:lvl5pPr marL="1828800" indent="0" algn="ctr">
-              <a:buNone/>
-              <a:defRPr sz="1600"/>
+            <a:lvl5pPr marL="1371600" indent="0" algn="ctr">
+              <a:buNone/>
+              <a:defRPr sz="1200"/>
             </a:lvl5pPr>
-            <a:lvl6pPr marL="2286000" indent="0" algn="ctr">
-              <a:buNone/>
-              <a:defRPr sz="1600"/>
+            <a:lvl6pPr marL="1714500" indent="0" algn="ctr">
+              <a:buNone/>
+              <a:defRPr sz="1200"/>
             </a:lvl6pPr>
-            <a:lvl7pPr marL="2743200" indent="0" algn="ctr">
-              <a:buNone/>
-              <a:defRPr sz="1600"/>
+            <a:lvl7pPr marL="2057400" indent="0" algn="ctr">
+              <a:buNone/>
+              <a:defRPr sz="1200"/>
             </a:lvl7pPr>
-            <a:lvl8pPr marL="3200400" indent="0" algn="ctr">
-              <a:buNone/>
-              <a:defRPr sz="1600"/>
+            <a:lvl8pPr marL="2400300" indent="0" algn="ctr">
+              <a:buNone/>
+              <a:defRPr sz="1200"/>
             </a:lvl8pPr>
-            <a:lvl9pPr marL="3657600" indent="0" algn="ctr">
-              <a:buNone/>
-              <a:defRPr sz="1600"/>
+            <a:lvl9pPr marL="2743200" indent="0" algn="ctr">
+              <a:buNone/>
+              <a:defRPr sz="1200"/>
             </a:lvl9pPr>
           </a:lstStyle>
           <a:p>
@@ -679,7 +684,7 @@
           <a:p>
             <a:fld id="{D03A017B-735F-8248-8950-D80E2C05D57D}" type="datetimeFigureOut">
               <a:rPr lang="en-US" smtClean="0"/>
-              <a:t>12/22/20</a:t>
+              <a:t>1/4/21</a:t>
             </a:fld>
             <a:endParaRPr lang="en-US"/>
           </a:p>
@@ -730,7 +735,7 @@
     </p:spTree>
     <p:extLst>
       <p:ext uri="{BB962C8B-B14F-4D97-AF65-F5344CB8AC3E}">
-        <p14:creationId xmlns:p14="http://schemas.microsoft.com/office/powerpoint/2010/main" val="950820446"/>
+        <p14:creationId xmlns:p14="http://schemas.microsoft.com/office/powerpoint/2010/main" val="4046521138"/>
       </p:ext>
     </p:extLst>
   </p:cSld>
@@ -849,7 +854,7 @@
           <a:p>
             <a:fld id="{D03A017B-735F-8248-8950-D80E2C05D57D}" type="datetimeFigureOut">
               <a:rPr lang="en-US" smtClean="0"/>
-              <a:t>12/22/20</a:t>
+              <a:t>1/4/21</a:t>
             </a:fld>
             <a:endParaRPr lang="en-US"/>
           </a:p>
@@ -900,7 +905,7 @@
     </p:spTree>
     <p:extLst>
       <p:ext uri="{BB962C8B-B14F-4D97-AF65-F5344CB8AC3E}">
-        <p14:creationId xmlns:p14="http://schemas.microsoft.com/office/powerpoint/2010/main" val="423294059"/>
+        <p14:creationId xmlns:p14="http://schemas.microsoft.com/office/powerpoint/2010/main" val="1882444125"/>
       </p:ext>
     </p:extLst>
   </p:cSld>
@@ -939,8 +944,8 @@
         </p:nvSpPr>
         <p:spPr>
           <a:xfrm>
-            <a:off x="8724900" y="365125"/>
-            <a:ext cx="2628900" cy="5811838"/>
+            <a:off x="4907757" y="649111"/>
+            <a:ext cx="1478756" cy="10332156"/>
           </a:xfrm>
         </p:spPr>
         <p:txBody>
@@ -967,8 +972,8 @@
         </p:nvSpPr>
         <p:spPr>
           <a:xfrm>
-            <a:off x="838200" y="365125"/>
-            <a:ext cx="7734300" cy="5811838"/>
+            <a:off x="471488" y="649111"/>
+            <a:ext cx="4350544" cy="10332156"/>
           </a:xfrm>
         </p:spPr>
         <p:txBody>
@@ -1029,7 +1034,7 @@
           <a:p>
             <a:fld id="{D03A017B-735F-8248-8950-D80E2C05D57D}" type="datetimeFigureOut">
               <a:rPr lang="en-US" smtClean="0"/>
-              <a:t>12/22/20</a:t>
+              <a:t>1/4/21</a:t>
             </a:fld>
             <a:endParaRPr lang="en-US"/>
           </a:p>
@@ -1080,7 +1085,7 @@
     </p:spTree>
     <p:extLst>
       <p:ext uri="{BB962C8B-B14F-4D97-AF65-F5344CB8AC3E}">
-        <p14:creationId xmlns:p14="http://schemas.microsoft.com/office/powerpoint/2010/main" val="173033881"/>
+        <p14:creationId xmlns:p14="http://schemas.microsoft.com/office/powerpoint/2010/main" val="1494795243"/>
       </p:ext>
     </p:extLst>
   </p:cSld>
@@ -1199,7 +1204,7 @@
           <a:p>
             <a:fld id="{D03A017B-735F-8248-8950-D80E2C05D57D}" type="datetimeFigureOut">
               <a:rPr lang="en-US" smtClean="0"/>
-              <a:t>12/22/20</a:t>
+              <a:t>1/4/21</a:t>
             </a:fld>
             <a:endParaRPr lang="en-US"/>
           </a:p>
@@ -1250,7 +1255,7 @@
     </p:spTree>
     <p:extLst>
       <p:ext uri="{BB962C8B-B14F-4D97-AF65-F5344CB8AC3E}">
-        <p14:creationId xmlns:p14="http://schemas.microsoft.com/office/powerpoint/2010/main" val="310841371"/>
+        <p14:creationId xmlns:p14="http://schemas.microsoft.com/office/powerpoint/2010/main" val="2289137415"/>
       </p:ext>
     </p:extLst>
   </p:cSld>
@@ -1289,15 +1294,15 @@
         </p:nvSpPr>
         <p:spPr>
           <a:xfrm>
-            <a:off x="831850" y="1709738"/>
-            <a:ext cx="10515600" cy="2852737"/>
+            <a:off x="467916" y="3039537"/>
+            <a:ext cx="5915025" cy="5071532"/>
           </a:xfrm>
         </p:spPr>
         <p:txBody>
           <a:bodyPr anchor="b"/>
           <a:lstStyle>
             <a:lvl1pPr>
-              <a:defRPr sz="6000"/>
+              <a:defRPr sz="4500"/>
             </a:lvl1pPr>
           </a:lstStyle>
           <a:p>
@@ -1321,8 +1326,8 @@
         </p:nvSpPr>
         <p:spPr>
           <a:xfrm>
-            <a:off x="831850" y="4589463"/>
-            <a:ext cx="10515600" cy="1500187"/>
+            <a:off x="467916" y="8159048"/>
+            <a:ext cx="5915025" cy="2666999"/>
           </a:xfrm>
         </p:spPr>
         <p:txBody>
@@ -1330,17 +1335,15 @@
           <a:lstStyle>
             <a:lvl1pPr marL="0" indent="0">
               <a:buNone/>
-              <a:defRPr sz="2400">
+              <a:defRPr sz="1800">
                 <a:solidFill>
-                  <a:schemeClr val="tx1">
-                    <a:tint val="75000"/>
-                  </a:schemeClr>
+                  <a:schemeClr val="tx1"/>
                 </a:solidFill>
               </a:defRPr>
             </a:lvl1pPr>
-            <a:lvl2pPr marL="457200" indent="0">
-              <a:buNone/>
-              <a:defRPr sz="2000">
+            <a:lvl2pPr marL="342900" indent="0">
+              <a:buNone/>
+              <a:defRPr sz="1500">
                 <a:solidFill>
                   <a:schemeClr val="tx1">
                     <a:tint val="75000"/>
@@ -1348,9 +1351,9 @@
                 </a:solidFill>
               </a:defRPr>
             </a:lvl2pPr>
-            <a:lvl3pPr marL="914400" indent="0">
-              <a:buNone/>
-              <a:defRPr sz="1800">
+            <a:lvl3pPr marL="685800" indent="0">
+              <a:buNone/>
+              <a:defRPr sz="1350">
                 <a:solidFill>
                   <a:schemeClr val="tx1">
                     <a:tint val="75000"/>
@@ -1358,9 +1361,9 @@
                 </a:solidFill>
               </a:defRPr>
             </a:lvl3pPr>
-            <a:lvl4pPr marL="1371600" indent="0">
-              <a:buNone/>
-              <a:defRPr sz="1600">
+            <a:lvl4pPr marL="1028700" indent="0">
+              <a:buNone/>
+              <a:defRPr sz="1200">
                 <a:solidFill>
                   <a:schemeClr val="tx1">
                     <a:tint val="75000"/>
@@ -1368,9 +1371,9 @@
                 </a:solidFill>
               </a:defRPr>
             </a:lvl4pPr>
-            <a:lvl5pPr marL="1828800" indent="0">
-              <a:buNone/>
-              <a:defRPr sz="1600">
+            <a:lvl5pPr marL="1371600" indent="0">
+              <a:buNone/>
+              <a:defRPr sz="1200">
                 <a:solidFill>
                   <a:schemeClr val="tx1">
                     <a:tint val="75000"/>
@@ -1378,9 +1381,9 @@
                 </a:solidFill>
               </a:defRPr>
             </a:lvl5pPr>
-            <a:lvl6pPr marL="2286000" indent="0">
-              <a:buNone/>
-              <a:defRPr sz="1600">
+            <a:lvl6pPr marL="1714500" indent="0">
+              <a:buNone/>
+              <a:defRPr sz="1200">
                 <a:solidFill>
                   <a:schemeClr val="tx1">
                     <a:tint val="75000"/>
@@ -1388,9 +1391,9 @@
                 </a:solidFill>
               </a:defRPr>
             </a:lvl6pPr>
-            <a:lvl7pPr marL="2743200" indent="0">
-              <a:buNone/>
-              <a:defRPr sz="1600">
+            <a:lvl7pPr marL="2057400" indent="0">
+              <a:buNone/>
+              <a:defRPr sz="1200">
                 <a:solidFill>
                   <a:schemeClr val="tx1">
                     <a:tint val="75000"/>
@@ -1398,9 +1401,9 @@
                 </a:solidFill>
               </a:defRPr>
             </a:lvl7pPr>
-            <a:lvl8pPr marL="3200400" indent="0">
-              <a:buNone/>
-              <a:defRPr sz="1600">
+            <a:lvl8pPr marL="2400300" indent="0">
+              <a:buNone/>
+              <a:defRPr sz="1200">
                 <a:solidFill>
                   <a:schemeClr val="tx1">
                     <a:tint val="75000"/>
@@ -1408,9 +1411,9 @@
                 </a:solidFill>
               </a:defRPr>
             </a:lvl8pPr>
-            <a:lvl9pPr marL="3657600" indent="0">
-              <a:buNone/>
-              <a:defRPr sz="1600">
+            <a:lvl9pPr marL="2743200" indent="0">
+              <a:buNone/>
+              <a:defRPr sz="1200">
                 <a:solidFill>
                   <a:schemeClr val="tx1">
                     <a:tint val="75000"/>
@@ -1445,7 +1448,7 @@
           <a:p>
             <a:fld id="{D03A017B-735F-8248-8950-D80E2C05D57D}" type="datetimeFigureOut">
               <a:rPr lang="en-US" smtClean="0"/>
-              <a:t>12/22/20</a:t>
+              <a:t>1/4/21</a:t>
             </a:fld>
             <a:endParaRPr lang="en-US"/>
           </a:p>
@@ -1496,7 +1499,7 @@
     </p:spTree>
     <p:extLst>
       <p:ext uri="{BB962C8B-B14F-4D97-AF65-F5344CB8AC3E}">
-        <p14:creationId xmlns:p14="http://schemas.microsoft.com/office/powerpoint/2010/main" val="749115296"/>
+        <p14:creationId xmlns:p14="http://schemas.microsoft.com/office/powerpoint/2010/main" val="3468584536"/>
       </p:ext>
     </p:extLst>
   </p:cSld>
@@ -1558,8 +1561,8 @@
         </p:nvSpPr>
         <p:spPr>
           <a:xfrm>
-            <a:off x="838200" y="1825625"/>
-            <a:ext cx="5181600" cy="4351338"/>
+            <a:off x="471488" y="3245556"/>
+            <a:ext cx="2914650" cy="7735712"/>
           </a:xfrm>
         </p:spPr>
         <p:txBody>
@@ -1615,8 +1618,8 @@
         </p:nvSpPr>
         <p:spPr>
           <a:xfrm>
-            <a:off x="6172200" y="1825625"/>
-            <a:ext cx="5181600" cy="4351338"/>
+            <a:off x="3471863" y="3245556"/>
+            <a:ext cx="2914650" cy="7735712"/>
           </a:xfrm>
         </p:spPr>
         <p:txBody>
@@ -1677,7 +1680,7 @@
           <a:p>
             <a:fld id="{D03A017B-735F-8248-8950-D80E2C05D57D}" type="datetimeFigureOut">
               <a:rPr lang="en-US" smtClean="0"/>
-              <a:t>12/22/20</a:t>
+              <a:t>1/4/21</a:t>
             </a:fld>
             <a:endParaRPr lang="en-US"/>
           </a:p>
@@ -1728,7 +1731,7 @@
     </p:spTree>
     <p:extLst>
       <p:ext uri="{BB962C8B-B14F-4D97-AF65-F5344CB8AC3E}">
-        <p14:creationId xmlns:p14="http://schemas.microsoft.com/office/powerpoint/2010/main" val="31716321"/>
+        <p14:creationId xmlns:p14="http://schemas.microsoft.com/office/powerpoint/2010/main" val="2829452216"/>
       </p:ext>
     </p:extLst>
   </p:cSld>
@@ -1767,8 +1770,8 @@
         </p:nvSpPr>
         <p:spPr>
           <a:xfrm>
-            <a:off x="839788" y="365125"/>
-            <a:ext cx="10515600" cy="1325563"/>
+            <a:off x="472381" y="649114"/>
+            <a:ext cx="5915025" cy="2356556"/>
           </a:xfrm>
         </p:spPr>
         <p:txBody>
@@ -1795,8 +1798,8 @@
         </p:nvSpPr>
         <p:spPr>
           <a:xfrm>
-            <a:off x="839788" y="1681163"/>
-            <a:ext cx="5157787" cy="823912"/>
+            <a:off x="472381" y="2988734"/>
+            <a:ext cx="2901255" cy="1464732"/>
           </a:xfrm>
         </p:spPr>
         <p:txBody>
@@ -1804,39 +1807,39 @@
           <a:lstStyle>
             <a:lvl1pPr marL="0" indent="0">
               <a:buNone/>
-              <a:defRPr sz="2400" b="1"/>
+              <a:defRPr sz="1800" b="1"/>
             </a:lvl1pPr>
-            <a:lvl2pPr marL="457200" indent="0">
-              <a:buNone/>
-              <a:defRPr sz="2000" b="1"/>
+            <a:lvl2pPr marL="342900" indent="0">
+              <a:buNone/>
+              <a:defRPr sz="1500" b="1"/>
             </a:lvl2pPr>
-            <a:lvl3pPr marL="914400" indent="0">
-              <a:buNone/>
-              <a:defRPr sz="1800" b="1"/>
+            <a:lvl3pPr marL="685800" indent="0">
+              <a:buNone/>
+              <a:defRPr sz="1350" b="1"/>
             </a:lvl3pPr>
-            <a:lvl4pPr marL="1371600" indent="0">
-              <a:buNone/>
-              <a:defRPr sz="1600" b="1"/>
+            <a:lvl4pPr marL="1028700" indent="0">
+              <a:buNone/>
+              <a:defRPr sz="1200" b="1"/>
             </a:lvl4pPr>
-            <a:lvl5pPr marL="1828800" indent="0">
-              <a:buNone/>
-              <a:defRPr sz="1600" b="1"/>
+            <a:lvl5pPr marL="1371600" indent="0">
+              <a:buNone/>
+              <a:defRPr sz="1200" b="1"/>
             </a:lvl5pPr>
-            <a:lvl6pPr marL="2286000" indent="0">
-              <a:buNone/>
-              <a:defRPr sz="1600" b="1"/>
+            <a:lvl6pPr marL="1714500" indent="0">
+              <a:buNone/>
+              <a:defRPr sz="1200" b="1"/>
             </a:lvl6pPr>
-            <a:lvl7pPr marL="2743200" indent="0">
-              <a:buNone/>
-              <a:defRPr sz="1600" b="1"/>
+            <a:lvl7pPr marL="2057400" indent="0">
+              <a:buNone/>
+              <a:defRPr sz="1200" b="1"/>
             </a:lvl7pPr>
-            <a:lvl8pPr marL="3200400" indent="0">
-              <a:buNone/>
-              <a:defRPr sz="1600" b="1"/>
+            <a:lvl8pPr marL="2400300" indent="0">
+              <a:buNone/>
+              <a:defRPr sz="1200" b="1"/>
             </a:lvl8pPr>
-            <a:lvl9pPr marL="3657600" indent="0">
-              <a:buNone/>
-              <a:defRPr sz="1600" b="1"/>
+            <a:lvl9pPr marL="2743200" indent="0">
+              <a:buNone/>
+              <a:defRPr sz="1200" b="1"/>
             </a:lvl9pPr>
           </a:lstStyle>
           <a:p>
@@ -1860,8 +1863,8 @@
         </p:nvSpPr>
         <p:spPr>
           <a:xfrm>
-            <a:off x="839788" y="2505075"/>
-            <a:ext cx="5157787" cy="3684588"/>
+            <a:off x="472381" y="4453467"/>
+            <a:ext cx="2901255" cy="6550379"/>
           </a:xfrm>
         </p:spPr>
         <p:txBody>
@@ -1917,8 +1920,8 @@
         </p:nvSpPr>
         <p:spPr>
           <a:xfrm>
-            <a:off x="6172200" y="1681163"/>
-            <a:ext cx="5183188" cy="823912"/>
+            <a:off x="3471863" y="2988734"/>
+            <a:ext cx="2915543" cy="1464732"/>
           </a:xfrm>
         </p:spPr>
         <p:txBody>
@@ -1926,39 +1929,39 @@
           <a:lstStyle>
             <a:lvl1pPr marL="0" indent="0">
               <a:buNone/>
-              <a:defRPr sz="2400" b="1"/>
+              <a:defRPr sz="1800" b="1"/>
             </a:lvl1pPr>
-            <a:lvl2pPr marL="457200" indent="0">
-              <a:buNone/>
-              <a:defRPr sz="2000" b="1"/>
+            <a:lvl2pPr marL="342900" indent="0">
+              <a:buNone/>
+              <a:defRPr sz="1500" b="1"/>
             </a:lvl2pPr>
-            <a:lvl3pPr marL="914400" indent="0">
-              <a:buNone/>
-              <a:defRPr sz="1800" b="1"/>
+            <a:lvl3pPr marL="685800" indent="0">
+              <a:buNone/>
+              <a:defRPr sz="1350" b="1"/>
             </a:lvl3pPr>
-            <a:lvl4pPr marL="1371600" indent="0">
-              <a:buNone/>
-              <a:defRPr sz="1600" b="1"/>
+            <a:lvl4pPr marL="1028700" indent="0">
+              <a:buNone/>
+              <a:defRPr sz="1200" b="1"/>
             </a:lvl4pPr>
-            <a:lvl5pPr marL="1828800" indent="0">
-              <a:buNone/>
-              <a:defRPr sz="1600" b="1"/>
+            <a:lvl5pPr marL="1371600" indent="0">
+              <a:buNone/>
+              <a:defRPr sz="1200" b="1"/>
             </a:lvl5pPr>
-            <a:lvl6pPr marL="2286000" indent="0">
-              <a:buNone/>
-              <a:defRPr sz="1600" b="1"/>
+            <a:lvl6pPr marL="1714500" indent="0">
+              <a:buNone/>
+              <a:defRPr sz="1200" b="1"/>
             </a:lvl6pPr>
-            <a:lvl7pPr marL="2743200" indent="0">
-              <a:buNone/>
-              <a:defRPr sz="1600" b="1"/>
+            <a:lvl7pPr marL="2057400" indent="0">
+              <a:buNone/>
+              <a:defRPr sz="1200" b="1"/>
             </a:lvl7pPr>
-            <a:lvl8pPr marL="3200400" indent="0">
-              <a:buNone/>
-              <a:defRPr sz="1600" b="1"/>
+            <a:lvl8pPr marL="2400300" indent="0">
+              <a:buNone/>
+              <a:defRPr sz="1200" b="1"/>
             </a:lvl8pPr>
-            <a:lvl9pPr marL="3657600" indent="0">
-              <a:buNone/>
-              <a:defRPr sz="1600" b="1"/>
+            <a:lvl9pPr marL="2743200" indent="0">
+              <a:buNone/>
+              <a:defRPr sz="1200" b="1"/>
             </a:lvl9pPr>
           </a:lstStyle>
           <a:p>
@@ -1982,8 +1985,8 @@
         </p:nvSpPr>
         <p:spPr>
           <a:xfrm>
-            <a:off x="6172200" y="2505075"/>
-            <a:ext cx="5183188" cy="3684588"/>
+            <a:off x="3471863" y="4453467"/>
+            <a:ext cx="2915543" cy="6550379"/>
           </a:xfrm>
         </p:spPr>
         <p:txBody>
@@ -2044,7 +2047,7 @@
           <a:p>
             <a:fld id="{D03A017B-735F-8248-8950-D80E2C05D57D}" type="datetimeFigureOut">
               <a:rPr lang="en-US" smtClean="0"/>
-              <a:t>12/22/20</a:t>
+              <a:t>1/4/21</a:t>
             </a:fld>
             <a:endParaRPr lang="en-US"/>
           </a:p>
@@ -2095,7 +2098,7 @@
     </p:spTree>
     <p:extLst>
       <p:ext uri="{BB962C8B-B14F-4D97-AF65-F5344CB8AC3E}">
-        <p14:creationId xmlns:p14="http://schemas.microsoft.com/office/powerpoint/2010/main" val="36129405"/>
+        <p14:creationId xmlns:p14="http://schemas.microsoft.com/office/powerpoint/2010/main" val="1029878054"/>
       </p:ext>
     </p:extLst>
   </p:cSld>
@@ -2162,7 +2165,7 @@
           <a:p>
             <a:fld id="{D03A017B-735F-8248-8950-D80E2C05D57D}" type="datetimeFigureOut">
               <a:rPr lang="en-US" smtClean="0"/>
-              <a:t>12/22/20</a:t>
+              <a:t>1/4/21</a:t>
             </a:fld>
             <a:endParaRPr lang="en-US"/>
           </a:p>
@@ -2213,7 +2216,7 @@
     </p:spTree>
     <p:extLst>
       <p:ext uri="{BB962C8B-B14F-4D97-AF65-F5344CB8AC3E}">
-        <p14:creationId xmlns:p14="http://schemas.microsoft.com/office/powerpoint/2010/main" val="465564522"/>
+        <p14:creationId xmlns:p14="http://schemas.microsoft.com/office/powerpoint/2010/main" val="2384109773"/>
       </p:ext>
     </p:extLst>
   </p:cSld>
@@ -2257,7 +2260,7 @@
           <a:p>
             <a:fld id="{D03A017B-735F-8248-8950-D80E2C05D57D}" type="datetimeFigureOut">
               <a:rPr lang="en-US" smtClean="0"/>
-              <a:t>12/22/20</a:t>
+              <a:t>1/4/21</a:t>
             </a:fld>
             <a:endParaRPr lang="en-US"/>
           </a:p>
@@ -2308,7 +2311,7 @@
     </p:spTree>
     <p:extLst>
       <p:ext uri="{BB962C8B-B14F-4D97-AF65-F5344CB8AC3E}">
-        <p14:creationId xmlns:p14="http://schemas.microsoft.com/office/powerpoint/2010/main" val="2649101472"/>
+        <p14:creationId xmlns:p14="http://schemas.microsoft.com/office/powerpoint/2010/main" val="4261745868"/>
       </p:ext>
     </p:extLst>
   </p:cSld>
@@ -2347,15 +2350,15 @@
         </p:nvSpPr>
         <p:spPr>
           <a:xfrm>
-            <a:off x="839788" y="457200"/>
-            <a:ext cx="3932237" cy="1600200"/>
+            <a:off x="472381" y="812800"/>
+            <a:ext cx="2211884" cy="2844800"/>
           </a:xfrm>
         </p:spPr>
         <p:txBody>
           <a:bodyPr anchor="b"/>
           <a:lstStyle>
             <a:lvl1pPr>
-              <a:defRPr sz="3200"/>
+              <a:defRPr sz="2400"/>
             </a:lvl1pPr>
           </a:lstStyle>
           <a:p>
@@ -2379,39 +2382,39 @@
         </p:nvSpPr>
         <p:spPr>
           <a:xfrm>
-            <a:off x="5183188" y="987425"/>
-            <a:ext cx="6172200" cy="4873625"/>
+            <a:off x="2915543" y="1755425"/>
+            <a:ext cx="3471863" cy="8664222"/>
           </a:xfrm>
         </p:spPr>
         <p:txBody>
           <a:bodyPr/>
           <a:lstStyle>
             <a:lvl1pPr>
-              <a:defRPr sz="3200"/>
+              <a:defRPr sz="2400"/>
             </a:lvl1pPr>
             <a:lvl2pPr>
-              <a:defRPr sz="2800"/>
+              <a:defRPr sz="2100"/>
             </a:lvl2pPr>
             <a:lvl3pPr>
-              <a:defRPr sz="2400"/>
+              <a:defRPr sz="1800"/>
             </a:lvl3pPr>
             <a:lvl4pPr>
-              <a:defRPr sz="2000"/>
+              <a:defRPr sz="1500"/>
             </a:lvl4pPr>
             <a:lvl5pPr>
-              <a:defRPr sz="2000"/>
+              <a:defRPr sz="1500"/>
             </a:lvl5pPr>
             <a:lvl6pPr>
-              <a:defRPr sz="2000"/>
+              <a:defRPr sz="1500"/>
             </a:lvl6pPr>
             <a:lvl7pPr>
-              <a:defRPr sz="2000"/>
+              <a:defRPr sz="1500"/>
             </a:lvl7pPr>
             <a:lvl8pPr>
-              <a:defRPr sz="2000"/>
+              <a:defRPr sz="1500"/>
             </a:lvl8pPr>
             <a:lvl9pPr>
-              <a:defRPr sz="2000"/>
+              <a:defRPr sz="1500"/>
             </a:lvl9pPr>
           </a:lstStyle>
           <a:p>
@@ -2464,8 +2467,8 @@
         </p:nvSpPr>
         <p:spPr>
           <a:xfrm>
-            <a:off x="839788" y="2057400"/>
-            <a:ext cx="3932237" cy="3811588"/>
+            <a:off x="472381" y="3657600"/>
+            <a:ext cx="2211884" cy="6776156"/>
           </a:xfrm>
         </p:spPr>
         <p:txBody>
@@ -2473,39 +2476,39 @@
           <a:lstStyle>
             <a:lvl1pPr marL="0" indent="0">
               <a:buNone/>
-              <a:defRPr sz="1600"/>
+              <a:defRPr sz="1200"/>
             </a:lvl1pPr>
-            <a:lvl2pPr marL="457200" indent="0">
-              <a:buNone/>
-              <a:defRPr sz="1400"/>
+            <a:lvl2pPr marL="342900" indent="0">
+              <a:buNone/>
+              <a:defRPr sz="1050"/>
             </a:lvl2pPr>
-            <a:lvl3pPr marL="914400" indent="0">
-              <a:buNone/>
-              <a:defRPr sz="1200"/>
+            <a:lvl3pPr marL="685800" indent="0">
+              <a:buNone/>
+              <a:defRPr sz="900"/>
             </a:lvl3pPr>
-            <a:lvl4pPr marL="1371600" indent="0">
-              <a:buNone/>
-              <a:defRPr sz="1000"/>
+            <a:lvl4pPr marL="1028700" indent="0">
+              <a:buNone/>
+              <a:defRPr sz="750"/>
             </a:lvl4pPr>
-            <a:lvl5pPr marL="1828800" indent="0">
-              <a:buNone/>
-              <a:defRPr sz="1000"/>
+            <a:lvl5pPr marL="1371600" indent="0">
+              <a:buNone/>
+              <a:defRPr sz="750"/>
             </a:lvl5pPr>
-            <a:lvl6pPr marL="2286000" indent="0">
-              <a:buNone/>
-              <a:defRPr sz="1000"/>
+            <a:lvl6pPr marL="1714500" indent="0">
+              <a:buNone/>
+              <a:defRPr sz="750"/>
             </a:lvl6pPr>
-            <a:lvl7pPr marL="2743200" indent="0">
-              <a:buNone/>
-              <a:defRPr sz="1000"/>
+            <a:lvl7pPr marL="2057400" indent="0">
+              <a:buNone/>
+              <a:defRPr sz="750"/>
             </a:lvl7pPr>
-            <a:lvl8pPr marL="3200400" indent="0">
-              <a:buNone/>
-              <a:defRPr sz="1000"/>
+            <a:lvl8pPr marL="2400300" indent="0">
+              <a:buNone/>
+              <a:defRPr sz="750"/>
             </a:lvl8pPr>
-            <a:lvl9pPr marL="3657600" indent="0">
-              <a:buNone/>
-              <a:defRPr sz="1000"/>
+            <a:lvl9pPr marL="2743200" indent="0">
+              <a:buNone/>
+              <a:defRPr sz="750"/>
             </a:lvl9pPr>
           </a:lstStyle>
           <a:p>
@@ -2534,7 +2537,7 @@
           <a:p>
             <a:fld id="{D03A017B-735F-8248-8950-D80E2C05D57D}" type="datetimeFigureOut">
               <a:rPr lang="en-US" smtClean="0"/>
-              <a:t>12/22/20</a:t>
+              <a:t>1/4/21</a:t>
             </a:fld>
             <a:endParaRPr lang="en-US"/>
           </a:p>
@@ -2585,7 +2588,7 @@
     </p:spTree>
     <p:extLst>
       <p:ext uri="{BB962C8B-B14F-4D97-AF65-F5344CB8AC3E}">
-        <p14:creationId xmlns:p14="http://schemas.microsoft.com/office/powerpoint/2010/main" val="893473619"/>
+        <p14:creationId xmlns:p14="http://schemas.microsoft.com/office/powerpoint/2010/main" val="4229346489"/>
       </p:ext>
     </p:extLst>
   </p:cSld>
@@ -2624,15 +2627,15 @@
         </p:nvSpPr>
         <p:spPr>
           <a:xfrm>
-            <a:off x="839788" y="457200"/>
-            <a:ext cx="3932237" cy="1600200"/>
+            <a:off x="472381" y="812800"/>
+            <a:ext cx="2211884" cy="2844800"/>
           </a:xfrm>
         </p:spPr>
         <p:txBody>
           <a:bodyPr anchor="b"/>
           <a:lstStyle>
             <a:lvl1pPr>
-              <a:defRPr sz="3200"/>
+              <a:defRPr sz="2400"/>
             </a:lvl1pPr>
           </a:lstStyle>
           <a:p>
@@ -2656,8 +2659,8 @@
         </p:nvSpPr>
         <p:spPr>
           <a:xfrm>
-            <a:off x="5183188" y="987425"/>
-            <a:ext cx="6172200" cy="4873625"/>
+            <a:off x="2915543" y="1755425"/>
+            <a:ext cx="3471863" cy="8664222"/>
           </a:xfrm>
         </p:spPr>
         <p:txBody>
@@ -2665,39 +2668,39 @@
           <a:lstStyle>
             <a:lvl1pPr marL="0" indent="0">
               <a:buNone/>
-              <a:defRPr sz="3200"/>
+              <a:defRPr sz="2400"/>
             </a:lvl1pPr>
-            <a:lvl2pPr marL="457200" indent="0">
-              <a:buNone/>
-              <a:defRPr sz="2800"/>
+            <a:lvl2pPr marL="342900" indent="0">
+              <a:buNone/>
+              <a:defRPr sz="2100"/>
             </a:lvl2pPr>
-            <a:lvl3pPr marL="914400" indent="0">
-              <a:buNone/>
-              <a:defRPr sz="2400"/>
+            <a:lvl3pPr marL="685800" indent="0">
+              <a:buNone/>
+              <a:defRPr sz="1800"/>
             </a:lvl3pPr>
-            <a:lvl4pPr marL="1371600" indent="0">
-              <a:buNone/>
-              <a:defRPr sz="2000"/>
+            <a:lvl4pPr marL="1028700" indent="0">
+              <a:buNone/>
+              <a:defRPr sz="1500"/>
             </a:lvl4pPr>
-            <a:lvl5pPr marL="1828800" indent="0">
-              <a:buNone/>
-              <a:defRPr sz="2000"/>
+            <a:lvl5pPr marL="1371600" indent="0">
+              <a:buNone/>
+              <a:defRPr sz="1500"/>
             </a:lvl5pPr>
-            <a:lvl6pPr marL="2286000" indent="0">
-              <a:buNone/>
-              <a:defRPr sz="2000"/>
+            <a:lvl6pPr marL="1714500" indent="0">
+              <a:buNone/>
+              <a:defRPr sz="1500"/>
             </a:lvl6pPr>
-            <a:lvl7pPr marL="2743200" indent="0">
-              <a:buNone/>
-              <a:defRPr sz="2000"/>
+            <a:lvl7pPr marL="2057400" indent="0">
+              <a:buNone/>
+              <a:defRPr sz="1500"/>
             </a:lvl7pPr>
-            <a:lvl8pPr marL="3200400" indent="0">
-              <a:buNone/>
-              <a:defRPr sz="2000"/>
+            <a:lvl8pPr marL="2400300" indent="0">
+              <a:buNone/>
+              <a:defRPr sz="1500"/>
             </a:lvl8pPr>
-            <a:lvl9pPr marL="3657600" indent="0">
-              <a:buNone/>
-              <a:defRPr sz="2000"/>
+            <a:lvl9pPr marL="2743200" indent="0">
+              <a:buNone/>
+              <a:defRPr sz="1500"/>
             </a:lvl9pPr>
           </a:lstStyle>
           <a:p>
@@ -2721,8 +2724,8 @@
         </p:nvSpPr>
         <p:spPr>
           <a:xfrm>
-            <a:off x="839788" y="2057400"/>
-            <a:ext cx="3932237" cy="3811588"/>
+            <a:off x="472381" y="3657600"/>
+            <a:ext cx="2211884" cy="6776156"/>
           </a:xfrm>
         </p:spPr>
         <p:txBody>
@@ -2730,39 +2733,39 @@
           <a:lstStyle>
             <a:lvl1pPr marL="0" indent="0">
               <a:buNone/>
-              <a:defRPr sz="1600"/>
+              <a:defRPr sz="1200"/>
             </a:lvl1pPr>
-            <a:lvl2pPr marL="457200" indent="0">
-              <a:buNone/>
-              <a:defRPr sz="1400"/>
+            <a:lvl2pPr marL="342900" indent="0">
+              <a:buNone/>
+              <a:defRPr sz="1050"/>
             </a:lvl2pPr>
-            <a:lvl3pPr marL="914400" indent="0">
-              <a:buNone/>
-              <a:defRPr sz="1200"/>
+            <a:lvl3pPr marL="685800" indent="0">
+              <a:buNone/>
+              <a:defRPr sz="900"/>
             </a:lvl3pPr>
-            <a:lvl4pPr marL="1371600" indent="0">
-              <a:buNone/>
-              <a:defRPr sz="1000"/>
+            <a:lvl4pPr marL="1028700" indent="0">
+              <a:buNone/>
+              <a:defRPr sz="750"/>
             </a:lvl4pPr>
-            <a:lvl5pPr marL="1828800" indent="0">
-              <a:buNone/>
-              <a:defRPr sz="1000"/>
+            <a:lvl5pPr marL="1371600" indent="0">
+              <a:buNone/>
+              <a:defRPr sz="750"/>
             </a:lvl5pPr>
-            <a:lvl6pPr marL="2286000" indent="0">
-              <a:buNone/>
-              <a:defRPr sz="1000"/>
+            <a:lvl6pPr marL="1714500" indent="0">
+              <a:buNone/>
+              <a:defRPr sz="750"/>
             </a:lvl6pPr>
-            <a:lvl7pPr marL="2743200" indent="0">
-              <a:buNone/>
-              <a:defRPr sz="1000"/>
+            <a:lvl7pPr marL="2057400" indent="0">
+              <a:buNone/>
+              <a:defRPr sz="750"/>
             </a:lvl7pPr>
-            <a:lvl8pPr marL="3200400" indent="0">
-              <a:buNone/>
-              <a:defRPr sz="1000"/>
+            <a:lvl8pPr marL="2400300" indent="0">
+              <a:buNone/>
+              <a:defRPr sz="750"/>
             </a:lvl8pPr>
-            <a:lvl9pPr marL="3657600" indent="0">
-              <a:buNone/>
-              <a:defRPr sz="1000"/>
+            <a:lvl9pPr marL="2743200" indent="0">
+              <a:buNone/>
+              <a:defRPr sz="750"/>
             </a:lvl9pPr>
           </a:lstStyle>
           <a:p>
@@ -2791,7 +2794,7 @@
           <a:p>
             <a:fld id="{D03A017B-735F-8248-8950-D80E2C05D57D}" type="datetimeFigureOut">
               <a:rPr lang="en-US" smtClean="0"/>
-              <a:t>12/22/20</a:t>
+              <a:t>1/4/21</a:t>
             </a:fld>
             <a:endParaRPr lang="en-US"/>
           </a:p>
@@ -2842,7 +2845,7 @@
     </p:spTree>
     <p:extLst>
       <p:ext uri="{BB962C8B-B14F-4D97-AF65-F5344CB8AC3E}">
-        <p14:creationId xmlns:p14="http://schemas.microsoft.com/office/powerpoint/2010/main" val="1103088848"/>
+        <p14:creationId xmlns:p14="http://schemas.microsoft.com/office/powerpoint/2010/main" val="4013650980"/>
       </p:ext>
     </p:extLst>
   </p:cSld>
@@ -2886,8 +2889,8 @@
         </p:nvSpPr>
         <p:spPr>
           <a:xfrm>
-            <a:off x="838200" y="365125"/>
-            <a:ext cx="10515600" cy="1325563"/>
+            <a:off x="471488" y="649114"/>
+            <a:ext cx="5915025" cy="2356556"/>
           </a:xfrm>
           <a:prstGeom prst="rect">
             <a:avLst/>
@@ -2919,8 +2922,8 @@
         </p:nvSpPr>
         <p:spPr>
           <a:xfrm>
-            <a:off x="838200" y="1825625"/>
-            <a:ext cx="10515600" cy="4351338"/>
+            <a:off x="471488" y="3245556"/>
+            <a:ext cx="5915025" cy="7735712"/>
           </a:xfrm>
           <a:prstGeom prst="rect">
             <a:avLst/>
@@ -2981,8 +2984,8 @@
         </p:nvSpPr>
         <p:spPr>
           <a:xfrm>
-            <a:off x="838200" y="6356350"/>
-            <a:ext cx="2743200" cy="365125"/>
+            <a:off x="471488" y="11300181"/>
+            <a:ext cx="1543050" cy="649111"/>
           </a:xfrm>
           <a:prstGeom prst="rect">
             <a:avLst/>
@@ -2992,7 +2995,7 @@
           <a:bodyPr vert="horz" lIns="91440" tIns="45720" rIns="91440" bIns="45720" rtlCol="0" anchor="ctr"/>
           <a:lstStyle>
             <a:lvl1pPr algn="l">
-              <a:defRPr sz="1200">
+              <a:defRPr sz="900">
                 <a:solidFill>
                   <a:schemeClr val="tx1">
                     <a:tint val="75000"/>
@@ -3004,7 +3007,7 @@
           <a:p>
             <a:fld id="{D03A017B-735F-8248-8950-D80E2C05D57D}" type="datetimeFigureOut">
               <a:rPr lang="en-US" smtClean="0"/>
-              <a:t>12/22/20</a:t>
+              <a:t>1/4/21</a:t>
             </a:fld>
             <a:endParaRPr lang="en-US"/>
           </a:p>
@@ -3022,8 +3025,8 @@
         </p:nvSpPr>
         <p:spPr>
           <a:xfrm>
-            <a:off x="4038600" y="6356350"/>
-            <a:ext cx="4114800" cy="365125"/>
+            <a:off x="2271713" y="11300181"/>
+            <a:ext cx="2314575" cy="649111"/>
           </a:xfrm>
           <a:prstGeom prst="rect">
             <a:avLst/>
@@ -3033,7 +3036,7 @@
           <a:bodyPr vert="horz" lIns="91440" tIns="45720" rIns="91440" bIns="45720" rtlCol="0" anchor="ctr"/>
           <a:lstStyle>
             <a:lvl1pPr algn="ctr">
-              <a:defRPr sz="1200">
+              <a:defRPr sz="900">
                 <a:solidFill>
                   <a:schemeClr val="tx1">
                     <a:tint val="75000"/>
@@ -3059,8 +3062,8 @@
         </p:nvSpPr>
         <p:spPr>
           <a:xfrm>
-            <a:off x="8610600" y="6356350"/>
-            <a:ext cx="2743200" cy="365125"/>
+            <a:off x="4843463" y="11300181"/>
+            <a:ext cx="1543050" cy="649111"/>
           </a:xfrm>
           <a:prstGeom prst="rect">
             <a:avLst/>
@@ -3070,7 +3073,7 @@
           <a:bodyPr vert="horz" lIns="91440" tIns="45720" rIns="91440" bIns="45720" rtlCol="0" anchor="ctr"/>
           <a:lstStyle>
             <a:lvl1pPr algn="r">
-              <a:defRPr sz="1200">
+              <a:defRPr sz="900">
                 <a:solidFill>
                   <a:schemeClr val="tx1">
                     <a:tint val="75000"/>
@@ -3091,27 +3094,27 @@
     </p:spTree>
     <p:extLst>
       <p:ext uri="{BB962C8B-B14F-4D97-AF65-F5344CB8AC3E}">
-        <p14:creationId xmlns:p14="http://schemas.microsoft.com/office/powerpoint/2010/main" val="3188766491"/>
+        <p14:creationId xmlns:p14="http://schemas.microsoft.com/office/powerpoint/2010/main" val="3437289428"/>
       </p:ext>
     </p:extLst>
   </p:cSld>
   <p:clrMap bg1="lt1" tx1="dk1" bg2="lt2" tx2="dk2" accent1="accent1" accent2="accent2" accent3="accent3" accent4="accent4" accent5="accent5" accent6="accent6" hlink="hlink" folHlink="folHlink"/>
   <p:sldLayoutIdLst>
-    <p:sldLayoutId id="2147483673" r:id="rId1"/>
-    <p:sldLayoutId id="2147483674" r:id="rId2"/>
-    <p:sldLayoutId id="2147483675" r:id="rId3"/>
-    <p:sldLayoutId id="2147483676" r:id="rId4"/>
-    <p:sldLayoutId id="2147483677" r:id="rId5"/>
-    <p:sldLayoutId id="2147483678" r:id="rId6"/>
-    <p:sldLayoutId id="2147483679" r:id="rId7"/>
-    <p:sldLayoutId id="2147483680" r:id="rId8"/>
-    <p:sldLayoutId id="2147483681" r:id="rId9"/>
-    <p:sldLayoutId id="2147483682" r:id="rId10"/>
-    <p:sldLayoutId id="2147483683" r:id="rId11"/>
+    <p:sldLayoutId id="2147483685" r:id="rId1"/>
+    <p:sldLayoutId id="2147483686" r:id="rId2"/>
+    <p:sldLayoutId id="2147483687" r:id="rId3"/>
+    <p:sldLayoutId id="2147483688" r:id="rId4"/>
+    <p:sldLayoutId id="2147483689" r:id="rId5"/>
+    <p:sldLayoutId id="2147483690" r:id="rId6"/>
+    <p:sldLayoutId id="2147483691" r:id="rId7"/>
+    <p:sldLayoutId id="2147483692" r:id="rId8"/>
+    <p:sldLayoutId id="2147483693" r:id="rId9"/>
+    <p:sldLayoutId id="2147483694" r:id="rId10"/>
+    <p:sldLayoutId id="2147483695" r:id="rId11"/>
   </p:sldLayoutIdLst>
   <p:txStyles>
     <p:titleStyle>
-      <a:lvl1pPr algn="l" defTabSz="914400" rtl="0" eaLnBrk="1" latinLnBrk="0" hangingPunct="1">
+      <a:lvl1pPr algn="l" defTabSz="685800" rtl="0" eaLnBrk="1" latinLnBrk="0" hangingPunct="1">
         <a:lnSpc>
           <a:spcPct val="90000"/>
         </a:lnSpc>
@@ -3119,7 +3122,7 @@
           <a:spcPct val="0"/>
         </a:spcBef>
         <a:buNone/>
-        <a:defRPr sz="4400" kern="1200">
+        <a:defRPr sz="3300" kern="1200">
           <a:solidFill>
             <a:schemeClr val="tx1"/>
           </a:solidFill>
@@ -3130,16 +3133,16 @@
       </a:lvl1pPr>
     </p:titleStyle>
     <p:bodyStyle>
-      <a:lvl1pPr marL="228600" indent="-228600" algn="l" defTabSz="914400" rtl="0" eaLnBrk="1" latinLnBrk="0" hangingPunct="1">
+      <a:lvl1pPr marL="171450" indent="-171450" algn="l" defTabSz="685800" rtl="0" eaLnBrk="1" latinLnBrk="0" hangingPunct="1">
         <a:lnSpc>
           <a:spcPct val="90000"/>
         </a:lnSpc>
         <a:spcBef>
-          <a:spcPts val="1000"/>
+          <a:spcPts val="750"/>
         </a:spcBef>
         <a:buFont typeface="Arial" panose="020B0604020202020204" pitchFamily="34" charset="0"/>
         <a:buChar char="•"/>
-        <a:defRPr sz="2800" kern="1200">
+        <a:defRPr sz="2100" kern="1200">
           <a:solidFill>
             <a:schemeClr val="tx1"/>
           </a:solidFill>
@@ -3148,48 +3151,12 @@
           <a:cs typeface="+mn-cs"/>
         </a:defRPr>
       </a:lvl1pPr>
-      <a:lvl2pPr marL="685800" indent="-228600" algn="l" defTabSz="914400" rtl="0" eaLnBrk="1" latinLnBrk="0" hangingPunct="1">
+      <a:lvl2pPr marL="514350" indent="-171450" algn="l" defTabSz="685800" rtl="0" eaLnBrk="1" latinLnBrk="0" hangingPunct="1">
         <a:lnSpc>
           <a:spcPct val="90000"/>
         </a:lnSpc>
         <a:spcBef>
-          <a:spcPts val="500"/>
-        </a:spcBef>
-        <a:buFont typeface="Arial" panose="020B0604020202020204" pitchFamily="34" charset="0"/>
-        <a:buChar char="•"/>
-        <a:defRPr sz="2400" kern="1200">
-          <a:solidFill>
-            <a:schemeClr val="tx1"/>
-          </a:solidFill>
-          <a:latin typeface="+mn-lt"/>
-          <a:ea typeface="+mn-ea"/>
-          <a:cs typeface="+mn-cs"/>
-        </a:defRPr>
-      </a:lvl2pPr>
-      <a:lvl3pPr marL="1143000" indent="-228600" algn="l" defTabSz="914400" rtl="0" eaLnBrk="1" latinLnBrk="0" hangingPunct="1">
-        <a:lnSpc>
-          <a:spcPct val="90000"/>
-        </a:lnSpc>
-        <a:spcBef>
-          <a:spcPts val="500"/>
-        </a:spcBef>
-        <a:buFont typeface="Arial" panose="020B0604020202020204" pitchFamily="34" charset="0"/>
-        <a:buChar char="•"/>
-        <a:defRPr sz="2000" kern="1200">
-          <a:solidFill>
-            <a:schemeClr val="tx1"/>
-          </a:solidFill>
-          <a:latin typeface="+mn-lt"/>
-          <a:ea typeface="+mn-ea"/>
-          <a:cs typeface="+mn-cs"/>
-        </a:defRPr>
-      </a:lvl3pPr>
-      <a:lvl4pPr marL="1600200" indent="-228600" algn="l" defTabSz="914400" rtl="0" eaLnBrk="1" latinLnBrk="0" hangingPunct="1">
-        <a:lnSpc>
-          <a:spcPct val="90000"/>
-        </a:lnSpc>
-        <a:spcBef>
-          <a:spcPts val="500"/>
+          <a:spcPts val="375"/>
         </a:spcBef>
         <a:buFont typeface="Arial" panose="020B0604020202020204" pitchFamily="34" charset="0"/>
         <a:buChar char="•"/>
@@ -3201,17 +3168,53 @@
           <a:ea typeface="+mn-ea"/>
           <a:cs typeface="+mn-cs"/>
         </a:defRPr>
-      </a:lvl4pPr>
-      <a:lvl5pPr marL="2057400" indent="-228600" algn="l" defTabSz="914400" rtl="0" eaLnBrk="1" latinLnBrk="0" hangingPunct="1">
+      </a:lvl2pPr>
+      <a:lvl3pPr marL="857250" indent="-171450" algn="l" defTabSz="685800" rtl="0" eaLnBrk="1" latinLnBrk="0" hangingPunct="1">
         <a:lnSpc>
           <a:spcPct val="90000"/>
         </a:lnSpc>
         <a:spcBef>
-          <a:spcPts val="500"/>
+          <a:spcPts val="375"/>
         </a:spcBef>
         <a:buFont typeface="Arial" panose="020B0604020202020204" pitchFamily="34" charset="0"/>
         <a:buChar char="•"/>
-        <a:defRPr sz="1800" kern="1200">
+        <a:defRPr sz="1500" kern="1200">
+          <a:solidFill>
+            <a:schemeClr val="tx1"/>
+          </a:solidFill>
+          <a:latin typeface="+mn-lt"/>
+          <a:ea typeface="+mn-ea"/>
+          <a:cs typeface="+mn-cs"/>
+        </a:defRPr>
+      </a:lvl3pPr>
+      <a:lvl4pPr marL="1200150" indent="-171450" algn="l" defTabSz="685800" rtl="0" eaLnBrk="1" latinLnBrk="0" hangingPunct="1">
+        <a:lnSpc>
+          <a:spcPct val="90000"/>
+        </a:lnSpc>
+        <a:spcBef>
+          <a:spcPts val="375"/>
+        </a:spcBef>
+        <a:buFont typeface="Arial" panose="020B0604020202020204" pitchFamily="34" charset="0"/>
+        <a:buChar char="•"/>
+        <a:defRPr sz="1350" kern="1200">
+          <a:solidFill>
+            <a:schemeClr val="tx1"/>
+          </a:solidFill>
+          <a:latin typeface="+mn-lt"/>
+          <a:ea typeface="+mn-ea"/>
+          <a:cs typeface="+mn-cs"/>
+        </a:defRPr>
+      </a:lvl4pPr>
+      <a:lvl5pPr marL="1543050" indent="-171450" algn="l" defTabSz="685800" rtl="0" eaLnBrk="1" latinLnBrk="0" hangingPunct="1">
+        <a:lnSpc>
+          <a:spcPct val="90000"/>
+        </a:lnSpc>
+        <a:spcBef>
+          <a:spcPts val="375"/>
+        </a:spcBef>
+        <a:buFont typeface="Arial" panose="020B0604020202020204" pitchFamily="34" charset="0"/>
+        <a:buChar char="•"/>
+        <a:defRPr sz="1350" kern="1200">
           <a:solidFill>
             <a:schemeClr val="tx1"/>
           </a:solidFill>
@@ -3220,16 +3223,16 @@
           <a:cs typeface="+mn-cs"/>
         </a:defRPr>
       </a:lvl5pPr>
-      <a:lvl6pPr marL="2514600" indent="-228600" algn="l" defTabSz="914400" rtl="0" eaLnBrk="1" latinLnBrk="0" hangingPunct="1">
+      <a:lvl6pPr marL="1885950" indent="-171450" algn="l" defTabSz="685800" rtl="0" eaLnBrk="1" latinLnBrk="0" hangingPunct="1">
         <a:lnSpc>
           <a:spcPct val="90000"/>
         </a:lnSpc>
         <a:spcBef>
-          <a:spcPts val="500"/>
+          <a:spcPts val="375"/>
         </a:spcBef>
         <a:buFont typeface="Arial" panose="020B0604020202020204" pitchFamily="34" charset="0"/>
         <a:buChar char="•"/>
-        <a:defRPr sz="1800" kern="1200">
+        <a:defRPr sz="1350" kern="1200">
           <a:solidFill>
             <a:schemeClr val="tx1"/>
           </a:solidFill>
@@ -3238,16 +3241,16 @@
           <a:cs typeface="+mn-cs"/>
         </a:defRPr>
       </a:lvl6pPr>
-      <a:lvl7pPr marL="2971800" indent="-228600" algn="l" defTabSz="914400" rtl="0" eaLnBrk="1" latinLnBrk="0" hangingPunct="1">
+      <a:lvl7pPr marL="2228850" indent="-171450" algn="l" defTabSz="685800" rtl="0" eaLnBrk="1" latinLnBrk="0" hangingPunct="1">
         <a:lnSpc>
           <a:spcPct val="90000"/>
         </a:lnSpc>
         <a:spcBef>
-          <a:spcPts val="500"/>
+          <a:spcPts val="375"/>
         </a:spcBef>
         <a:buFont typeface="Arial" panose="020B0604020202020204" pitchFamily="34" charset="0"/>
         <a:buChar char="•"/>
-        <a:defRPr sz="1800" kern="1200">
+        <a:defRPr sz="1350" kern="1200">
           <a:solidFill>
             <a:schemeClr val="tx1"/>
           </a:solidFill>
@@ -3256,16 +3259,16 @@
           <a:cs typeface="+mn-cs"/>
         </a:defRPr>
       </a:lvl7pPr>
-      <a:lvl8pPr marL="3429000" indent="-228600" algn="l" defTabSz="914400" rtl="0" eaLnBrk="1" latinLnBrk="0" hangingPunct="1">
+      <a:lvl8pPr marL="2571750" indent="-171450" algn="l" defTabSz="685800" rtl="0" eaLnBrk="1" latinLnBrk="0" hangingPunct="1">
         <a:lnSpc>
           <a:spcPct val="90000"/>
         </a:lnSpc>
         <a:spcBef>
-          <a:spcPts val="500"/>
+          <a:spcPts val="375"/>
         </a:spcBef>
         <a:buFont typeface="Arial" panose="020B0604020202020204" pitchFamily="34" charset="0"/>
         <a:buChar char="•"/>
-        <a:defRPr sz="1800" kern="1200">
+        <a:defRPr sz="1350" kern="1200">
           <a:solidFill>
             <a:schemeClr val="tx1"/>
           </a:solidFill>
@@ -3274,16 +3277,16 @@
           <a:cs typeface="+mn-cs"/>
         </a:defRPr>
       </a:lvl8pPr>
-      <a:lvl9pPr marL="3886200" indent="-228600" algn="l" defTabSz="914400" rtl="0" eaLnBrk="1" latinLnBrk="0" hangingPunct="1">
+      <a:lvl9pPr marL="2914650" indent="-171450" algn="l" defTabSz="685800" rtl="0" eaLnBrk="1" latinLnBrk="0" hangingPunct="1">
         <a:lnSpc>
           <a:spcPct val="90000"/>
         </a:lnSpc>
         <a:spcBef>
-          <a:spcPts val="500"/>
+          <a:spcPts val="375"/>
         </a:spcBef>
         <a:buFont typeface="Arial" panose="020B0604020202020204" pitchFamily="34" charset="0"/>
         <a:buChar char="•"/>
-        <a:defRPr sz="1800" kern="1200">
+        <a:defRPr sz="1350" kern="1200">
           <a:solidFill>
             <a:schemeClr val="tx1"/>
           </a:solidFill>
@@ -3297,8 +3300,8 @@
       <a:defPPr>
         <a:defRPr lang="en-US"/>
       </a:defPPr>
-      <a:lvl1pPr marL="0" algn="l" defTabSz="914400" rtl="0" eaLnBrk="1" latinLnBrk="0" hangingPunct="1">
-        <a:defRPr sz="1800" kern="1200">
+      <a:lvl1pPr marL="0" algn="l" defTabSz="685800" rtl="0" eaLnBrk="1" latinLnBrk="0" hangingPunct="1">
+        <a:defRPr sz="1350" kern="1200">
           <a:solidFill>
             <a:schemeClr val="tx1"/>
           </a:solidFill>
@@ -3307,8 +3310,8 @@
           <a:cs typeface="+mn-cs"/>
         </a:defRPr>
       </a:lvl1pPr>
-      <a:lvl2pPr marL="457200" algn="l" defTabSz="914400" rtl="0" eaLnBrk="1" latinLnBrk="0" hangingPunct="1">
-        <a:defRPr sz="1800" kern="1200">
+      <a:lvl2pPr marL="342900" algn="l" defTabSz="685800" rtl="0" eaLnBrk="1" latinLnBrk="0" hangingPunct="1">
+        <a:defRPr sz="1350" kern="1200">
           <a:solidFill>
             <a:schemeClr val="tx1"/>
           </a:solidFill>
@@ -3317,8 +3320,8 @@
           <a:cs typeface="+mn-cs"/>
         </a:defRPr>
       </a:lvl2pPr>
-      <a:lvl3pPr marL="914400" algn="l" defTabSz="914400" rtl="0" eaLnBrk="1" latinLnBrk="0" hangingPunct="1">
-        <a:defRPr sz="1800" kern="1200">
+      <a:lvl3pPr marL="685800" algn="l" defTabSz="685800" rtl="0" eaLnBrk="1" latinLnBrk="0" hangingPunct="1">
+        <a:defRPr sz="1350" kern="1200">
           <a:solidFill>
             <a:schemeClr val="tx1"/>
           </a:solidFill>
@@ -3327,8 +3330,8 @@
           <a:cs typeface="+mn-cs"/>
         </a:defRPr>
       </a:lvl3pPr>
-      <a:lvl4pPr marL="1371600" algn="l" defTabSz="914400" rtl="0" eaLnBrk="1" latinLnBrk="0" hangingPunct="1">
-        <a:defRPr sz="1800" kern="1200">
+      <a:lvl4pPr marL="1028700" algn="l" defTabSz="685800" rtl="0" eaLnBrk="1" latinLnBrk="0" hangingPunct="1">
+        <a:defRPr sz="1350" kern="1200">
           <a:solidFill>
             <a:schemeClr val="tx1"/>
           </a:solidFill>
@@ -3337,8 +3340,8 @@
           <a:cs typeface="+mn-cs"/>
         </a:defRPr>
       </a:lvl4pPr>
-      <a:lvl5pPr marL="1828800" algn="l" defTabSz="914400" rtl="0" eaLnBrk="1" latinLnBrk="0" hangingPunct="1">
-        <a:defRPr sz="1800" kern="1200">
+      <a:lvl5pPr marL="1371600" algn="l" defTabSz="685800" rtl="0" eaLnBrk="1" latinLnBrk="0" hangingPunct="1">
+        <a:defRPr sz="1350" kern="1200">
           <a:solidFill>
             <a:schemeClr val="tx1"/>
           </a:solidFill>
@@ -3347,8 +3350,8 @@
           <a:cs typeface="+mn-cs"/>
         </a:defRPr>
       </a:lvl5pPr>
-      <a:lvl6pPr marL="2286000" algn="l" defTabSz="914400" rtl="0" eaLnBrk="1" latinLnBrk="0" hangingPunct="1">
-        <a:defRPr sz="1800" kern="1200">
+      <a:lvl6pPr marL="1714500" algn="l" defTabSz="685800" rtl="0" eaLnBrk="1" latinLnBrk="0" hangingPunct="1">
+        <a:defRPr sz="1350" kern="1200">
           <a:solidFill>
             <a:schemeClr val="tx1"/>
           </a:solidFill>
@@ -3357,8 +3360,8 @@
           <a:cs typeface="+mn-cs"/>
         </a:defRPr>
       </a:lvl6pPr>
-      <a:lvl7pPr marL="2743200" algn="l" defTabSz="914400" rtl="0" eaLnBrk="1" latinLnBrk="0" hangingPunct="1">
-        <a:defRPr sz="1800" kern="1200">
+      <a:lvl7pPr marL="2057400" algn="l" defTabSz="685800" rtl="0" eaLnBrk="1" latinLnBrk="0" hangingPunct="1">
+        <a:defRPr sz="1350" kern="1200">
           <a:solidFill>
             <a:schemeClr val="tx1"/>
           </a:solidFill>
@@ -3367,8 +3370,8 @@
           <a:cs typeface="+mn-cs"/>
         </a:defRPr>
       </a:lvl7pPr>
-      <a:lvl8pPr marL="3200400" algn="l" defTabSz="914400" rtl="0" eaLnBrk="1" latinLnBrk="0" hangingPunct="1">
-        <a:defRPr sz="1800" kern="1200">
+      <a:lvl8pPr marL="2400300" algn="l" defTabSz="685800" rtl="0" eaLnBrk="1" latinLnBrk="0" hangingPunct="1">
+        <a:defRPr sz="1350" kern="1200">
           <a:solidFill>
             <a:schemeClr val="tx1"/>
           </a:solidFill>
@@ -3377,8 +3380,8 @@
           <a:cs typeface="+mn-cs"/>
         </a:defRPr>
       </a:lvl8pPr>
-      <a:lvl9pPr marL="3657600" algn="l" defTabSz="914400" rtl="0" eaLnBrk="1" latinLnBrk="0" hangingPunct="1">
-        <a:defRPr sz="1800" kern="1200">
+      <a:lvl9pPr marL="2743200" algn="l" defTabSz="685800" rtl="0" eaLnBrk="1" latinLnBrk="0" hangingPunct="1">
+        <a:defRPr sz="1350" kern="1200">
           <a:solidFill>
             <a:schemeClr val="tx1"/>
           </a:solidFill>
@@ -3409,12 +3412,621 @@
           <a:chExt cx="0" cy="0"/>
         </a:xfrm>
       </p:grpSpPr>
+      <p:sp>
+        <p:nvSpPr>
+          <p:cNvPr id="49" name="TextBox 48">
+            <a:extLst>
+              <a:ext uri="{FF2B5EF4-FFF2-40B4-BE49-F238E27FC236}">
+                <a16:creationId xmlns:a16="http://schemas.microsoft.com/office/drawing/2014/main" id="{AC5F9301-2F97-7846-9DAA-ABEC1505F364}"/>
+              </a:ext>
+            </a:extLst>
+          </p:cNvPr>
+          <p:cNvSpPr txBox="1"/>
+          <p:nvPr/>
+        </p:nvSpPr>
+        <p:spPr>
+          <a:xfrm rot="16200000">
+            <a:off x="-187641" y="884152"/>
+            <a:ext cx="787395" cy="369332"/>
+          </a:xfrm>
+          <a:prstGeom prst="rect">
+            <a:avLst/>
+          </a:prstGeom>
+          <a:noFill/>
+          <a:ln>
+            <a:noFill/>
+          </a:ln>
+        </p:spPr>
+        <p:txBody>
+          <a:bodyPr wrap="none" rtlCol="0">
+            <a:spAutoFit/>
+          </a:bodyPr>
+          <a:lstStyle/>
+          <a:p>
+            <a:r>
+              <a:rPr lang="en-US" dirty="0" err="1">
+                <a:latin typeface="Times" pitchFamily="2" charset="0"/>
+              </a:rPr>
+              <a:t>CoGV</a:t>
+            </a:r>
+            <a:endParaRPr lang="en-US" dirty="0">
+              <a:latin typeface="Times" pitchFamily="2" charset="0"/>
+            </a:endParaRPr>
+          </a:p>
+        </p:txBody>
+      </p:sp>
+      <p:sp>
+        <p:nvSpPr>
+          <p:cNvPr id="50" name="TextBox 49">
+            <a:extLst>
+              <a:ext uri="{FF2B5EF4-FFF2-40B4-BE49-F238E27FC236}">
+                <a16:creationId xmlns:a16="http://schemas.microsoft.com/office/drawing/2014/main" id="{549E5731-48D6-F541-8C2D-334B45F92C3E}"/>
+              </a:ext>
+            </a:extLst>
+          </p:cNvPr>
+          <p:cNvSpPr txBox="1"/>
+          <p:nvPr/>
+        </p:nvSpPr>
+        <p:spPr>
+          <a:xfrm rot="16200000">
+            <a:off x="-187142" y="2356910"/>
+            <a:ext cx="787395" cy="369332"/>
+          </a:xfrm>
+          <a:prstGeom prst="rect">
+            <a:avLst/>
+          </a:prstGeom>
+          <a:noFill/>
+          <a:ln>
+            <a:noFill/>
+          </a:ln>
+        </p:spPr>
+        <p:txBody>
+          <a:bodyPr wrap="none" rtlCol="0">
+            <a:spAutoFit/>
+          </a:bodyPr>
+          <a:lstStyle/>
+          <a:p>
+            <a:r>
+              <a:rPr lang="en-US" dirty="0" err="1">
+                <a:latin typeface="Times" pitchFamily="2" charset="0"/>
+              </a:rPr>
+              <a:t>CnGV</a:t>
+            </a:r>
+            <a:endParaRPr lang="en-US" dirty="0">
+              <a:latin typeface="Times" pitchFamily="2" charset="0"/>
+            </a:endParaRPr>
+          </a:p>
+        </p:txBody>
+      </p:sp>
+      <p:sp>
+        <p:nvSpPr>
+          <p:cNvPr id="51" name="TextBox 50">
+            <a:extLst>
+              <a:ext uri="{FF2B5EF4-FFF2-40B4-BE49-F238E27FC236}">
+                <a16:creationId xmlns:a16="http://schemas.microsoft.com/office/drawing/2014/main" id="{E5EEBA0E-850E-6149-885E-8A8DA1A3BAC4}"/>
+              </a:ext>
+            </a:extLst>
+          </p:cNvPr>
+          <p:cNvSpPr txBox="1"/>
+          <p:nvPr/>
+        </p:nvSpPr>
+        <p:spPr>
+          <a:xfrm>
+            <a:off x="415596" y="1638749"/>
+            <a:ext cx="2205867" cy="276999"/>
+          </a:xfrm>
+          <a:prstGeom prst="rect">
+            <a:avLst/>
+          </a:prstGeom>
+          <a:noFill/>
+          <a:ln>
+            <a:noFill/>
+          </a:ln>
+        </p:spPr>
+        <p:txBody>
+          <a:bodyPr wrap="square" rtlCol="0">
+            <a:spAutoFit/>
+          </a:bodyPr>
+          <a:lstStyle/>
+          <a:p>
+            <a:pPr algn="ctr"/>
+            <a:r>
+              <a:rPr lang="en-US" sz="1200" b="1" dirty="0">
+                <a:latin typeface="Times" pitchFamily="2" charset="0"/>
+              </a:rPr>
+              <a:t>Significant </a:t>
+            </a:r>
+            <a:r>
+              <a:rPr lang="en-US" sz="1200" b="1" dirty="0" err="1">
+                <a:latin typeface="Times" pitchFamily="2" charset="0"/>
+              </a:rPr>
+              <a:t>GxE</a:t>
+            </a:r>
+            <a:endParaRPr lang="en-US" sz="1200" b="1" dirty="0">
+              <a:latin typeface="Times" pitchFamily="2" charset="0"/>
+            </a:endParaRPr>
+          </a:p>
+        </p:txBody>
+      </p:sp>
+      <p:sp>
+        <p:nvSpPr>
+          <p:cNvPr id="57" name="TextBox 56">
+            <a:extLst>
+              <a:ext uri="{FF2B5EF4-FFF2-40B4-BE49-F238E27FC236}">
+                <a16:creationId xmlns:a16="http://schemas.microsoft.com/office/drawing/2014/main" id="{4832DB52-D6A7-744B-A9C5-4A957747590B}"/>
+              </a:ext>
+            </a:extLst>
+          </p:cNvPr>
+          <p:cNvSpPr txBox="1"/>
+          <p:nvPr/>
+        </p:nvSpPr>
+        <p:spPr>
+          <a:xfrm>
+            <a:off x="2015796" y="3769936"/>
+            <a:ext cx="2647648" cy="369332"/>
+          </a:xfrm>
+          <a:prstGeom prst="rect">
+            <a:avLst/>
+          </a:prstGeom>
+          <a:noFill/>
+          <a:ln>
+            <a:noFill/>
+          </a:ln>
+        </p:spPr>
+        <p:txBody>
+          <a:bodyPr wrap="none" rtlCol="0">
+            <a:spAutoFit/>
+          </a:bodyPr>
+          <a:lstStyle/>
+          <a:p>
+            <a:r>
+              <a:rPr lang="en-US" dirty="0">
+                <a:latin typeface="Times" pitchFamily="2" charset="0"/>
+              </a:rPr>
+              <a:t>Full Reciprocal Transplant</a:t>
+            </a:r>
+          </a:p>
+        </p:txBody>
+      </p:sp>
+      <p:sp>
+        <p:nvSpPr>
+          <p:cNvPr id="58" name="TextBox 57">
+            <a:extLst>
+              <a:ext uri="{FF2B5EF4-FFF2-40B4-BE49-F238E27FC236}">
+                <a16:creationId xmlns:a16="http://schemas.microsoft.com/office/drawing/2014/main" id="{BAA854ED-121D-374A-9102-9C649D1C7D0A}"/>
+              </a:ext>
+            </a:extLst>
+          </p:cNvPr>
+          <p:cNvSpPr txBox="1"/>
+          <p:nvPr/>
+        </p:nvSpPr>
+        <p:spPr>
+          <a:xfrm>
+            <a:off x="1932722" y="7518674"/>
+            <a:ext cx="2428870" cy="369332"/>
+          </a:xfrm>
+          <a:prstGeom prst="rect">
+            <a:avLst/>
+          </a:prstGeom>
+          <a:noFill/>
+          <a:ln>
+            <a:noFill/>
+          </a:ln>
+        </p:spPr>
+        <p:txBody>
+          <a:bodyPr wrap="none" rtlCol="0">
+            <a:spAutoFit/>
+          </a:bodyPr>
+          <a:lstStyle/>
+          <a:p>
+            <a:r>
+              <a:rPr lang="en-US" dirty="0">
+                <a:latin typeface="Times" pitchFamily="2" charset="0"/>
+              </a:rPr>
+              <a:t>Paired Common Garden</a:t>
+            </a:r>
+          </a:p>
+        </p:txBody>
+      </p:sp>
+      <p:sp>
+        <p:nvSpPr>
+          <p:cNvPr id="59" name="TextBox 58">
+            <a:extLst>
+              <a:ext uri="{FF2B5EF4-FFF2-40B4-BE49-F238E27FC236}">
+                <a16:creationId xmlns:a16="http://schemas.microsoft.com/office/drawing/2014/main" id="{6746543B-DD36-1A4B-BC59-B27BDD88F881}"/>
+              </a:ext>
+            </a:extLst>
+          </p:cNvPr>
+          <p:cNvSpPr txBox="1"/>
+          <p:nvPr/>
+        </p:nvSpPr>
+        <p:spPr>
+          <a:xfrm rot="16200000">
+            <a:off x="191187" y="8951545"/>
+            <a:ext cx="603050" cy="276999"/>
+          </a:xfrm>
+          <a:prstGeom prst="rect">
+            <a:avLst/>
+          </a:prstGeom>
+          <a:noFill/>
+          <a:ln>
+            <a:noFill/>
+          </a:ln>
+        </p:spPr>
+        <p:txBody>
+          <a:bodyPr wrap="none" rtlCol="0">
+            <a:spAutoFit/>
+          </a:bodyPr>
+          <a:lstStyle/>
+          <a:p>
+            <a:r>
+              <a:rPr lang="en-US" sz="1200" b="1" dirty="0" err="1">
+                <a:latin typeface="Times" pitchFamily="2" charset="0"/>
+              </a:rPr>
+              <a:t>CoGV</a:t>
+            </a:r>
+            <a:endParaRPr lang="en-US" sz="1200" b="1" dirty="0">
+              <a:latin typeface="Times" pitchFamily="2" charset="0"/>
+            </a:endParaRPr>
+          </a:p>
+        </p:txBody>
+      </p:sp>
+      <p:sp>
+        <p:nvSpPr>
+          <p:cNvPr id="60" name="TextBox 59">
+            <a:extLst>
+              <a:ext uri="{FF2B5EF4-FFF2-40B4-BE49-F238E27FC236}">
+                <a16:creationId xmlns:a16="http://schemas.microsoft.com/office/drawing/2014/main" id="{FEE8766A-694D-DD44-A1C5-054BE350B658}"/>
+              </a:ext>
+            </a:extLst>
+          </p:cNvPr>
+          <p:cNvSpPr txBox="1"/>
+          <p:nvPr/>
+        </p:nvSpPr>
+        <p:spPr>
+          <a:xfrm rot="16200000">
+            <a:off x="187180" y="10017613"/>
+            <a:ext cx="611065" cy="276999"/>
+          </a:xfrm>
+          <a:prstGeom prst="rect">
+            <a:avLst/>
+          </a:prstGeom>
+          <a:noFill/>
+          <a:ln>
+            <a:noFill/>
+          </a:ln>
+        </p:spPr>
+        <p:txBody>
+          <a:bodyPr wrap="none" rtlCol="0">
+            <a:spAutoFit/>
+          </a:bodyPr>
+          <a:lstStyle/>
+          <a:p>
+            <a:r>
+              <a:rPr lang="en-US" sz="1200" b="1" dirty="0" err="1">
+                <a:latin typeface="Times" pitchFamily="2" charset="0"/>
+              </a:rPr>
+              <a:t>CnGV</a:t>
+            </a:r>
+            <a:endParaRPr lang="en-US" sz="1200" b="1" dirty="0">
+              <a:latin typeface="Times" pitchFamily="2" charset="0"/>
+            </a:endParaRPr>
+          </a:p>
+        </p:txBody>
+      </p:sp>
+      <p:pic>
+        <p:nvPicPr>
+          <p:cNvPr id="3" name="Picture 2">
+            <a:extLst>
+              <a:ext uri="{FF2B5EF4-FFF2-40B4-BE49-F238E27FC236}">
+                <a16:creationId xmlns:a16="http://schemas.microsoft.com/office/drawing/2014/main" id="{B40DED33-787F-194A-A420-8A41200C2D41}"/>
+              </a:ext>
+            </a:extLst>
+          </p:cNvPr>
+          <p:cNvPicPr>
+            <a:picLocks noChangeAspect="1"/>
+          </p:cNvPicPr>
+          <p:nvPr/>
+        </p:nvPicPr>
+        <p:blipFill>
+          <a:blip r:embed="rId3"/>
+          <a:stretch>
+            <a:fillRect/>
+          </a:stretch>
+        </p:blipFill>
+        <p:spPr>
+          <a:xfrm>
+            <a:off x="385402" y="7931157"/>
+            <a:ext cx="2958353" cy="2286000"/>
+          </a:xfrm>
+          <a:prstGeom prst="rect">
+            <a:avLst/>
+          </a:prstGeom>
+        </p:spPr>
+      </p:pic>
+      <p:pic>
+        <p:nvPicPr>
+          <p:cNvPr id="5" name="Picture 4">
+            <a:extLst>
+              <a:ext uri="{FF2B5EF4-FFF2-40B4-BE49-F238E27FC236}">
+                <a16:creationId xmlns:a16="http://schemas.microsoft.com/office/drawing/2014/main" id="{097D3AEF-3193-5045-8343-B0AE6B765A76}"/>
+              </a:ext>
+            </a:extLst>
+          </p:cNvPr>
+          <p:cNvPicPr>
+            <a:picLocks noChangeAspect="1"/>
+          </p:cNvPicPr>
+          <p:nvPr/>
+        </p:nvPicPr>
+        <p:blipFill rotWithShape="1">
+          <a:blip r:embed="rId4"/>
+          <a:srcRect b="17837"/>
+          <a:stretch/>
+        </p:blipFill>
+        <p:spPr>
+          <a:xfrm>
+            <a:off x="382607" y="9539316"/>
+            <a:ext cx="2958353" cy="1878242"/>
+          </a:xfrm>
+          <a:prstGeom prst="rect">
+            <a:avLst/>
+          </a:prstGeom>
+        </p:spPr>
+      </p:pic>
+      <p:pic>
+        <p:nvPicPr>
+          <p:cNvPr id="17" name="Picture 16">
+            <a:extLst>
+              <a:ext uri="{FF2B5EF4-FFF2-40B4-BE49-F238E27FC236}">
+                <a16:creationId xmlns:a16="http://schemas.microsoft.com/office/drawing/2014/main" id="{75C3CB93-FEFB-5549-AC8C-1EF269C252F5}"/>
+              </a:ext>
+            </a:extLst>
+          </p:cNvPr>
+          <p:cNvPicPr>
+            <a:picLocks noChangeAspect="1"/>
+          </p:cNvPicPr>
+          <p:nvPr/>
+        </p:nvPicPr>
+        <p:blipFill>
+          <a:blip r:embed="rId5"/>
+          <a:stretch>
+            <a:fillRect/>
+          </a:stretch>
+        </p:blipFill>
+        <p:spPr>
+          <a:xfrm>
+            <a:off x="382177" y="4131139"/>
+            <a:ext cx="2958353" cy="2286000"/>
+          </a:xfrm>
+          <a:prstGeom prst="rect">
+            <a:avLst/>
+          </a:prstGeom>
+        </p:spPr>
+      </p:pic>
+      <p:pic>
+        <p:nvPicPr>
+          <p:cNvPr id="19" name="Picture 18">
+            <a:extLst>
+              <a:ext uri="{FF2B5EF4-FFF2-40B4-BE49-F238E27FC236}">
+                <a16:creationId xmlns:a16="http://schemas.microsoft.com/office/drawing/2014/main" id="{AE3AF48F-62DC-DB42-96C1-1711FBCFABB1}"/>
+              </a:ext>
+            </a:extLst>
+          </p:cNvPr>
+          <p:cNvPicPr>
+            <a:picLocks noChangeAspect="1"/>
+          </p:cNvPicPr>
+          <p:nvPr/>
+        </p:nvPicPr>
+        <p:blipFill>
+          <a:blip r:embed="rId6"/>
+          <a:stretch>
+            <a:fillRect/>
+          </a:stretch>
+        </p:blipFill>
+        <p:spPr>
+          <a:xfrm>
+            <a:off x="368201" y="319515"/>
+            <a:ext cx="2958353" cy="2286000"/>
+          </a:xfrm>
+          <a:prstGeom prst="rect">
+            <a:avLst/>
+          </a:prstGeom>
+        </p:spPr>
+      </p:pic>
+      <p:pic>
+        <p:nvPicPr>
+          <p:cNvPr id="21" name="Picture 20">
+            <a:extLst>
+              <a:ext uri="{FF2B5EF4-FFF2-40B4-BE49-F238E27FC236}">
+                <a16:creationId xmlns:a16="http://schemas.microsoft.com/office/drawing/2014/main" id="{156719BD-4B80-4D4D-87E2-E8BC27DF1851}"/>
+              </a:ext>
+            </a:extLst>
+          </p:cNvPr>
+          <p:cNvPicPr>
+            <a:picLocks noChangeAspect="1"/>
+          </p:cNvPicPr>
+          <p:nvPr/>
+        </p:nvPicPr>
+        <p:blipFill rotWithShape="1">
+          <a:blip r:embed="rId7"/>
+          <a:srcRect b="21072"/>
+          <a:stretch/>
+        </p:blipFill>
+        <p:spPr>
+          <a:xfrm>
+            <a:off x="381267" y="1914892"/>
+            <a:ext cx="2958353" cy="1804301"/>
+          </a:xfrm>
+          <a:prstGeom prst="rect">
+            <a:avLst/>
+          </a:prstGeom>
+        </p:spPr>
+      </p:pic>
+      <p:sp>
+        <p:nvSpPr>
+          <p:cNvPr id="87" name="TextBox 86">
+            <a:extLst>
+              <a:ext uri="{FF2B5EF4-FFF2-40B4-BE49-F238E27FC236}">
+                <a16:creationId xmlns:a16="http://schemas.microsoft.com/office/drawing/2014/main" id="{4A42217E-E1A4-B847-8966-C1E7393464A3}"/>
+              </a:ext>
+            </a:extLst>
+          </p:cNvPr>
+          <p:cNvSpPr txBox="1"/>
+          <p:nvPr/>
+        </p:nvSpPr>
+        <p:spPr>
+          <a:xfrm>
+            <a:off x="829789" y="19111"/>
+            <a:ext cx="2205867" cy="369332"/>
+          </a:xfrm>
+          <a:prstGeom prst="rect">
+            <a:avLst/>
+          </a:prstGeom>
+          <a:noFill/>
+          <a:ln>
+            <a:noFill/>
+          </a:ln>
+        </p:spPr>
+        <p:txBody>
+          <a:bodyPr wrap="square" rtlCol="0">
+            <a:spAutoFit/>
+          </a:bodyPr>
+          <a:lstStyle/>
+          <a:p>
+            <a:pPr algn="ctr"/>
+            <a:r>
+              <a:rPr lang="en-US" dirty="0">
+                <a:latin typeface="Times" pitchFamily="2" charset="0"/>
+              </a:rPr>
+              <a:t>Significant </a:t>
+            </a:r>
+            <a:r>
+              <a:rPr lang="en-US" dirty="0" err="1">
+                <a:latin typeface="Times" pitchFamily="2" charset="0"/>
+              </a:rPr>
+              <a:t>GxE</a:t>
+            </a:r>
+            <a:endParaRPr lang="en-US" dirty="0">
+              <a:latin typeface="Times" pitchFamily="2" charset="0"/>
+            </a:endParaRPr>
+          </a:p>
+        </p:txBody>
+      </p:sp>
+      <p:sp>
+        <p:nvSpPr>
+          <p:cNvPr id="88" name="TextBox 87">
+            <a:extLst>
+              <a:ext uri="{FF2B5EF4-FFF2-40B4-BE49-F238E27FC236}">
+                <a16:creationId xmlns:a16="http://schemas.microsoft.com/office/drawing/2014/main" id="{20A27625-BB99-7843-9936-D665C45B41CF}"/>
+              </a:ext>
+            </a:extLst>
+          </p:cNvPr>
+          <p:cNvSpPr txBox="1"/>
+          <p:nvPr/>
+        </p:nvSpPr>
+        <p:spPr>
+          <a:xfrm>
+            <a:off x="3566996" y="18957"/>
+            <a:ext cx="2205867" cy="369332"/>
+          </a:xfrm>
+          <a:prstGeom prst="rect">
+            <a:avLst/>
+          </a:prstGeom>
+          <a:noFill/>
+          <a:ln>
+            <a:noFill/>
+          </a:ln>
+        </p:spPr>
+        <p:txBody>
+          <a:bodyPr wrap="square" rtlCol="0">
+            <a:spAutoFit/>
+          </a:bodyPr>
+          <a:lstStyle/>
+          <a:p>
+            <a:pPr algn="ctr"/>
+            <a:r>
+              <a:rPr lang="en-US" dirty="0">
+                <a:latin typeface="Times" pitchFamily="2" charset="0"/>
+              </a:rPr>
+              <a:t>Non-Significant </a:t>
+            </a:r>
+            <a:r>
+              <a:rPr lang="en-US" dirty="0" err="1">
+                <a:latin typeface="Times" pitchFamily="2" charset="0"/>
+              </a:rPr>
+              <a:t>GxE</a:t>
+            </a:r>
+            <a:endParaRPr lang="en-US" dirty="0">
+              <a:latin typeface="Times" pitchFamily="2" charset="0"/>
+            </a:endParaRPr>
+          </a:p>
+        </p:txBody>
+      </p:sp>
+      <p:pic>
+        <p:nvPicPr>
+          <p:cNvPr id="25" name="Picture 24">
+            <a:extLst>
+              <a:ext uri="{FF2B5EF4-FFF2-40B4-BE49-F238E27FC236}">
+                <a16:creationId xmlns:a16="http://schemas.microsoft.com/office/drawing/2014/main" id="{764C59C8-B157-AA4A-B47F-2C7E79277CCB}"/>
+              </a:ext>
+            </a:extLst>
+          </p:cNvPr>
+          <p:cNvPicPr>
+            <a:picLocks noChangeAspect="1"/>
+          </p:cNvPicPr>
+          <p:nvPr/>
+        </p:nvPicPr>
+        <p:blipFill>
+          <a:blip r:embed="rId8"/>
+          <a:stretch>
+            <a:fillRect/>
+          </a:stretch>
+        </p:blipFill>
+        <p:spPr>
+          <a:xfrm>
+            <a:off x="3069858" y="319515"/>
+            <a:ext cx="2958353" cy="2286000"/>
+          </a:xfrm>
+          <a:prstGeom prst="rect">
+            <a:avLst/>
+          </a:prstGeom>
+        </p:spPr>
+      </p:pic>
+      <p:pic>
+        <p:nvPicPr>
+          <p:cNvPr id="23" name="Picture 22">
+            <a:extLst>
+              <a:ext uri="{FF2B5EF4-FFF2-40B4-BE49-F238E27FC236}">
+                <a16:creationId xmlns:a16="http://schemas.microsoft.com/office/drawing/2014/main" id="{0F34F195-C317-6746-BC90-18780533E491}"/>
+              </a:ext>
+            </a:extLst>
+          </p:cNvPr>
+          <p:cNvPicPr>
+            <a:picLocks noChangeAspect="1"/>
+          </p:cNvPicPr>
+          <p:nvPr/>
+        </p:nvPicPr>
+        <p:blipFill rotWithShape="1">
+          <a:blip r:embed="rId9"/>
+          <a:srcRect b="21072"/>
+          <a:stretch/>
+        </p:blipFill>
+        <p:spPr>
+          <a:xfrm>
+            <a:off x="3074396" y="1914892"/>
+            <a:ext cx="2958353" cy="1804301"/>
+          </a:xfrm>
+          <a:prstGeom prst="rect">
+            <a:avLst/>
+          </a:prstGeom>
+        </p:spPr>
+      </p:pic>
       <p:grpSp>
         <p:nvGrpSpPr>
-          <p:cNvPr id="328" name="Group 327">
+          <p:cNvPr id="97" name="Group 96">
             <a:extLst>
               <a:ext uri="{FF2B5EF4-FFF2-40B4-BE49-F238E27FC236}">
-                <a16:creationId xmlns:a16="http://schemas.microsoft.com/office/drawing/2014/main" id="{A7A4EE83-C6E9-1B47-8911-0416F720F9B4}"/>
+                <a16:creationId xmlns:a16="http://schemas.microsoft.com/office/drawing/2014/main" id="{1008CB39-9123-1C43-BED5-B90A3C807582}"/>
               </a:ext>
             </a:extLst>
           </p:cNvPr>
@@ -3423,18 +4035,18 @@
         </p:nvGrpSpPr>
         <p:grpSpPr>
           <a:xfrm>
-            <a:off x="8637601" y="675987"/>
-            <a:ext cx="3455847" cy="2443153"/>
-            <a:chOff x="8637601" y="675987"/>
-            <a:chExt cx="3455847" cy="2443153"/>
+            <a:off x="2045545" y="3057892"/>
+            <a:ext cx="1025283" cy="273364"/>
+            <a:chOff x="2203255" y="4226839"/>
+            <a:chExt cx="1025283" cy="273364"/>
           </a:xfrm>
         </p:grpSpPr>
         <p:pic>
           <p:nvPicPr>
-            <p:cNvPr id="287" name="Picture 286">
+            <p:cNvPr id="98" name="Picture 97">
               <a:extLst>
                 <a:ext uri="{FF2B5EF4-FFF2-40B4-BE49-F238E27FC236}">
-                  <a16:creationId xmlns:a16="http://schemas.microsoft.com/office/drawing/2014/main" id="{D671ADA7-1CC1-2A49-90EA-BB50636E101F}"/>
+                  <a16:creationId xmlns:a16="http://schemas.microsoft.com/office/drawing/2014/main" id="{1097A73A-B47B-6547-AB1B-B3B6C3401C00}"/>
                 </a:ext>
               </a:extLst>
             </p:cNvPr>
@@ -3443,16 +4055,15 @@
             </p:cNvPicPr>
             <p:nvPr/>
           </p:nvPicPr>
-          <p:blipFill>
-            <a:blip r:embed="rId3"/>
-            <a:stretch>
-              <a:fillRect/>
-            </a:stretch>
+          <p:blipFill rotWithShape="1">
+            <a:blip r:embed="rId10"/>
+            <a:srcRect l="57968" t="87984" r="8852" b="6666"/>
+            <a:stretch/>
           </p:blipFill>
           <p:spPr>
             <a:xfrm>
-              <a:off x="8672021" y="675987"/>
-              <a:ext cx="1775012" cy="1371600"/>
+              <a:off x="2229188" y="4226839"/>
+              <a:ext cx="981576" cy="122290"/>
             </a:xfrm>
             <a:prstGeom prst="rect">
               <a:avLst/>
@@ -3461,10 +4072,10 @@
         </p:pic>
         <p:pic>
           <p:nvPicPr>
-            <p:cNvPr id="288" name="Picture 287">
+            <p:cNvPr id="99" name="Picture 98">
               <a:extLst>
                 <a:ext uri="{FF2B5EF4-FFF2-40B4-BE49-F238E27FC236}">
-                  <a16:creationId xmlns:a16="http://schemas.microsoft.com/office/drawing/2014/main" id="{2B78E25C-680F-344B-98F6-F58883D8816F}"/>
+                  <a16:creationId xmlns:a16="http://schemas.microsoft.com/office/drawing/2014/main" id="{9EB50999-025C-D642-9ED4-E5B62F6A6366}"/>
                 </a:ext>
               </a:extLst>
             </p:cNvPr>
@@ -3473,76 +4084,15 @@
             </p:cNvPicPr>
             <p:nvPr/>
           </p:nvPicPr>
-          <p:blipFill>
-            <a:blip r:embed="rId4"/>
-            <a:stretch>
-              <a:fillRect/>
-            </a:stretch>
+          <p:blipFill rotWithShape="1">
+            <a:blip r:embed="rId11"/>
+            <a:srcRect l="23477" t="86372" r="41866" b="6621"/>
+            <a:stretch/>
           </p:blipFill>
           <p:spPr>
             <a:xfrm>
-              <a:off x="8637601" y="1747111"/>
-              <a:ext cx="1775012" cy="1371600"/>
-            </a:xfrm>
-            <a:prstGeom prst="rect">
-              <a:avLst/>
-            </a:prstGeom>
-          </p:spPr>
-        </p:pic>
-        <p:pic>
-          <p:nvPicPr>
-            <p:cNvPr id="289" name="Picture 288">
-              <a:extLst>
-                <a:ext uri="{FF2B5EF4-FFF2-40B4-BE49-F238E27FC236}">
-                  <a16:creationId xmlns:a16="http://schemas.microsoft.com/office/drawing/2014/main" id="{DE8099E6-E8F6-3648-889A-23A080653A4B}"/>
-                </a:ext>
-              </a:extLst>
-            </p:cNvPr>
-            <p:cNvPicPr>
-              <a:picLocks noChangeAspect="1"/>
-            </p:cNvPicPr>
-            <p:nvPr/>
-          </p:nvPicPr>
-          <p:blipFill>
-            <a:blip r:embed="rId5"/>
-            <a:stretch>
-              <a:fillRect/>
-            </a:stretch>
-          </p:blipFill>
-          <p:spPr>
-            <a:xfrm>
-              <a:off x="10318436" y="1747540"/>
-              <a:ext cx="1775012" cy="1371600"/>
-            </a:xfrm>
-            <a:prstGeom prst="rect">
-              <a:avLst/>
-            </a:prstGeom>
-          </p:spPr>
-        </p:pic>
-        <p:pic>
-          <p:nvPicPr>
-            <p:cNvPr id="290" name="Picture 289">
-              <a:extLst>
-                <a:ext uri="{FF2B5EF4-FFF2-40B4-BE49-F238E27FC236}">
-                  <a16:creationId xmlns:a16="http://schemas.microsoft.com/office/drawing/2014/main" id="{912DFF6F-3B3F-794E-9D62-3B51DC888A20}"/>
-                </a:ext>
-              </a:extLst>
-            </p:cNvPr>
-            <p:cNvPicPr>
-              <a:picLocks noChangeAspect="1"/>
-            </p:cNvPicPr>
-            <p:nvPr/>
-          </p:nvPicPr>
-          <p:blipFill>
-            <a:blip r:embed="rId6"/>
-            <a:stretch>
-              <a:fillRect/>
-            </a:stretch>
-          </p:blipFill>
-          <p:spPr>
-            <a:xfrm>
-              <a:off x="10313408" y="675987"/>
-              <a:ext cx="1775012" cy="1371600"/>
+              <a:off x="2203255" y="4340045"/>
+              <a:ext cx="1025283" cy="160158"/>
             </a:xfrm>
             <a:prstGeom prst="rect">
               <a:avLst/>
@@ -3552,10 +4102,10 @@
       </p:grpSp>
       <p:grpSp>
         <p:nvGrpSpPr>
-          <p:cNvPr id="312" name="Group 311">
+          <p:cNvPr id="100" name="Group 99">
             <a:extLst>
               <a:ext uri="{FF2B5EF4-FFF2-40B4-BE49-F238E27FC236}">
-                <a16:creationId xmlns:a16="http://schemas.microsoft.com/office/drawing/2014/main" id="{94DC3538-5059-8B4F-9DE3-FF15B28686A3}"/>
+                <a16:creationId xmlns:a16="http://schemas.microsoft.com/office/drawing/2014/main" id="{2C59EC64-43A2-6744-82B6-701BA21188CA}"/>
               </a:ext>
             </a:extLst>
           </p:cNvPr>
@@ -3564,18 +4114,18 @@
         </p:nvGrpSpPr>
         <p:grpSpPr>
           <a:xfrm>
-            <a:off x="625463" y="1983570"/>
-            <a:ext cx="3588598" cy="2441366"/>
-            <a:chOff x="625463" y="1983570"/>
-            <a:chExt cx="3588598" cy="2441366"/>
+            <a:off x="2108821" y="1462515"/>
+            <a:ext cx="1025283" cy="273364"/>
+            <a:chOff x="2203255" y="4226839"/>
+            <a:chExt cx="1025283" cy="273364"/>
           </a:xfrm>
         </p:grpSpPr>
         <p:pic>
           <p:nvPicPr>
-            <p:cNvPr id="299" name="Picture 298">
+            <p:cNvPr id="101" name="Picture 100">
               <a:extLst>
                 <a:ext uri="{FF2B5EF4-FFF2-40B4-BE49-F238E27FC236}">
-                  <a16:creationId xmlns:a16="http://schemas.microsoft.com/office/drawing/2014/main" id="{069BDC50-D905-594C-8A5D-A4BC22D72A7E}"/>
+                  <a16:creationId xmlns:a16="http://schemas.microsoft.com/office/drawing/2014/main" id="{6CA9AA9C-146F-4647-98EB-8F381C275564}"/>
                 </a:ext>
               </a:extLst>
             </p:cNvPr>
@@ -3584,16 +4134,15 @@
             </p:cNvPicPr>
             <p:nvPr/>
           </p:nvPicPr>
-          <p:blipFill>
-            <a:blip r:embed="rId7"/>
-            <a:stretch>
-              <a:fillRect/>
-            </a:stretch>
+          <p:blipFill rotWithShape="1">
+            <a:blip r:embed="rId12"/>
+            <a:srcRect l="57968" t="87984" r="8852" b="6666"/>
+            <a:stretch/>
           </p:blipFill>
           <p:spPr>
             <a:xfrm>
-              <a:off x="625463" y="1983571"/>
-              <a:ext cx="1775012" cy="1371600"/>
+              <a:off x="2229188" y="4226839"/>
+              <a:ext cx="981576" cy="122290"/>
             </a:xfrm>
             <a:prstGeom prst="rect">
               <a:avLst/>
@@ -3602,10 +4151,10 @@
         </p:pic>
         <p:pic>
           <p:nvPicPr>
-            <p:cNvPr id="300" name="Picture 299">
+            <p:cNvPr id="102" name="Picture 101">
               <a:extLst>
                 <a:ext uri="{FF2B5EF4-FFF2-40B4-BE49-F238E27FC236}">
-                  <a16:creationId xmlns:a16="http://schemas.microsoft.com/office/drawing/2014/main" id="{9645C99D-D579-5A46-AF0B-549252A1E5CB}"/>
+                  <a16:creationId xmlns:a16="http://schemas.microsoft.com/office/drawing/2014/main" id="{5B29BA27-9247-A34D-8163-85F2E5AB2A53}"/>
                 </a:ext>
               </a:extLst>
             </p:cNvPr>
@@ -3614,16 +4163,65 @@
             </p:cNvPicPr>
             <p:nvPr/>
           </p:nvPicPr>
-          <p:blipFill>
-            <a:blip r:embed="rId8"/>
-            <a:stretch>
-              <a:fillRect/>
-            </a:stretch>
+          <p:blipFill rotWithShape="1">
+            <a:blip r:embed="rId13"/>
+            <a:srcRect l="23477" t="86372" r="41866" b="6621"/>
+            <a:stretch/>
           </p:blipFill>
           <p:spPr>
             <a:xfrm>
-              <a:off x="625463" y="3053336"/>
-              <a:ext cx="1775012" cy="1371600"/>
+              <a:off x="2203255" y="4340045"/>
+              <a:ext cx="1025283" cy="160158"/>
+            </a:xfrm>
+            <a:prstGeom prst="rect">
+              <a:avLst/>
+            </a:prstGeom>
+          </p:spPr>
+        </p:pic>
+      </p:grpSp>
+      <p:grpSp>
+        <p:nvGrpSpPr>
+          <p:cNvPr id="103" name="Group 102">
+            <a:extLst>
+              <a:ext uri="{FF2B5EF4-FFF2-40B4-BE49-F238E27FC236}">
+                <a16:creationId xmlns:a16="http://schemas.microsoft.com/office/drawing/2014/main" id="{3FB97AC6-3C18-8E46-B337-06F5B3F7F25E}"/>
+              </a:ext>
+            </a:extLst>
+          </p:cNvPr>
+          <p:cNvGrpSpPr/>
+          <p:nvPr/>
+        </p:nvGrpSpPr>
+        <p:grpSpPr>
+          <a:xfrm>
+            <a:off x="4747580" y="1463923"/>
+            <a:ext cx="1025283" cy="273364"/>
+            <a:chOff x="2203255" y="4226839"/>
+            <a:chExt cx="1025283" cy="273364"/>
+          </a:xfrm>
+        </p:grpSpPr>
+        <p:pic>
+          <p:nvPicPr>
+            <p:cNvPr id="104" name="Picture 103">
+              <a:extLst>
+                <a:ext uri="{FF2B5EF4-FFF2-40B4-BE49-F238E27FC236}">
+                  <a16:creationId xmlns:a16="http://schemas.microsoft.com/office/drawing/2014/main" id="{48406FD5-A88A-CD48-BA34-03E3D505DFCB}"/>
+                </a:ext>
+              </a:extLst>
+            </p:cNvPr>
+            <p:cNvPicPr>
+              <a:picLocks noChangeAspect="1"/>
+            </p:cNvPicPr>
+            <p:nvPr/>
+          </p:nvPicPr>
+          <p:blipFill rotWithShape="1">
+            <a:blip r:embed="rId14"/>
+            <a:srcRect l="57968" t="87984" r="8852" b="6666"/>
+            <a:stretch/>
+          </p:blipFill>
+          <p:spPr>
+            <a:xfrm>
+              <a:off x="2229188" y="4226839"/>
+              <a:ext cx="981576" cy="122290"/>
             </a:xfrm>
             <a:prstGeom prst="rect">
               <a:avLst/>
@@ -3632,10 +4230,10 @@
         </p:pic>
         <p:pic>
           <p:nvPicPr>
-            <p:cNvPr id="302" name="Picture 301">
+            <p:cNvPr id="105" name="Picture 104">
               <a:extLst>
                 <a:ext uri="{FF2B5EF4-FFF2-40B4-BE49-F238E27FC236}">
-                  <a16:creationId xmlns:a16="http://schemas.microsoft.com/office/drawing/2014/main" id="{067A5AE9-DFF7-5B45-9C4C-5700007CB841}"/>
+                  <a16:creationId xmlns:a16="http://schemas.microsoft.com/office/drawing/2014/main" id="{CED9C87D-5489-704E-88B7-B423C4C8FA6E}"/>
                 </a:ext>
               </a:extLst>
             </p:cNvPr>
@@ -3644,16 +4242,65 @@
             </p:cNvPicPr>
             <p:nvPr/>
           </p:nvPicPr>
-          <p:blipFill>
-            <a:blip r:embed="rId9"/>
-            <a:stretch>
-              <a:fillRect/>
-            </a:stretch>
+          <p:blipFill rotWithShape="1">
+            <a:blip r:embed="rId15"/>
+            <a:srcRect l="23477" t="86372" r="41866" b="6621"/>
+            <a:stretch/>
           </p:blipFill>
           <p:spPr>
             <a:xfrm>
-              <a:off x="2407346" y="1983570"/>
-              <a:ext cx="1775012" cy="1371600"/>
+              <a:off x="2203255" y="4340045"/>
+              <a:ext cx="1025283" cy="160158"/>
+            </a:xfrm>
+            <a:prstGeom prst="rect">
+              <a:avLst/>
+            </a:prstGeom>
+          </p:spPr>
+        </p:pic>
+      </p:grpSp>
+      <p:grpSp>
+        <p:nvGrpSpPr>
+          <p:cNvPr id="106" name="Group 105">
+            <a:extLst>
+              <a:ext uri="{FF2B5EF4-FFF2-40B4-BE49-F238E27FC236}">
+                <a16:creationId xmlns:a16="http://schemas.microsoft.com/office/drawing/2014/main" id="{C9323AB4-B60A-9248-B56B-AC006C5ED00B}"/>
+              </a:ext>
+            </a:extLst>
+          </p:cNvPr>
+          <p:cNvGrpSpPr/>
+          <p:nvPr/>
+        </p:nvGrpSpPr>
+        <p:grpSpPr>
+          <a:xfrm>
+            <a:off x="4773513" y="3063257"/>
+            <a:ext cx="1025283" cy="273364"/>
+            <a:chOff x="2203255" y="4226839"/>
+            <a:chExt cx="1025283" cy="273364"/>
+          </a:xfrm>
+        </p:grpSpPr>
+        <p:pic>
+          <p:nvPicPr>
+            <p:cNvPr id="107" name="Picture 106">
+              <a:extLst>
+                <a:ext uri="{FF2B5EF4-FFF2-40B4-BE49-F238E27FC236}">
+                  <a16:creationId xmlns:a16="http://schemas.microsoft.com/office/drawing/2014/main" id="{743141C0-0640-E549-9226-7F73C7E80E2A}"/>
+                </a:ext>
+              </a:extLst>
+            </p:cNvPr>
+            <p:cNvPicPr>
+              <a:picLocks noChangeAspect="1"/>
+            </p:cNvPicPr>
+            <p:nvPr/>
+          </p:nvPicPr>
+          <p:blipFill rotWithShape="1">
+            <a:blip r:embed="rId16"/>
+            <a:srcRect l="57968" t="87984" r="8852" b="6666"/>
+            <a:stretch/>
+          </p:blipFill>
+          <p:spPr>
+            <a:xfrm>
+              <a:off x="2229188" y="4226839"/>
+              <a:ext cx="981576" cy="122290"/>
             </a:xfrm>
             <a:prstGeom prst="rect">
               <a:avLst/>
@@ -3662,10 +4309,10 @@
         </p:pic>
         <p:pic>
           <p:nvPicPr>
-            <p:cNvPr id="301" name="Picture 300">
+            <p:cNvPr id="108" name="Picture 107">
               <a:extLst>
                 <a:ext uri="{FF2B5EF4-FFF2-40B4-BE49-F238E27FC236}">
-                  <a16:creationId xmlns:a16="http://schemas.microsoft.com/office/drawing/2014/main" id="{A9F89BBB-5BE5-C64A-8FD6-5952A565DD2E}"/>
+                  <a16:creationId xmlns:a16="http://schemas.microsoft.com/office/drawing/2014/main" id="{C6334EC1-4B87-5548-81D8-EFBCEEF3FA52}"/>
                 </a:ext>
               </a:extLst>
             </p:cNvPr>
@@ -3674,16 +4321,15 @@
             </p:cNvPicPr>
             <p:nvPr/>
           </p:nvPicPr>
-          <p:blipFill>
-            <a:blip r:embed="rId10"/>
-            <a:stretch>
-              <a:fillRect/>
-            </a:stretch>
+          <p:blipFill rotWithShape="1">
+            <a:blip r:embed="rId17"/>
+            <a:srcRect l="23477" t="86372" r="41866" b="6621"/>
+            <a:stretch/>
           </p:blipFill>
           <p:spPr>
             <a:xfrm>
-              <a:off x="2439049" y="3049979"/>
-              <a:ext cx="1775012" cy="1371600"/>
+              <a:off x="2203255" y="4340045"/>
+              <a:ext cx="1025283" cy="160158"/>
             </a:xfrm>
             <a:prstGeom prst="rect">
               <a:avLst/>
@@ -3691,12 +4337,216 @@
           </p:spPr>
         </p:pic>
       </p:grpSp>
-      <p:sp>
-        <p:nvSpPr>
-          <p:cNvPr id="307" name="TextBox 306">
+      <p:pic>
+        <p:nvPicPr>
+          <p:cNvPr id="15" name="Picture 14">
             <a:extLst>
               <a:ext uri="{FF2B5EF4-FFF2-40B4-BE49-F238E27FC236}">
-                <a16:creationId xmlns:a16="http://schemas.microsoft.com/office/drawing/2014/main" id="{D2DAFA09-8F33-9C49-A2BB-C23F05F058D5}"/>
+                <a16:creationId xmlns:a16="http://schemas.microsoft.com/office/drawing/2014/main" id="{99CD6704-D906-A349-B689-3982211F0D63}"/>
+              </a:ext>
+            </a:extLst>
+          </p:cNvPr>
+          <p:cNvPicPr>
+            <a:picLocks noChangeAspect="1"/>
+          </p:cNvPicPr>
+          <p:nvPr/>
+        </p:nvPicPr>
+        <p:blipFill rotWithShape="1">
+          <a:blip r:embed="rId18"/>
+          <a:srcRect b="23525"/>
+          <a:stretch/>
+        </p:blipFill>
+        <p:spPr>
+          <a:xfrm>
+            <a:off x="384779" y="5702844"/>
+            <a:ext cx="2958353" cy="1748204"/>
+          </a:xfrm>
+          <a:prstGeom prst="rect">
+            <a:avLst/>
+          </a:prstGeom>
+        </p:spPr>
+      </p:pic>
+      <p:pic>
+        <p:nvPicPr>
+          <p:cNvPr id="11" name="Picture 10">
+            <a:extLst>
+              <a:ext uri="{FF2B5EF4-FFF2-40B4-BE49-F238E27FC236}">
+                <a16:creationId xmlns:a16="http://schemas.microsoft.com/office/drawing/2014/main" id="{AF75A824-32A9-B844-9C6A-CCCACDFBDFAB}"/>
+              </a:ext>
+            </a:extLst>
+          </p:cNvPr>
+          <p:cNvPicPr>
+            <a:picLocks noChangeAspect="1"/>
+          </p:cNvPicPr>
+          <p:nvPr/>
+        </p:nvPicPr>
+        <p:blipFill>
+          <a:blip r:embed="rId19"/>
+          <a:stretch>
+            <a:fillRect/>
+          </a:stretch>
+        </p:blipFill>
+        <p:spPr>
+          <a:xfrm>
+            <a:off x="3077195" y="4132816"/>
+            <a:ext cx="2958353" cy="2286000"/>
+          </a:xfrm>
+          <a:prstGeom prst="rect">
+            <a:avLst/>
+          </a:prstGeom>
+        </p:spPr>
+      </p:pic>
+      <p:pic>
+        <p:nvPicPr>
+          <p:cNvPr id="13" name="Picture 12">
+            <a:extLst>
+              <a:ext uri="{FF2B5EF4-FFF2-40B4-BE49-F238E27FC236}">
+                <a16:creationId xmlns:a16="http://schemas.microsoft.com/office/drawing/2014/main" id="{3922931F-9E96-CE48-A44D-A2C2E15D79D8}"/>
+              </a:ext>
+            </a:extLst>
+          </p:cNvPr>
+          <p:cNvPicPr>
+            <a:picLocks noChangeAspect="1"/>
+          </p:cNvPicPr>
+          <p:nvPr/>
+        </p:nvPicPr>
+        <p:blipFill rotWithShape="1">
+          <a:blip r:embed="rId20"/>
+          <a:srcRect b="23525"/>
+          <a:stretch/>
+        </p:blipFill>
+        <p:spPr>
+          <a:xfrm>
+            <a:off x="3087238" y="5699591"/>
+            <a:ext cx="2958353" cy="1748203"/>
+          </a:xfrm>
+          <a:prstGeom prst="rect">
+            <a:avLst/>
+          </a:prstGeom>
+        </p:spPr>
+      </p:pic>
+      <p:pic>
+        <p:nvPicPr>
+          <p:cNvPr id="109" name="Picture 108">
+            <a:extLst>
+              <a:ext uri="{FF2B5EF4-FFF2-40B4-BE49-F238E27FC236}">
+                <a16:creationId xmlns:a16="http://schemas.microsoft.com/office/drawing/2014/main" id="{1BF78353-D7AA-7946-AE8F-EE3F91C11266}"/>
+              </a:ext>
+            </a:extLst>
+          </p:cNvPr>
+          <p:cNvPicPr>
+            <a:picLocks noChangeAspect="1"/>
+          </p:cNvPicPr>
+          <p:nvPr/>
+        </p:nvPicPr>
+        <p:blipFill rotWithShape="1">
+          <a:blip r:embed="rId21"/>
+          <a:srcRect l="21461" t="84178" r="9868" b="6226"/>
+          <a:stretch/>
+        </p:blipFill>
+        <p:spPr>
+          <a:xfrm>
+            <a:off x="1709902" y="6899044"/>
+            <a:ext cx="1492243" cy="161136"/>
+          </a:xfrm>
+          <a:prstGeom prst="rect">
+            <a:avLst/>
+          </a:prstGeom>
+        </p:spPr>
+      </p:pic>
+      <p:pic>
+        <p:nvPicPr>
+          <p:cNvPr id="110" name="Picture 109">
+            <a:extLst>
+              <a:ext uri="{FF2B5EF4-FFF2-40B4-BE49-F238E27FC236}">
+                <a16:creationId xmlns:a16="http://schemas.microsoft.com/office/drawing/2014/main" id="{447B72CD-CA3F-6348-B929-CE0F9FB8E98B}"/>
+              </a:ext>
+            </a:extLst>
+          </p:cNvPr>
+          <p:cNvPicPr>
+            <a:picLocks noChangeAspect="1"/>
+          </p:cNvPicPr>
+          <p:nvPr/>
+        </p:nvPicPr>
+        <p:blipFill rotWithShape="1">
+          <a:blip r:embed="rId22"/>
+          <a:srcRect l="21461" t="84178" r="9868" b="6226"/>
+          <a:stretch/>
+        </p:blipFill>
+        <p:spPr>
+          <a:xfrm>
+            <a:off x="1624087" y="5309514"/>
+            <a:ext cx="1492243" cy="161136"/>
+          </a:xfrm>
+          <a:prstGeom prst="rect">
+            <a:avLst/>
+          </a:prstGeom>
+        </p:spPr>
+      </p:pic>
+      <p:pic>
+        <p:nvPicPr>
+          <p:cNvPr id="111" name="Picture 110">
+            <a:extLst>
+              <a:ext uri="{FF2B5EF4-FFF2-40B4-BE49-F238E27FC236}">
+                <a16:creationId xmlns:a16="http://schemas.microsoft.com/office/drawing/2014/main" id="{95A7DBF5-D241-7447-AAE9-702A1BBA4689}"/>
+              </a:ext>
+            </a:extLst>
+          </p:cNvPr>
+          <p:cNvPicPr>
+            <a:picLocks noChangeAspect="1"/>
+          </p:cNvPicPr>
+          <p:nvPr/>
+        </p:nvPicPr>
+        <p:blipFill rotWithShape="1">
+          <a:blip r:embed="rId23"/>
+          <a:srcRect l="21461" t="84178" r="9868" b="6226"/>
+          <a:stretch/>
+        </p:blipFill>
+        <p:spPr>
+          <a:xfrm>
+            <a:off x="4316503" y="5319390"/>
+            <a:ext cx="1492243" cy="161136"/>
+          </a:xfrm>
+          <a:prstGeom prst="rect">
+            <a:avLst/>
+          </a:prstGeom>
+        </p:spPr>
+      </p:pic>
+      <p:pic>
+        <p:nvPicPr>
+          <p:cNvPr id="112" name="Picture 111">
+            <a:extLst>
+              <a:ext uri="{FF2B5EF4-FFF2-40B4-BE49-F238E27FC236}">
+                <a16:creationId xmlns:a16="http://schemas.microsoft.com/office/drawing/2014/main" id="{FDBF60CE-C50B-0B45-A588-E81BA80F7287}"/>
+              </a:ext>
+            </a:extLst>
+          </p:cNvPr>
+          <p:cNvPicPr>
+            <a:picLocks noChangeAspect="1"/>
+          </p:cNvPicPr>
+          <p:nvPr/>
+        </p:nvPicPr>
+        <p:blipFill rotWithShape="1">
+          <a:blip r:embed="rId24"/>
+          <a:srcRect l="21461" t="84178" r="9868" b="6226"/>
+          <a:stretch/>
+        </p:blipFill>
+        <p:spPr>
+          <a:xfrm>
+            <a:off x="4535968" y="6878804"/>
+            <a:ext cx="1492243" cy="161136"/>
+          </a:xfrm>
+          <a:prstGeom prst="rect">
+            <a:avLst/>
+          </a:prstGeom>
+        </p:spPr>
+      </p:pic>
+      <p:sp>
+        <p:nvSpPr>
+          <p:cNvPr id="113" name="TextBox 112">
+            <a:extLst>
+              <a:ext uri="{FF2B5EF4-FFF2-40B4-BE49-F238E27FC236}">
+                <a16:creationId xmlns:a16="http://schemas.microsoft.com/office/drawing/2014/main" id="{E48A8986-BB6E-1D4F-92F3-D2DC88A80AA8}"/>
               </a:ext>
             </a:extLst>
           </p:cNvPr>
@@ -3705,13 +4555,16 @@
         </p:nvSpPr>
         <p:spPr>
           <a:xfrm rot="16200000">
-            <a:off x="83335" y="2272924"/>
-            <a:ext cx="603050" cy="276999"/>
+            <a:off x="-163267" y="4711409"/>
+            <a:ext cx="787395" cy="369332"/>
           </a:xfrm>
           <a:prstGeom prst="rect">
             <a:avLst/>
           </a:prstGeom>
           <a:noFill/>
+          <a:ln>
+            <a:noFill/>
+          </a:ln>
         </p:spPr>
         <p:txBody>
           <a:bodyPr wrap="none" rtlCol="0">
@@ -3720,12 +4573,12 @@
           <a:lstStyle/>
           <a:p>
             <a:r>
-              <a:rPr lang="en-US" sz="1200" b="1" dirty="0" err="1">
+              <a:rPr lang="en-US" dirty="0" err="1">
                 <a:latin typeface="Times" pitchFamily="2" charset="0"/>
               </a:rPr>
               <a:t>CoGV</a:t>
             </a:r>
-            <a:endParaRPr lang="en-US" sz="1200" b="1" dirty="0">
+            <a:endParaRPr lang="en-US" dirty="0">
               <a:latin typeface="Times" pitchFamily="2" charset="0"/>
             </a:endParaRPr>
           </a:p>
@@ -3733,10 +4586,10 @@
       </p:sp>
       <p:sp>
         <p:nvSpPr>
-          <p:cNvPr id="308" name="TextBox 307">
+          <p:cNvPr id="114" name="TextBox 113">
             <a:extLst>
               <a:ext uri="{FF2B5EF4-FFF2-40B4-BE49-F238E27FC236}">
-                <a16:creationId xmlns:a16="http://schemas.microsoft.com/office/drawing/2014/main" id="{976F2624-B262-0143-91A6-AD0DC3053F46}"/>
+                <a16:creationId xmlns:a16="http://schemas.microsoft.com/office/drawing/2014/main" id="{518ABE79-277F-0D46-BB21-675856A97FAD}"/>
               </a:ext>
             </a:extLst>
           </p:cNvPr>
@@ -3745,13 +4598,16 @@
         </p:nvSpPr>
         <p:spPr>
           <a:xfrm rot="16200000">
-            <a:off x="79328" y="3338992"/>
-            <a:ext cx="611065" cy="276999"/>
+            <a:off x="-162768" y="6184167"/>
+            <a:ext cx="787395" cy="369332"/>
           </a:xfrm>
           <a:prstGeom prst="rect">
             <a:avLst/>
           </a:prstGeom>
           <a:noFill/>
+          <a:ln>
+            <a:noFill/>
+          </a:ln>
         </p:spPr>
         <p:txBody>
           <a:bodyPr wrap="none" rtlCol="0">
@@ -3760,23 +4616,198 @@
           <a:lstStyle/>
           <a:p>
             <a:r>
-              <a:rPr lang="en-US" sz="1200" b="1" dirty="0" err="1">
+              <a:rPr lang="en-US" dirty="0" err="1">
                 <a:latin typeface="Times" pitchFamily="2" charset="0"/>
               </a:rPr>
               <a:t>CnGV</a:t>
             </a:r>
-            <a:endParaRPr lang="en-US" sz="1200" b="1" dirty="0">
+            <a:endParaRPr lang="en-US" dirty="0">
               <a:latin typeface="Times" pitchFamily="2" charset="0"/>
             </a:endParaRPr>
           </a:p>
         </p:txBody>
       </p:sp>
-      <p:sp>
-        <p:nvSpPr>
-          <p:cNvPr id="309" name="TextBox 308">
+      <p:pic>
+        <p:nvPicPr>
+          <p:cNvPr id="9" name="Picture 8">
             <a:extLst>
               <a:ext uri="{FF2B5EF4-FFF2-40B4-BE49-F238E27FC236}">
-                <a16:creationId xmlns:a16="http://schemas.microsoft.com/office/drawing/2014/main" id="{69E2BC47-D02A-DF44-AA34-BA656462E61E}"/>
+                <a16:creationId xmlns:a16="http://schemas.microsoft.com/office/drawing/2014/main" id="{CBB7268E-EB40-C64B-88DB-B49E9967A013}"/>
+              </a:ext>
+            </a:extLst>
+          </p:cNvPr>
+          <p:cNvPicPr>
+            <a:picLocks noChangeAspect="1"/>
+          </p:cNvPicPr>
+          <p:nvPr/>
+        </p:nvPicPr>
+        <p:blipFill>
+          <a:blip r:embed="rId25"/>
+          <a:stretch>
+            <a:fillRect/>
+          </a:stretch>
+        </p:blipFill>
+        <p:spPr>
+          <a:xfrm>
+            <a:off x="3087238" y="7932700"/>
+            <a:ext cx="2958353" cy="2286000"/>
+          </a:xfrm>
+          <a:prstGeom prst="rect">
+            <a:avLst/>
+          </a:prstGeom>
+        </p:spPr>
+      </p:pic>
+      <p:pic>
+        <p:nvPicPr>
+          <p:cNvPr id="7" name="Picture 6">
+            <a:extLst>
+              <a:ext uri="{FF2B5EF4-FFF2-40B4-BE49-F238E27FC236}">
+                <a16:creationId xmlns:a16="http://schemas.microsoft.com/office/drawing/2014/main" id="{3CF5B908-0F44-E442-861F-861FB1E8B3DD}"/>
+              </a:ext>
+            </a:extLst>
+          </p:cNvPr>
+          <p:cNvPicPr>
+            <a:picLocks noChangeAspect="1"/>
+          </p:cNvPicPr>
+          <p:nvPr/>
+        </p:nvPicPr>
+        <p:blipFill rotWithShape="1">
+          <a:blip r:embed="rId26"/>
+          <a:srcRect b="17837"/>
+          <a:stretch/>
+        </p:blipFill>
+        <p:spPr>
+          <a:xfrm>
+            <a:off x="3087238" y="9539316"/>
+            <a:ext cx="2958353" cy="1878242"/>
+          </a:xfrm>
+          <a:prstGeom prst="rect">
+            <a:avLst/>
+          </a:prstGeom>
+        </p:spPr>
+      </p:pic>
+      <p:pic>
+        <p:nvPicPr>
+          <p:cNvPr id="116" name="Picture 115">
+            <a:extLst>
+              <a:ext uri="{FF2B5EF4-FFF2-40B4-BE49-F238E27FC236}">
+                <a16:creationId xmlns:a16="http://schemas.microsoft.com/office/drawing/2014/main" id="{01371CC4-BAD3-7B44-AF77-DE19F5482D60}"/>
+              </a:ext>
+            </a:extLst>
+          </p:cNvPr>
+          <p:cNvPicPr>
+            <a:picLocks noChangeAspect="1"/>
+          </p:cNvPicPr>
+          <p:nvPr/>
+        </p:nvPicPr>
+        <p:blipFill rotWithShape="1">
+          <a:blip r:embed="rId27"/>
+          <a:srcRect l="24002" t="86318" r="9457" b="6667"/>
+          <a:stretch/>
+        </p:blipFill>
+        <p:spPr>
+          <a:xfrm>
+            <a:off x="3566996" y="9214045"/>
+            <a:ext cx="1665652" cy="135694"/>
+          </a:xfrm>
+          <a:prstGeom prst="rect">
+            <a:avLst/>
+          </a:prstGeom>
+        </p:spPr>
+      </p:pic>
+      <p:pic>
+        <p:nvPicPr>
+          <p:cNvPr id="117" name="Picture 116">
+            <a:extLst>
+              <a:ext uri="{FF2B5EF4-FFF2-40B4-BE49-F238E27FC236}">
+                <a16:creationId xmlns:a16="http://schemas.microsoft.com/office/drawing/2014/main" id="{A80AF0E2-8A6A-C645-A2D1-ED117846C45B}"/>
+              </a:ext>
+            </a:extLst>
+          </p:cNvPr>
+          <p:cNvPicPr>
+            <a:picLocks noChangeAspect="1"/>
+          </p:cNvPicPr>
+          <p:nvPr/>
+        </p:nvPicPr>
+        <p:blipFill rotWithShape="1">
+          <a:blip r:embed="rId28"/>
+          <a:srcRect l="24002" t="86318" r="9457" b="6667"/>
+          <a:stretch/>
+        </p:blipFill>
+        <p:spPr>
+          <a:xfrm>
+            <a:off x="3566996" y="10804046"/>
+            <a:ext cx="1665652" cy="135694"/>
+          </a:xfrm>
+          <a:prstGeom prst="rect">
+            <a:avLst/>
+          </a:prstGeom>
+        </p:spPr>
+      </p:pic>
+      <p:pic>
+        <p:nvPicPr>
+          <p:cNvPr id="118" name="Picture 117">
+            <a:extLst>
+              <a:ext uri="{FF2B5EF4-FFF2-40B4-BE49-F238E27FC236}">
+                <a16:creationId xmlns:a16="http://schemas.microsoft.com/office/drawing/2014/main" id="{99AA4113-BC96-8C49-84F9-89A65E9810A5}"/>
+              </a:ext>
+            </a:extLst>
+          </p:cNvPr>
+          <p:cNvPicPr>
+            <a:picLocks noChangeAspect="1"/>
+          </p:cNvPicPr>
+          <p:nvPr/>
+        </p:nvPicPr>
+        <p:blipFill rotWithShape="1">
+          <a:blip r:embed="rId29"/>
+          <a:srcRect l="24002" t="86318" r="9457" b="6667"/>
+          <a:stretch/>
+        </p:blipFill>
+        <p:spPr>
+          <a:xfrm>
+            <a:off x="843880" y="10823036"/>
+            <a:ext cx="1665652" cy="135694"/>
+          </a:xfrm>
+          <a:prstGeom prst="rect">
+            <a:avLst/>
+          </a:prstGeom>
+        </p:spPr>
+      </p:pic>
+      <p:pic>
+        <p:nvPicPr>
+          <p:cNvPr id="119" name="Picture 118">
+            <a:extLst>
+              <a:ext uri="{FF2B5EF4-FFF2-40B4-BE49-F238E27FC236}">
+                <a16:creationId xmlns:a16="http://schemas.microsoft.com/office/drawing/2014/main" id="{2CCB4A37-C7D1-3546-AF7D-C8F2B9C376C9}"/>
+              </a:ext>
+            </a:extLst>
+          </p:cNvPr>
+          <p:cNvPicPr>
+            <a:picLocks noChangeAspect="1"/>
+          </p:cNvPicPr>
+          <p:nvPr/>
+        </p:nvPicPr>
+        <p:blipFill rotWithShape="1">
+          <a:blip r:embed="rId30"/>
+          <a:srcRect l="24002" t="86318" r="9457" b="6667"/>
+          <a:stretch/>
+        </p:blipFill>
+        <p:spPr>
+          <a:xfrm>
+            <a:off x="843880" y="9214045"/>
+            <a:ext cx="1665652" cy="135694"/>
+          </a:xfrm>
+          <a:prstGeom prst="rect">
+            <a:avLst/>
+          </a:prstGeom>
+        </p:spPr>
+      </p:pic>
+      <p:sp>
+        <p:nvSpPr>
+          <p:cNvPr id="120" name="TextBox 119">
+            <a:extLst>
+              <a:ext uri="{FF2B5EF4-FFF2-40B4-BE49-F238E27FC236}">
+                <a16:creationId xmlns:a16="http://schemas.microsoft.com/office/drawing/2014/main" id="{2CA776D7-D154-D449-B6F3-6F6FD77AED9C}"/>
               </a:ext>
             </a:extLst>
           </p:cNvPr>
@@ -3784,35 +4815,31 @@
           <p:nvPr/>
         </p:nvSpPr>
         <p:spPr>
-          <a:xfrm>
-            <a:off x="415596" y="1635580"/>
-            <a:ext cx="2205867" cy="276999"/>
+          <a:xfrm rot="16200000">
+            <a:off x="-197903" y="8559733"/>
+            <a:ext cx="787395" cy="369332"/>
           </a:xfrm>
           <a:prstGeom prst="rect">
             <a:avLst/>
           </a:prstGeom>
           <a:noFill/>
-        </p:spPr>
-        <p:txBody>
-          <a:bodyPr wrap="square" rtlCol="0">
+          <a:ln>
+            <a:noFill/>
+          </a:ln>
+        </p:spPr>
+        <p:txBody>
+          <a:bodyPr wrap="none" rtlCol="0">
             <a:spAutoFit/>
           </a:bodyPr>
           <a:lstStyle/>
           <a:p>
-            <a:pPr algn="ctr"/>
-            <a:r>
-              <a:rPr lang="en-US" sz="1200" b="1" dirty="0">
+            <a:r>
+              <a:rPr lang="en-US" dirty="0" err="1">
                 <a:latin typeface="Times" pitchFamily="2" charset="0"/>
               </a:rPr>
-              <a:t>Significant </a:t>
-            </a:r>
-            <a:r>
-              <a:rPr lang="en-US" sz="1200" b="1" dirty="0" err="1">
-                <a:latin typeface="Times" pitchFamily="2" charset="0"/>
-              </a:rPr>
-              <a:t>GxE</a:t>
-            </a:r>
-            <a:endParaRPr lang="en-US" sz="1200" b="1" dirty="0">
+              <a:t>CoGV</a:t>
+            </a:r>
+            <a:endParaRPr lang="en-US" dirty="0">
               <a:latin typeface="Times" pitchFamily="2" charset="0"/>
             </a:endParaRPr>
           </a:p>
@@ -3820,10 +4847,10 @@
       </p:sp>
       <p:sp>
         <p:nvSpPr>
-          <p:cNvPr id="310" name="TextBox 309">
+          <p:cNvPr id="121" name="TextBox 120">
             <a:extLst>
               <a:ext uri="{FF2B5EF4-FFF2-40B4-BE49-F238E27FC236}">
-                <a16:creationId xmlns:a16="http://schemas.microsoft.com/office/drawing/2014/main" id="{EFD08959-91A6-3D41-A0BF-794B2272116F}"/>
+                <a16:creationId xmlns:a16="http://schemas.microsoft.com/office/drawing/2014/main" id="{C07DFDD7-14B4-8B4E-8F89-5F27F019332A}"/>
               </a:ext>
             </a:extLst>
           </p:cNvPr>
@@ -3831,202 +4858,17 @@
           <p:nvPr/>
         </p:nvSpPr>
         <p:spPr>
-          <a:xfrm>
-            <a:off x="2223621" y="1635580"/>
-            <a:ext cx="2205867" cy="276999"/>
+          <a:xfrm rot="16200000">
+            <a:off x="-197404" y="10032491"/>
+            <a:ext cx="787395" cy="369332"/>
           </a:xfrm>
           <a:prstGeom prst="rect">
             <a:avLst/>
           </a:prstGeom>
           <a:noFill/>
-        </p:spPr>
-        <p:txBody>
-          <a:bodyPr wrap="square" rtlCol="0">
-            <a:spAutoFit/>
-          </a:bodyPr>
-          <a:lstStyle/>
-          <a:p>
-            <a:pPr algn="ctr"/>
-            <a:r>
-              <a:rPr lang="en-US" sz="1200" b="1" dirty="0">
-                <a:latin typeface="Times" pitchFamily="2" charset="0"/>
-              </a:rPr>
-              <a:t>Non-Significant </a:t>
-            </a:r>
-            <a:r>
-              <a:rPr lang="en-US" sz="1200" b="1" dirty="0" err="1">
-                <a:latin typeface="Times" pitchFamily="2" charset="0"/>
-              </a:rPr>
-              <a:t>GxE</a:t>
-            </a:r>
-            <a:endParaRPr lang="en-US" sz="1200" b="1" dirty="0">
-              <a:latin typeface="Times" pitchFamily="2" charset="0"/>
-            </a:endParaRPr>
-          </a:p>
-        </p:txBody>
-      </p:sp>
-      <p:grpSp>
-        <p:nvGrpSpPr>
-          <p:cNvPr id="311" name="Group 310">
-            <a:extLst>
-              <a:ext uri="{FF2B5EF4-FFF2-40B4-BE49-F238E27FC236}">
-                <a16:creationId xmlns:a16="http://schemas.microsoft.com/office/drawing/2014/main" id="{8F604262-9851-1043-8885-966635DEF6AB}"/>
-              </a:ext>
-            </a:extLst>
-          </p:cNvPr>
-          <p:cNvGrpSpPr/>
-          <p:nvPr/>
-        </p:nvGrpSpPr>
-        <p:grpSpPr>
-          <a:xfrm>
-            <a:off x="4658685" y="715965"/>
-            <a:ext cx="3532699" cy="2402746"/>
-            <a:chOff x="4658685" y="715965"/>
-            <a:chExt cx="3532699" cy="2402746"/>
-          </a:xfrm>
-        </p:grpSpPr>
-        <p:pic>
-          <p:nvPicPr>
-            <p:cNvPr id="291" name="Picture 290">
-              <a:extLst>
-                <a:ext uri="{FF2B5EF4-FFF2-40B4-BE49-F238E27FC236}">
-                  <a16:creationId xmlns:a16="http://schemas.microsoft.com/office/drawing/2014/main" id="{A70E0763-FFBD-CD4B-9636-940F06A72BFE}"/>
-                </a:ext>
-              </a:extLst>
-            </p:cNvPr>
-            <p:cNvPicPr>
-              <a:picLocks noChangeAspect="1"/>
-            </p:cNvPicPr>
-            <p:nvPr/>
-          </p:nvPicPr>
-          <p:blipFill>
-            <a:blip r:embed="rId11"/>
-            <a:stretch>
-              <a:fillRect/>
-            </a:stretch>
-          </p:blipFill>
-          <p:spPr>
-            <a:xfrm>
-              <a:off x="6416372" y="715965"/>
-              <a:ext cx="1775012" cy="1371600"/>
-            </a:xfrm>
-            <a:prstGeom prst="rect">
-              <a:avLst/>
-            </a:prstGeom>
-          </p:spPr>
-        </p:pic>
-        <p:pic>
-          <p:nvPicPr>
-            <p:cNvPr id="292" name="Picture 291">
-              <a:extLst>
-                <a:ext uri="{FF2B5EF4-FFF2-40B4-BE49-F238E27FC236}">
-                  <a16:creationId xmlns:a16="http://schemas.microsoft.com/office/drawing/2014/main" id="{99BFC183-34C7-F74A-BEAC-4997DEE09B11}"/>
-                </a:ext>
-              </a:extLst>
-            </p:cNvPr>
-            <p:cNvPicPr>
-              <a:picLocks noChangeAspect="1"/>
-            </p:cNvPicPr>
-            <p:nvPr/>
-          </p:nvPicPr>
-          <p:blipFill>
-            <a:blip r:embed="rId12"/>
-            <a:stretch>
-              <a:fillRect/>
-            </a:stretch>
-          </p:blipFill>
-          <p:spPr>
-            <a:xfrm>
-              <a:off x="6416372" y="1741234"/>
-              <a:ext cx="1775012" cy="1371600"/>
-            </a:xfrm>
-            <a:prstGeom prst="rect">
-              <a:avLst/>
-            </a:prstGeom>
-          </p:spPr>
-        </p:pic>
-        <p:pic>
-          <p:nvPicPr>
-            <p:cNvPr id="294" name="Picture 293">
-              <a:extLst>
-                <a:ext uri="{FF2B5EF4-FFF2-40B4-BE49-F238E27FC236}">
-                  <a16:creationId xmlns:a16="http://schemas.microsoft.com/office/drawing/2014/main" id="{5A3B8B0D-83DD-A549-B8B7-02E99AD9F7AF}"/>
-                </a:ext>
-              </a:extLst>
-            </p:cNvPr>
-            <p:cNvPicPr>
-              <a:picLocks noChangeAspect="1"/>
-            </p:cNvPicPr>
-            <p:nvPr/>
-          </p:nvPicPr>
-          <p:blipFill>
-            <a:blip r:embed="rId13"/>
-            <a:stretch>
-              <a:fillRect/>
-            </a:stretch>
-          </p:blipFill>
-          <p:spPr>
-            <a:xfrm>
-              <a:off x="4663380" y="722300"/>
-              <a:ext cx="1775012" cy="1371600"/>
-            </a:xfrm>
-            <a:prstGeom prst="rect">
-              <a:avLst/>
-            </a:prstGeom>
-          </p:spPr>
-        </p:pic>
-        <p:pic>
-          <p:nvPicPr>
-            <p:cNvPr id="293" name="Picture 292">
-              <a:extLst>
-                <a:ext uri="{FF2B5EF4-FFF2-40B4-BE49-F238E27FC236}">
-                  <a16:creationId xmlns:a16="http://schemas.microsoft.com/office/drawing/2014/main" id="{4C2FB5E1-A81C-AD43-BFB1-FEEE439DCA5C}"/>
-                </a:ext>
-              </a:extLst>
-            </p:cNvPr>
-            <p:cNvPicPr>
-              <a:picLocks noChangeAspect="1"/>
-            </p:cNvPicPr>
-            <p:nvPr/>
-          </p:nvPicPr>
-          <p:blipFill>
-            <a:blip r:embed="rId14"/>
-            <a:stretch>
-              <a:fillRect/>
-            </a:stretch>
-          </p:blipFill>
-          <p:spPr>
-            <a:xfrm>
-              <a:off x="4658685" y="1747111"/>
-              <a:ext cx="1775012" cy="1371600"/>
-            </a:xfrm>
-            <a:prstGeom prst="rect">
-              <a:avLst/>
-            </a:prstGeom>
-          </p:spPr>
-        </p:pic>
-      </p:grpSp>
-      <p:sp>
-        <p:nvSpPr>
-          <p:cNvPr id="313" name="TextBox 312">
-            <a:extLst>
-              <a:ext uri="{FF2B5EF4-FFF2-40B4-BE49-F238E27FC236}">
-                <a16:creationId xmlns:a16="http://schemas.microsoft.com/office/drawing/2014/main" id="{CBFA0D06-BE85-A14A-B17B-9D612FCE37D3}"/>
-              </a:ext>
-            </a:extLst>
-          </p:cNvPr>
-          <p:cNvSpPr txBox="1"/>
-          <p:nvPr/>
-        </p:nvSpPr>
-        <p:spPr>
-          <a:xfrm rot="16200000">
-            <a:off x="4214263" y="1067932"/>
-            <a:ext cx="603050" cy="276999"/>
-          </a:xfrm>
-          <a:prstGeom prst="rect">
-            <a:avLst/>
-          </a:prstGeom>
-          <a:noFill/>
+          <a:ln>
+            <a:noFill/>
+          </a:ln>
         </p:spPr>
         <p:txBody>
           <a:bodyPr wrap="none" rtlCol="0">
@@ -4035,1024 +4877,12 @@
           <a:lstStyle/>
           <a:p>
             <a:r>
-              <a:rPr lang="en-US" sz="1200" b="1" dirty="0" err="1">
-                <a:latin typeface="Times" pitchFamily="2" charset="0"/>
-              </a:rPr>
-              <a:t>CoGV</a:t>
-            </a:r>
-            <a:endParaRPr lang="en-US" sz="1200" b="1" dirty="0">
-              <a:latin typeface="Times" pitchFamily="2" charset="0"/>
-            </a:endParaRPr>
-          </a:p>
-        </p:txBody>
-      </p:sp>
-      <p:sp>
-        <p:nvSpPr>
-          <p:cNvPr id="314" name="TextBox 313">
-            <a:extLst>
-              <a:ext uri="{FF2B5EF4-FFF2-40B4-BE49-F238E27FC236}">
-                <a16:creationId xmlns:a16="http://schemas.microsoft.com/office/drawing/2014/main" id="{707E96A6-8AE6-1A4E-8621-1195B38F680C}"/>
-              </a:ext>
-            </a:extLst>
-          </p:cNvPr>
-          <p:cNvSpPr txBox="1"/>
-          <p:nvPr/>
-        </p:nvSpPr>
-        <p:spPr>
-          <a:xfrm rot="16200000">
-            <a:off x="4210256" y="2134000"/>
-            <a:ext cx="611065" cy="276999"/>
-          </a:xfrm>
-          <a:prstGeom prst="rect">
-            <a:avLst/>
-          </a:prstGeom>
-          <a:noFill/>
-        </p:spPr>
-        <p:txBody>
-          <a:bodyPr wrap="none" rtlCol="0">
-            <a:spAutoFit/>
-          </a:bodyPr>
-          <a:lstStyle/>
-          <a:p>
-            <a:r>
-              <a:rPr lang="en-US" sz="1200" b="1" dirty="0" err="1">
+              <a:rPr lang="en-US" dirty="0" err="1">
                 <a:latin typeface="Times" pitchFamily="2" charset="0"/>
               </a:rPr>
               <a:t>CnGV</a:t>
             </a:r>
-            <a:endParaRPr lang="en-US" sz="1200" b="1" dirty="0">
-              <a:latin typeface="Times" pitchFamily="2" charset="0"/>
-            </a:endParaRPr>
-          </a:p>
-        </p:txBody>
-      </p:sp>
-      <p:sp>
-        <p:nvSpPr>
-          <p:cNvPr id="315" name="TextBox 314">
-            <a:extLst>
-              <a:ext uri="{FF2B5EF4-FFF2-40B4-BE49-F238E27FC236}">
-                <a16:creationId xmlns:a16="http://schemas.microsoft.com/office/drawing/2014/main" id="{0CBB97D3-124B-8243-ABAE-AC723B37D6C3}"/>
-              </a:ext>
-            </a:extLst>
-          </p:cNvPr>
-          <p:cNvSpPr txBox="1"/>
-          <p:nvPr/>
-        </p:nvSpPr>
-        <p:spPr>
-          <a:xfrm>
-            <a:off x="4546524" y="430588"/>
-            <a:ext cx="2205867" cy="276999"/>
-          </a:xfrm>
-          <a:prstGeom prst="rect">
-            <a:avLst/>
-          </a:prstGeom>
-          <a:noFill/>
-        </p:spPr>
-        <p:txBody>
-          <a:bodyPr wrap="square" rtlCol="0">
-            <a:spAutoFit/>
-          </a:bodyPr>
-          <a:lstStyle/>
-          <a:p>
-            <a:pPr algn="ctr"/>
-            <a:r>
-              <a:rPr lang="en-US" sz="1200" b="1" dirty="0">
-                <a:latin typeface="Times" pitchFamily="2" charset="0"/>
-              </a:rPr>
-              <a:t>Significant </a:t>
-            </a:r>
-            <a:r>
-              <a:rPr lang="en-US" sz="1200" b="1" dirty="0" err="1">
-                <a:latin typeface="Times" pitchFamily="2" charset="0"/>
-              </a:rPr>
-              <a:t>GxE</a:t>
-            </a:r>
-            <a:endParaRPr lang="en-US" sz="1200" b="1" dirty="0">
-              <a:latin typeface="Times" pitchFamily="2" charset="0"/>
-            </a:endParaRPr>
-          </a:p>
-        </p:txBody>
-      </p:sp>
-      <p:sp>
-        <p:nvSpPr>
-          <p:cNvPr id="316" name="TextBox 315">
-            <a:extLst>
-              <a:ext uri="{FF2B5EF4-FFF2-40B4-BE49-F238E27FC236}">
-                <a16:creationId xmlns:a16="http://schemas.microsoft.com/office/drawing/2014/main" id="{B8781532-DD3F-8143-8ACC-EFADA9BA31D8}"/>
-              </a:ext>
-            </a:extLst>
-          </p:cNvPr>
-          <p:cNvSpPr txBox="1"/>
-          <p:nvPr/>
-        </p:nvSpPr>
-        <p:spPr>
-          <a:xfrm>
-            <a:off x="6354549" y="430588"/>
-            <a:ext cx="2205867" cy="276999"/>
-          </a:xfrm>
-          <a:prstGeom prst="rect">
-            <a:avLst/>
-          </a:prstGeom>
-          <a:noFill/>
-        </p:spPr>
-        <p:txBody>
-          <a:bodyPr wrap="square" rtlCol="0">
-            <a:spAutoFit/>
-          </a:bodyPr>
-          <a:lstStyle/>
-          <a:p>
-            <a:pPr algn="ctr"/>
-            <a:r>
-              <a:rPr lang="en-US" sz="1200" b="1" dirty="0">
-                <a:latin typeface="Times" pitchFamily="2" charset="0"/>
-              </a:rPr>
-              <a:t>Non-Significant </a:t>
-            </a:r>
-            <a:r>
-              <a:rPr lang="en-US" sz="1200" b="1" dirty="0" err="1">
-                <a:latin typeface="Times" pitchFamily="2" charset="0"/>
-              </a:rPr>
-              <a:t>GxE</a:t>
-            </a:r>
-            <a:endParaRPr lang="en-US" sz="1200" b="1" dirty="0">
-              <a:latin typeface="Times" pitchFamily="2" charset="0"/>
-            </a:endParaRPr>
-          </a:p>
-        </p:txBody>
-      </p:sp>
-      <p:grpSp>
-        <p:nvGrpSpPr>
-          <p:cNvPr id="317" name="Group 316">
-            <a:extLst>
-              <a:ext uri="{FF2B5EF4-FFF2-40B4-BE49-F238E27FC236}">
-                <a16:creationId xmlns:a16="http://schemas.microsoft.com/office/drawing/2014/main" id="{8AEF51BA-4A51-E247-B738-FA62E78FAC6A}"/>
-              </a:ext>
-            </a:extLst>
-          </p:cNvPr>
-          <p:cNvGrpSpPr/>
-          <p:nvPr/>
-        </p:nvGrpSpPr>
-        <p:grpSpPr>
-          <a:xfrm>
-            <a:off x="4657756" y="3497812"/>
-            <a:ext cx="3523118" cy="2292752"/>
-            <a:chOff x="4663380" y="3429000"/>
-            <a:chExt cx="3523118" cy="2292752"/>
-          </a:xfrm>
-        </p:grpSpPr>
-        <p:pic>
-          <p:nvPicPr>
-            <p:cNvPr id="295" name="Picture 294">
-              <a:extLst>
-                <a:ext uri="{FF2B5EF4-FFF2-40B4-BE49-F238E27FC236}">
-                  <a16:creationId xmlns:a16="http://schemas.microsoft.com/office/drawing/2014/main" id="{B3CDA32B-9A67-394A-BAD9-E3DEDCFD7924}"/>
-                </a:ext>
-              </a:extLst>
-            </p:cNvPr>
-            <p:cNvPicPr>
-              <a:picLocks noChangeAspect="1"/>
-            </p:cNvPicPr>
-            <p:nvPr/>
-          </p:nvPicPr>
-          <p:blipFill>
-            <a:blip r:embed="rId15"/>
-            <a:stretch>
-              <a:fillRect/>
-            </a:stretch>
-          </p:blipFill>
-          <p:spPr>
-            <a:xfrm>
-              <a:off x="6408862" y="3429000"/>
-              <a:ext cx="1775012" cy="1371600"/>
-            </a:xfrm>
-            <a:prstGeom prst="rect">
-              <a:avLst/>
-            </a:prstGeom>
-          </p:spPr>
-        </p:pic>
-        <p:pic>
-          <p:nvPicPr>
-            <p:cNvPr id="296" name="Picture 295">
-              <a:extLst>
-                <a:ext uri="{FF2B5EF4-FFF2-40B4-BE49-F238E27FC236}">
-                  <a16:creationId xmlns:a16="http://schemas.microsoft.com/office/drawing/2014/main" id="{CF20A107-BAFD-604B-9F1A-FFC8FF7CD68A}"/>
-                </a:ext>
-              </a:extLst>
-            </p:cNvPr>
-            <p:cNvPicPr>
-              <a:picLocks noChangeAspect="1"/>
-            </p:cNvPicPr>
-            <p:nvPr/>
-          </p:nvPicPr>
-          <p:blipFill>
-            <a:blip r:embed="rId16"/>
-            <a:stretch>
-              <a:fillRect/>
-            </a:stretch>
-          </p:blipFill>
-          <p:spPr>
-            <a:xfrm>
-              <a:off x="6411486" y="4350152"/>
-              <a:ext cx="1775012" cy="1371600"/>
-            </a:xfrm>
-            <a:prstGeom prst="rect">
-              <a:avLst/>
-            </a:prstGeom>
-          </p:spPr>
-        </p:pic>
-        <p:pic>
-          <p:nvPicPr>
-            <p:cNvPr id="298" name="Picture 297">
-              <a:extLst>
-                <a:ext uri="{FF2B5EF4-FFF2-40B4-BE49-F238E27FC236}">
-                  <a16:creationId xmlns:a16="http://schemas.microsoft.com/office/drawing/2014/main" id="{524D6BFE-9EE8-7D40-829B-D5B07161232F}"/>
-                </a:ext>
-              </a:extLst>
-            </p:cNvPr>
-            <p:cNvPicPr>
-              <a:picLocks noChangeAspect="1"/>
-            </p:cNvPicPr>
-            <p:nvPr/>
-          </p:nvPicPr>
-          <p:blipFill>
-            <a:blip r:embed="rId17"/>
-            <a:stretch>
-              <a:fillRect/>
-            </a:stretch>
-          </p:blipFill>
-          <p:spPr>
-            <a:xfrm>
-              <a:off x="4663380" y="3429000"/>
-              <a:ext cx="1775012" cy="1371600"/>
-            </a:xfrm>
-            <a:prstGeom prst="rect">
-              <a:avLst/>
-            </a:prstGeom>
-          </p:spPr>
-        </p:pic>
-        <p:pic>
-          <p:nvPicPr>
-            <p:cNvPr id="297" name="Picture 296">
-              <a:extLst>
-                <a:ext uri="{FF2B5EF4-FFF2-40B4-BE49-F238E27FC236}">
-                  <a16:creationId xmlns:a16="http://schemas.microsoft.com/office/drawing/2014/main" id="{1CF35F6D-02F1-D04B-907D-60FE1F794072}"/>
-                </a:ext>
-              </a:extLst>
-            </p:cNvPr>
-            <p:cNvPicPr>
-              <a:picLocks noChangeAspect="1"/>
-            </p:cNvPicPr>
-            <p:nvPr/>
-          </p:nvPicPr>
-          <p:blipFill>
-            <a:blip r:embed="rId18"/>
-            <a:stretch>
-              <a:fillRect/>
-            </a:stretch>
-          </p:blipFill>
-          <p:spPr>
-            <a:xfrm>
-              <a:off x="4663800" y="4350152"/>
-              <a:ext cx="1775012" cy="1371600"/>
-            </a:xfrm>
-            <a:prstGeom prst="rect">
-              <a:avLst/>
-            </a:prstGeom>
-          </p:spPr>
-        </p:pic>
-      </p:grpSp>
-      <p:sp>
-        <p:nvSpPr>
-          <p:cNvPr id="318" name="TextBox 317">
-            <a:extLst>
-              <a:ext uri="{FF2B5EF4-FFF2-40B4-BE49-F238E27FC236}">
-                <a16:creationId xmlns:a16="http://schemas.microsoft.com/office/drawing/2014/main" id="{6C765E05-A1BA-B24C-B443-AE1E7F94A34C}"/>
-              </a:ext>
-            </a:extLst>
-          </p:cNvPr>
-          <p:cNvSpPr txBox="1"/>
-          <p:nvPr/>
-        </p:nvSpPr>
-        <p:spPr>
-          <a:xfrm rot="16200000">
-            <a:off x="4214263" y="3806009"/>
-            <a:ext cx="603050" cy="276999"/>
-          </a:xfrm>
-          <a:prstGeom prst="rect">
-            <a:avLst/>
-          </a:prstGeom>
-          <a:noFill/>
-        </p:spPr>
-        <p:txBody>
-          <a:bodyPr wrap="none" rtlCol="0">
-            <a:spAutoFit/>
-          </a:bodyPr>
-          <a:lstStyle/>
-          <a:p>
-            <a:r>
-              <a:rPr lang="en-US" sz="1200" b="1" dirty="0" err="1">
-                <a:latin typeface="Times" pitchFamily="2" charset="0"/>
-              </a:rPr>
-              <a:t>CoGV</a:t>
-            </a:r>
-            <a:endParaRPr lang="en-US" sz="1200" b="1" dirty="0">
-              <a:latin typeface="Times" pitchFamily="2" charset="0"/>
-            </a:endParaRPr>
-          </a:p>
-        </p:txBody>
-      </p:sp>
-      <p:sp>
-        <p:nvSpPr>
-          <p:cNvPr id="319" name="TextBox 318">
-            <a:extLst>
-              <a:ext uri="{FF2B5EF4-FFF2-40B4-BE49-F238E27FC236}">
-                <a16:creationId xmlns:a16="http://schemas.microsoft.com/office/drawing/2014/main" id="{F4CF2E9F-98D1-024D-A5D5-C2CCE2086742}"/>
-              </a:ext>
-            </a:extLst>
-          </p:cNvPr>
-          <p:cNvSpPr txBox="1"/>
-          <p:nvPr/>
-        </p:nvSpPr>
-        <p:spPr>
-          <a:xfrm rot="16200000">
-            <a:off x="4210256" y="4872077"/>
-            <a:ext cx="611065" cy="276999"/>
-          </a:xfrm>
-          <a:prstGeom prst="rect">
-            <a:avLst/>
-          </a:prstGeom>
-          <a:noFill/>
-        </p:spPr>
-        <p:txBody>
-          <a:bodyPr wrap="none" rtlCol="0">
-            <a:spAutoFit/>
-          </a:bodyPr>
-          <a:lstStyle/>
-          <a:p>
-            <a:r>
-              <a:rPr lang="en-US" sz="1200" b="1" dirty="0" err="1">
-                <a:latin typeface="Times" pitchFamily="2" charset="0"/>
-              </a:rPr>
-              <a:t>CnGV</a:t>
-            </a:r>
-            <a:endParaRPr lang="en-US" sz="1200" b="1" dirty="0">
-              <a:latin typeface="Times" pitchFamily="2" charset="0"/>
-            </a:endParaRPr>
-          </a:p>
-        </p:txBody>
-      </p:sp>
-      <p:sp>
-        <p:nvSpPr>
-          <p:cNvPr id="320" name="TextBox 319">
-            <a:extLst>
-              <a:ext uri="{FF2B5EF4-FFF2-40B4-BE49-F238E27FC236}">
-                <a16:creationId xmlns:a16="http://schemas.microsoft.com/office/drawing/2014/main" id="{B12BD9ED-61D0-6B4D-AF46-1169598CD50C}"/>
-              </a:ext>
-            </a:extLst>
-          </p:cNvPr>
-          <p:cNvSpPr txBox="1"/>
-          <p:nvPr/>
-        </p:nvSpPr>
-        <p:spPr>
-          <a:xfrm>
-            <a:off x="4546524" y="3168665"/>
-            <a:ext cx="2205867" cy="276999"/>
-          </a:xfrm>
-          <a:prstGeom prst="rect">
-            <a:avLst/>
-          </a:prstGeom>
-          <a:noFill/>
-        </p:spPr>
-        <p:txBody>
-          <a:bodyPr wrap="square" rtlCol="0">
-            <a:spAutoFit/>
-          </a:bodyPr>
-          <a:lstStyle/>
-          <a:p>
-            <a:pPr algn="ctr"/>
-            <a:r>
-              <a:rPr lang="en-US" sz="1200" b="1" dirty="0">
-                <a:latin typeface="Times" pitchFamily="2" charset="0"/>
-              </a:rPr>
-              <a:t>Significant </a:t>
-            </a:r>
-            <a:r>
-              <a:rPr lang="en-US" sz="1200" b="1" dirty="0" err="1">
-                <a:latin typeface="Times" pitchFamily="2" charset="0"/>
-              </a:rPr>
-              <a:t>GxE</a:t>
-            </a:r>
-            <a:endParaRPr lang="en-US" sz="1200" b="1" dirty="0">
-              <a:latin typeface="Times" pitchFamily="2" charset="0"/>
-            </a:endParaRPr>
-          </a:p>
-        </p:txBody>
-      </p:sp>
-      <p:sp>
-        <p:nvSpPr>
-          <p:cNvPr id="321" name="TextBox 320">
-            <a:extLst>
-              <a:ext uri="{FF2B5EF4-FFF2-40B4-BE49-F238E27FC236}">
-                <a16:creationId xmlns:a16="http://schemas.microsoft.com/office/drawing/2014/main" id="{226C3CD7-C192-5449-9288-635F73A45575}"/>
-              </a:ext>
-            </a:extLst>
-          </p:cNvPr>
-          <p:cNvSpPr txBox="1"/>
-          <p:nvPr/>
-        </p:nvSpPr>
-        <p:spPr>
-          <a:xfrm>
-            <a:off x="6354549" y="3168665"/>
-            <a:ext cx="2205867" cy="276999"/>
-          </a:xfrm>
-          <a:prstGeom prst="rect">
-            <a:avLst/>
-          </a:prstGeom>
-          <a:noFill/>
-        </p:spPr>
-        <p:txBody>
-          <a:bodyPr wrap="square" rtlCol="0">
-            <a:spAutoFit/>
-          </a:bodyPr>
-          <a:lstStyle/>
-          <a:p>
-            <a:pPr algn="ctr"/>
-            <a:r>
-              <a:rPr lang="en-US" sz="1200" b="1" dirty="0">
-                <a:latin typeface="Times" pitchFamily="2" charset="0"/>
-              </a:rPr>
-              <a:t>Non-Significant </a:t>
-            </a:r>
-            <a:r>
-              <a:rPr lang="en-US" sz="1200" b="1" dirty="0" err="1">
-                <a:latin typeface="Times" pitchFamily="2" charset="0"/>
-              </a:rPr>
-              <a:t>GxE</a:t>
-            </a:r>
-            <a:endParaRPr lang="en-US" sz="1200" b="1" dirty="0">
-              <a:latin typeface="Times" pitchFamily="2" charset="0"/>
-            </a:endParaRPr>
-          </a:p>
-        </p:txBody>
-      </p:sp>
-      <p:sp>
-        <p:nvSpPr>
-          <p:cNvPr id="322" name="TextBox 321">
-            <a:extLst>
-              <a:ext uri="{FF2B5EF4-FFF2-40B4-BE49-F238E27FC236}">
-                <a16:creationId xmlns:a16="http://schemas.microsoft.com/office/drawing/2014/main" id="{523D31E0-22C3-6E44-BC22-CB5049F94FA7}"/>
-              </a:ext>
-            </a:extLst>
-          </p:cNvPr>
-          <p:cNvSpPr txBox="1"/>
-          <p:nvPr/>
-        </p:nvSpPr>
-        <p:spPr>
-          <a:xfrm>
-            <a:off x="5265682" y="73707"/>
-            <a:ext cx="2647648" cy="369332"/>
-          </a:xfrm>
-          <a:prstGeom prst="rect">
-            <a:avLst/>
-          </a:prstGeom>
-          <a:noFill/>
-        </p:spPr>
-        <p:txBody>
-          <a:bodyPr wrap="none" rtlCol="0">
-            <a:spAutoFit/>
-          </a:bodyPr>
-          <a:lstStyle/>
-          <a:p>
-            <a:r>
-              <a:rPr lang="en-US" dirty="0">
-                <a:latin typeface="Times" pitchFamily="2" charset="0"/>
-              </a:rPr>
-              <a:t>Full Reciprocal Transplant</a:t>
-            </a:r>
-          </a:p>
-        </p:txBody>
-      </p:sp>
-      <p:sp>
-        <p:nvSpPr>
-          <p:cNvPr id="323" name="TextBox 322">
-            <a:extLst>
-              <a:ext uri="{FF2B5EF4-FFF2-40B4-BE49-F238E27FC236}">
-                <a16:creationId xmlns:a16="http://schemas.microsoft.com/office/drawing/2014/main" id="{91936F21-180A-A346-8245-D5E3EAC35F7E}"/>
-              </a:ext>
-            </a:extLst>
-          </p:cNvPr>
-          <p:cNvSpPr txBox="1"/>
-          <p:nvPr/>
-        </p:nvSpPr>
-        <p:spPr>
-          <a:xfrm>
-            <a:off x="9154006" y="70796"/>
-            <a:ext cx="2428870" cy="369332"/>
-          </a:xfrm>
-          <a:prstGeom prst="rect">
-            <a:avLst/>
-          </a:prstGeom>
-          <a:noFill/>
-        </p:spPr>
-        <p:txBody>
-          <a:bodyPr wrap="none" rtlCol="0">
-            <a:spAutoFit/>
-          </a:bodyPr>
-          <a:lstStyle/>
-          <a:p>
-            <a:r>
-              <a:rPr lang="en-US" dirty="0">
-                <a:latin typeface="Times" pitchFamily="2" charset="0"/>
-              </a:rPr>
-              <a:t>Paired Common Garden</a:t>
-            </a:r>
-          </a:p>
-        </p:txBody>
-      </p:sp>
-      <p:sp>
-        <p:nvSpPr>
-          <p:cNvPr id="324" name="TextBox 323">
-            <a:extLst>
-              <a:ext uri="{FF2B5EF4-FFF2-40B4-BE49-F238E27FC236}">
-                <a16:creationId xmlns:a16="http://schemas.microsoft.com/office/drawing/2014/main" id="{AF6023CE-BF6B-8A48-8FFE-7F4D5CC7489F}"/>
-              </a:ext>
-            </a:extLst>
-          </p:cNvPr>
-          <p:cNvSpPr txBox="1"/>
-          <p:nvPr/>
-        </p:nvSpPr>
-        <p:spPr>
-          <a:xfrm rot="16200000">
-            <a:off x="8173122" y="1016671"/>
-            <a:ext cx="603050" cy="276999"/>
-          </a:xfrm>
-          <a:prstGeom prst="rect">
-            <a:avLst/>
-          </a:prstGeom>
-          <a:noFill/>
-        </p:spPr>
-        <p:txBody>
-          <a:bodyPr wrap="none" rtlCol="0">
-            <a:spAutoFit/>
-          </a:bodyPr>
-          <a:lstStyle/>
-          <a:p>
-            <a:r>
-              <a:rPr lang="en-US" sz="1200" b="1" dirty="0" err="1">
-                <a:latin typeface="Times" pitchFamily="2" charset="0"/>
-              </a:rPr>
-              <a:t>CoGV</a:t>
-            </a:r>
-            <a:endParaRPr lang="en-US" sz="1200" b="1" dirty="0">
-              <a:latin typeface="Times" pitchFamily="2" charset="0"/>
-            </a:endParaRPr>
-          </a:p>
-        </p:txBody>
-      </p:sp>
-      <p:sp>
-        <p:nvSpPr>
-          <p:cNvPr id="325" name="TextBox 324">
-            <a:extLst>
-              <a:ext uri="{FF2B5EF4-FFF2-40B4-BE49-F238E27FC236}">
-                <a16:creationId xmlns:a16="http://schemas.microsoft.com/office/drawing/2014/main" id="{F4CAA75A-C278-7041-89BA-D6E23EA5EA47}"/>
-              </a:ext>
-            </a:extLst>
-          </p:cNvPr>
-          <p:cNvSpPr txBox="1"/>
-          <p:nvPr/>
-        </p:nvSpPr>
-        <p:spPr>
-          <a:xfrm rot="16200000">
-            <a:off x="8169115" y="2082739"/>
-            <a:ext cx="611065" cy="276999"/>
-          </a:xfrm>
-          <a:prstGeom prst="rect">
-            <a:avLst/>
-          </a:prstGeom>
-          <a:noFill/>
-        </p:spPr>
-        <p:txBody>
-          <a:bodyPr wrap="none" rtlCol="0">
-            <a:spAutoFit/>
-          </a:bodyPr>
-          <a:lstStyle/>
-          <a:p>
-            <a:r>
-              <a:rPr lang="en-US" sz="1200" b="1" dirty="0" err="1">
-                <a:latin typeface="Times" pitchFamily="2" charset="0"/>
-              </a:rPr>
-              <a:t>CnGV</a:t>
-            </a:r>
-            <a:endParaRPr lang="en-US" sz="1200" b="1" dirty="0">
-              <a:latin typeface="Times" pitchFamily="2" charset="0"/>
-            </a:endParaRPr>
-          </a:p>
-        </p:txBody>
-      </p:sp>
-      <p:sp>
-        <p:nvSpPr>
-          <p:cNvPr id="326" name="TextBox 325">
-            <a:extLst>
-              <a:ext uri="{FF2B5EF4-FFF2-40B4-BE49-F238E27FC236}">
-                <a16:creationId xmlns:a16="http://schemas.microsoft.com/office/drawing/2014/main" id="{F5C9DD31-5516-F14B-865C-51E70849A898}"/>
-              </a:ext>
-            </a:extLst>
-          </p:cNvPr>
-          <p:cNvSpPr txBox="1"/>
-          <p:nvPr/>
-        </p:nvSpPr>
-        <p:spPr>
-          <a:xfrm>
-            <a:off x="8505383" y="379327"/>
-            <a:ext cx="2205867" cy="276999"/>
-          </a:xfrm>
-          <a:prstGeom prst="rect">
-            <a:avLst/>
-          </a:prstGeom>
-          <a:noFill/>
-        </p:spPr>
-        <p:txBody>
-          <a:bodyPr wrap="square" rtlCol="0">
-            <a:spAutoFit/>
-          </a:bodyPr>
-          <a:lstStyle/>
-          <a:p>
-            <a:pPr algn="ctr"/>
-            <a:r>
-              <a:rPr lang="en-US" sz="1200" b="1" dirty="0">
-                <a:latin typeface="Times" pitchFamily="2" charset="0"/>
-              </a:rPr>
-              <a:t>Significant </a:t>
-            </a:r>
-            <a:r>
-              <a:rPr lang="en-US" sz="1200" b="1" dirty="0" err="1">
-                <a:latin typeface="Times" pitchFamily="2" charset="0"/>
-              </a:rPr>
-              <a:t>GxE</a:t>
-            </a:r>
-            <a:endParaRPr lang="en-US" sz="1200" b="1" dirty="0">
-              <a:latin typeface="Times" pitchFamily="2" charset="0"/>
-            </a:endParaRPr>
-          </a:p>
-        </p:txBody>
-      </p:sp>
-      <p:sp>
-        <p:nvSpPr>
-          <p:cNvPr id="327" name="TextBox 326">
-            <a:extLst>
-              <a:ext uri="{FF2B5EF4-FFF2-40B4-BE49-F238E27FC236}">
-                <a16:creationId xmlns:a16="http://schemas.microsoft.com/office/drawing/2014/main" id="{607E09E3-2016-6049-82FB-BBA03D0FD242}"/>
-              </a:ext>
-            </a:extLst>
-          </p:cNvPr>
-          <p:cNvSpPr txBox="1"/>
-          <p:nvPr/>
-        </p:nvSpPr>
-        <p:spPr>
-          <a:xfrm>
-            <a:off x="10313408" y="379327"/>
-            <a:ext cx="2205867" cy="276999"/>
-          </a:xfrm>
-          <a:prstGeom prst="rect">
-            <a:avLst/>
-          </a:prstGeom>
-          <a:noFill/>
-        </p:spPr>
-        <p:txBody>
-          <a:bodyPr wrap="square" rtlCol="0">
-            <a:spAutoFit/>
-          </a:bodyPr>
-          <a:lstStyle/>
-          <a:p>
-            <a:pPr algn="ctr"/>
-            <a:r>
-              <a:rPr lang="en-US" sz="1200" b="1" dirty="0">
-                <a:latin typeface="Times" pitchFamily="2" charset="0"/>
-              </a:rPr>
-              <a:t>Non-Significant </a:t>
-            </a:r>
-            <a:r>
-              <a:rPr lang="en-US" sz="1200" b="1" dirty="0" err="1">
-                <a:latin typeface="Times" pitchFamily="2" charset="0"/>
-              </a:rPr>
-              <a:t>GxE</a:t>
-            </a:r>
-            <a:endParaRPr lang="en-US" sz="1200" b="1" dirty="0">
-              <a:latin typeface="Times" pitchFamily="2" charset="0"/>
-            </a:endParaRPr>
-          </a:p>
-        </p:txBody>
-      </p:sp>
-      <p:grpSp>
-        <p:nvGrpSpPr>
-          <p:cNvPr id="335" name="Group 334">
-            <a:extLst>
-              <a:ext uri="{FF2B5EF4-FFF2-40B4-BE49-F238E27FC236}">
-                <a16:creationId xmlns:a16="http://schemas.microsoft.com/office/drawing/2014/main" id="{9468757C-EAED-E94B-B41C-B73BF47E9905}"/>
-              </a:ext>
-            </a:extLst>
-          </p:cNvPr>
-          <p:cNvGrpSpPr/>
-          <p:nvPr/>
-        </p:nvGrpSpPr>
-        <p:grpSpPr>
-          <a:xfrm>
-            <a:off x="8602389" y="3354147"/>
-            <a:ext cx="3553779" cy="2443153"/>
-            <a:chOff x="8602389" y="3354147"/>
-            <a:chExt cx="3553779" cy="2443153"/>
-          </a:xfrm>
-        </p:grpSpPr>
-        <p:pic>
-          <p:nvPicPr>
-            <p:cNvPr id="283" name="Picture 282">
-              <a:extLst>
-                <a:ext uri="{FF2B5EF4-FFF2-40B4-BE49-F238E27FC236}">
-                  <a16:creationId xmlns:a16="http://schemas.microsoft.com/office/drawing/2014/main" id="{D2CBD8C0-5215-1346-80B4-4248FC672FB2}"/>
-                </a:ext>
-              </a:extLst>
-            </p:cNvPr>
-            <p:cNvPicPr>
-              <a:picLocks noChangeAspect="1"/>
-            </p:cNvPicPr>
-            <p:nvPr/>
-          </p:nvPicPr>
-          <p:blipFill>
-            <a:blip r:embed="rId19"/>
-            <a:stretch>
-              <a:fillRect/>
-            </a:stretch>
-          </p:blipFill>
-          <p:spPr>
-            <a:xfrm>
-              <a:off x="10381156" y="3354147"/>
-              <a:ext cx="1775012" cy="1371600"/>
-            </a:xfrm>
-            <a:prstGeom prst="rect">
-              <a:avLst/>
-            </a:prstGeom>
-          </p:spPr>
-        </p:pic>
-        <p:pic>
-          <p:nvPicPr>
-            <p:cNvPr id="284" name="Picture 283">
-              <a:extLst>
-                <a:ext uri="{FF2B5EF4-FFF2-40B4-BE49-F238E27FC236}">
-                  <a16:creationId xmlns:a16="http://schemas.microsoft.com/office/drawing/2014/main" id="{697CC225-4A4F-5D40-B7A4-EE1D6F1D55FC}"/>
-                </a:ext>
-              </a:extLst>
-            </p:cNvPr>
-            <p:cNvPicPr>
-              <a:picLocks noChangeAspect="1"/>
-            </p:cNvPicPr>
-            <p:nvPr/>
-          </p:nvPicPr>
-          <p:blipFill>
-            <a:blip r:embed="rId20"/>
-            <a:stretch>
-              <a:fillRect/>
-            </a:stretch>
-          </p:blipFill>
-          <p:spPr>
-            <a:xfrm>
-              <a:off x="10331671" y="4425700"/>
-              <a:ext cx="1775012" cy="1371600"/>
-            </a:xfrm>
-            <a:prstGeom prst="rect">
-              <a:avLst/>
-            </a:prstGeom>
-          </p:spPr>
-        </p:pic>
-        <p:pic>
-          <p:nvPicPr>
-            <p:cNvPr id="286" name="Picture 285">
-              <a:extLst>
-                <a:ext uri="{FF2B5EF4-FFF2-40B4-BE49-F238E27FC236}">
-                  <a16:creationId xmlns:a16="http://schemas.microsoft.com/office/drawing/2014/main" id="{92E3003C-AC3C-EA42-B66D-AA4152841CC0}"/>
-                </a:ext>
-              </a:extLst>
-            </p:cNvPr>
-            <p:cNvPicPr>
-              <a:picLocks noChangeAspect="1"/>
-            </p:cNvPicPr>
-            <p:nvPr/>
-          </p:nvPicPr>
-          <p:blipFill>
-            <a:blip r:embed="rId21"/>
-            <a:stretch>
-              <a:fillRect/>
-            </a:stretch>
-          </p:blipFill>
-          <p:spPr>
-            <a:xfrm>
-              <a:off x="8643555" y="3356743"/>
-              <a:ext cx="1775012" cy="1371600"/>
-            </a:xfrm>
-            <a:prstGeom prst="rect">
-              <a:avLst/>
-            </a:prstGeom>
-          </p:spPr>
-        </p:pic>
-        <p:pic>
-          <p:nvPicPr>
-            <p:cNvPr id="285" name="Picture 284">
-              <a:extLst>
-                <a:ext uri="{FF2B5EF4-FFF2-40B4-BE49-F238E27FC236}">
-                  <a16:creationId xmlns:a16="http://schemas.microsoft.com/office/drawing/2014/main" id="{EDDB9F28-F998-E849-A23D-31B0A98DCFD1}"/>
-                </a:ext>
-              </a:extLst>
-            </p:cNvPr>
-            <p:cNvPicPr>
-              <a:picLocks noChangeAspect="1"/>
-            </p:cNvPicPr>
-            <p:nvPr/>
-          </p:nvPicPr>
-          <p:blipFill>
-            <a:blip r:embed="rId22"/>
-            <a:stretch>
-              <a:fillRect/>
-            </a:stretch>
-          </p:blipFill>
-          <p:spPr>
-            <a:xfrm>
-              <a:off x="8602389" y="4418964"/>
-              <a:ext cx="1775012" cy="1371600"/>
-            </a:xfrm>
-            <a:prstGeom prst="rect">
-              <a:avLst/>
-            </a:prstGeom>
-          </p:spPr>
-        </p:pic>
-      </p:grpSp>
-      <p:sp>
-        <p:nvSpPr>
-          <p:cNvPr id="329" name="TextBox 328">
-            <a:extLst>
-              <a:ext uri="{FF2B5EF4-FFF2-40B4-BE49-F238E27FC236}">
-                <a16:creationId xmlns:a16="http://schemas.microsoft.com/office/drawing/2014/main" id="{AE615719-F868-C143-A023-F7E52099D7D9}"/>
-              </a:ext>
-            </a:extLst>
-          </p:cNvPr>
-          <p:cNvSpPr txBox="1"/>
-          <p:nvPr/>
-        </p:nvSpPr>
-        <p:spPr>
-          <a:xfrm rot="16200000">
-            <a:off x="8172972" y="3750836"/>
-            <a:ext cx="603050" cy="276999"/>
-          </a:xfrm>
-          <a:prstGeom prst="rect">
-            <a:avLst/>
-          </a:prstGeom>
-          <a:noFill/>
-        </p:spPr>
-        <p:txBody>
-          <a:bodyPr wrap="none" rtlCol="0">
-            <a:spAutoFit/>
-          </a:bodyPr>
-          <a:lstStyle/>
-          <a:p>
-            <a:r>
-              <a:rPr lang="en-US" sz="1200" b="1" dirty="0" err="1">
-                <a:latin typeface="Times" pitchFamily="2" charset="0"/>
-              </a:rPr>
-              <a:t>CoGV</a:t>
-            </a:r>
-            <a:endParaRPr lang="en-US" sz="1200" b="1" dirty="0">
-              <a:latin typeface="Times" pitchFamily="2" charset="0"/>
-            </a:endParaRPr>
-          </a:p>
-        </p:txBody>
-      </p:sp>
-      <p:sp>
-        <p:nvSpPr>
-          <p:cNvPr id="330" name="TextBox 329">
-            <a:extLst>
-              <a:ext uri="{FF2B5EF4-FFF2-40B4-BE49-F238E27FC236}">
-                <a16:creationId xmlns:a16="http://schemas.microsoft.com/office/drawing/2014/main" id="{DE78045C-FCE8-DB4C-A0E1-9AFBB96890CF}"/>
-              </a:ext>
-            </a:extLst>
-          </p:cNvPr>
-          <p:cNvSpPr txBox="1"/>
-          <p:nvPr/>
-        </p:nvSpPr>
-        <p:spPr>
-          <a:xfrm rot="16200000">
-            <a:off x="8168965" y="4816904"/>
-            <a:ext cx="611065" cy="276999"/>
-          </a:xfrm>
-          <a:prstGeom prst="rect">
-            <a:avLst/>
-          </a:prstGeom>
-          <a:noFill/>
-        </p:spPr>
-        <p:txBody>
-          <a:bodyPr wrap="none" rtlCol="0">
-            <a:spAutoFit/>
-          </a:bodyPr>
-          <a:lstStyle/>
-          <a:p>
-            <a:r>
-              <a:rPr lang="en-US" sz="1200" b="1" dirty="0" err="1">
-                <a:latin typeface="Times" pitchFamily="2" charset="0"/>
-              </a:rPr>
-              <a:t>CnGV</a:t>
-            </a:r>
-            <a:endParaRPr lang="en-US" sz="1200" b="1" dirty="0">
-              <a:latin typeface="Times" pitchFamily="2" charset="0"/>
-            </a:endParaRPr>
-          </a:p>
-        </p:txBody>
-      </p:sp>
-      <p:sp>
-        <p:nvSpPr>
-          <p:cNvPr id="331" name="TextBox 330">
-            <a:extLst>
-              <a:ext uri="{FF2B5EF4-FFF2-40B4-BE49-F238E27FC236}">
-                <a16:creationId xmlns:a16="http://schemas.microsoft.com/office/drawing/2014/main" id="{18DE71CE-489B-EA48-89E3-507FB707FA34}"/>
-              </a:ext>
-            </a:extLst>
-          </p:cNvPr>
-          <p:cNvSpPr txBox="1"/>
-          <p:nvPr/>
-        </p:nvSpPr>
-        <p:spPr>
-          <a:xfrm>
-            <a:off x="8419169" y="3113492"/>
-            <a:ext cx="2205867" cy="276999"/>
-          </a:xfrm>
-          <a:prstGeom prst="rect">
-            <a:avLst/>
-          </a:prstGeom>
-          <a:noFill/>
-        </p:spPr>
-        <p:txBody>
-          <a:bodyPr wrap="square" rtlCol="0">
-            <a:spAutoFit/>
-          </a:bodyPr>
-          <a:lstStyle/>
-          <a:p>
-            <a:pPr algn="ctr"/>
-            <a:r>
-              <a:rPr lang="en-US" sz="1200" b="1" dirty="0">
-                <a:latin typeface="Times" pitchFamily="2" charset="0"/>
-              </a:rPr>
-              <a:t>Significant </a:t>
-            </a:r>
-            <a:r>
-              <a:rPr lang="en-US" sz="1200" b="1" dirty="0" err="1">
-                <a:latin typeface="Times" pitchFamily="2" charset="0"/>
-              </a:rPr>
-              <a:t>GxE</a:t>
-            </a:r>
-            <a:endParaRPr lang="en-US" sz="1200" b="1" dirty="0">
-              <a:latin typeface="Times" pitchFamily="2" charset="0"/>
-            </a:endParaRPr>
-          </a:p>
-        </p:txBody>
-      </p:sp>
-      <p:sp>
-        <p:nvSpPr>
-          <p:cNvPr id="332" name="TextBox 331">
-            <a:extLst>
-              <a:ext uri="{FF2B5EF4-FFF2-40B4-BE49-F238E27FC236}">
-                <a16:creationId xmlns:a16="http://schemas.microsoft.com/office/drawing/2014/main" id="{AA432E32-310A-CB48-B121-3F89D3494265}"/>
-              </a:ext>
-            </a:extLst>
-          </p:cNvPr>
-          <p:cNvSpPr txBox="1"/>
-          <p:nvPr/>
-        </p:nvSpPr>
-        <p:spPr>
-          <a:xfrm>
-            <a:off x="10227194" y="3113492"/>
-            <a:ext cx="2205867" cy="276999"/>
-          </a:xfrm>
-          <a:prstGeom prst="rect">
-            <a:avLst/>
-          </a:prstGeom>
-          <a:noFill/>
-        </p:spPr>
-        <p:txBody>
-          <a:bodyPr wrap="square" rtlCol="0">
-            <a:spAutoFit/>
-          </a:bodyPr>
-          <a:lstStyle/>
-          <a:p>
-            <a:pPr algn="ctr"/>
-            <a:r>
-              <a:rPr lang="en-US" sz="1200" b="1" dirty="0">
-                <a:latin typeface="Times" pitchFamily="2" charset="0"/>
-              </a:rPr>
-              <a:t>Non-Significant </a:t>
-            </a:r>
-            <a:r>
-              <a:rPr lang="en-US" sz="1200" b="1" dirty="0" err="1">
-                <a:latin typeface="Times" pitchFamily="2" charset="0"/>
-              </a:rPr>
-              <a:t>GxE</a:t>
-            </a:r>
-            <a:endParaRPr lang="en-US" sz="1200" b="1" dirty="0">
+            <a:endParaRPr lang="en-US" dirty="0">
               <a:latin typeface="Times" pitchFamily="2" charset="0"/>
             </a:endParaRPr>
           </a:p>

--- a/results/Sim_12.15.20/PhenotypePlotPanel.pptx
+++ b/results/Sim_12.15.20/PhenotypePlotPanel.pptx
@@ -115,6 +115,18 @@
 </p:presentation>
 </file>
 
+<file path=ppt/commentAuthors.xml><?xml version="1.0" encoding="utf-8"?>
+<p:cmAuthorLst xmlns:a="http://schemas.openxmlformats.org/drawingml/2006/main" xmlns:r="http://schemas.openxmlformats.org/officeDocument/2006/relationships" xmlns:p="http://schemas.openxmlformats.org/presentationml/2006/main">
+  <p:cmAuthor id="1" name="Molly Albecker" initials="MA" lastIdx="1" clrIdx="0">
+    <p:extLst>
+      <p:ext uri="{19B8F6BF-5375-455C-9EA6-DF929625EA0E}">
+        <p15:presenceInfo xmlns:p15="http://schemas.microsoft.com/office/powerpoint/2012/main" userId="dfa1224b6e6d00a7" providerId="Windows Live"/>
+      </p:ext>
+    </p:extLst>
+  </p:cmAuthor>
+</p:cmAuthorLst>
+</file>
+
 <file path=ppt/notesMasters/notesMaster1.xml><?xml version="1.0" encoding="utf-8"?>
 <p:notesMaster xmlns:a="http://schemas.openxmlformats.org/drawingml/2006/main" xmlns:r="http://schemas.openxmlformats.org/officeDocument/2006/relationships" xmlns:p="http://schemas.openxmlformats.org/presentationml/2006/main">
   <p:cSld>
@@ -197,7 +209,7 @@
           <a:p>
             <a:fld id="{A5D1D6E8-CCD9-7949-840F-E5DF5A030765}" type="datetimeFigureOut">
               <a:rPr lang="en-US" smtClean="0"/>
-              <a:t>1/4/21</a:t>
+              <a:t>2/9/21</a:t>
             </a:fld>
             <a:endParaRPr lang="en-US"/>
           </a:p>
@@ -513,7 +525,10 @@
           <a:bodyPr/>
           <a:lstStyle/>
           <a:p>
-            <a:endParaRPr lang="en-US" dirty="0"/>
+            <a:r>
+              <a:rPr lang="en-US" dirty="0"/>
+              <a:t>31969</a:t>
+            </a:r>
           </a:p>
         </p:txBody>
       </p:sp>
@@ -684,7 +699,7 @@
           <a:p>
             <a:fld id="{D03A017B-735F-8248-8950-D80E2C05D57D}" type="datetimeFigureOut">
               <a:rPr lang="en-US" smtClean="0"/>
-              <a:t>1/4/21</a:t>
+              <a:t>2/9/21</a:t>
             </a:fld>
             <a:endParaRPr lang="en-US"/>
           </a:p>
@@ -854,7 +869,7 @@
           <a:p>
             <a:fld id="{D03A017B-735F-8248-8950-D80E2C05D57D}" type="datetimeFigureOut">
               <a:rPr lang="en-US" smtClean="0"/>
-              <a:t>1/4/21</a:t>
+              <a:t>2/9/21</a:t>
             </a:fld>
             <a:endParaRPr lang="en-US"/>
           </a:p>
@@ -1034,7 +1049,7 @@
           <a:p>
             <a:fld id="{D03A017B-735F-8248-8950-D80E2C05D57D}" type="datetimeFigureOut">
               <a:rPr lang="en-US" smtClean="0"/>
-              <a:t>1/4/21</a:t>
+              <a:t>2/9/21</a:t>
             </a:fld>
             <a:endParaRPr lang="en-US"/>
           </a:p>
@@ -1204,7 +1219,7 @@
           <a:p>
             <a:fld id="{D03A017B-735F-8248-8950-D80E2C05D57D}" type="datetimeFigureOut">
               <a:rPr lang="en-US" smtClean="0"/>
-              <a:t>1/4/21</a:t>
+              <a:t>2/9/21</a:t>
             </a:fld>
             <a:endParaRPr lang="en-US"/>
           </a:p>
@@ -1448,7 +1463,7 @@
           <a:p>
             <a:fld id="{D03A017B-735F-8248-8950-D80E2C05D57D}" type="datetimeFigureOut">
               <a:rPr lang="en-US" smtClean="0"/>
-              <a:t>1/4/21</a:t>
+              <a:t>2/9/21</a:t>
             </a:fld>
             <a:endParaRPr lang="en-US"/>
           </a:p>
@@ -1680,7 +1695,7 @@
           <a:p>
             <a:fld id="{D03A017B-735F-8248-8950-D80E2C05D57D}" type="datetimeFigureOut">
               <a:rPr lang="en-US" smtClean="0"/>
-              <a:t>1/4/21</a:t>
+              <a:t>2/9/21</a:t>
             </a:fld>
             <a:endParaRPr lang="en-US"/>
           </a:p>
@@ -2047,7 +2062,7 @@
           <a:p>
             <a:fld id="{D03A017B-735F-8248-8950-D80E2C05D57D}" type="datetimeFigureOut">
               <a:rPr lang="en-US" smtClean="0"/>
-              <a:t>1/4/21</a:t>
+              <a:t>2/9/21</a:t>
             </a:fld>
             <a:endParaRPr lang="en-US"/>
           </a:p>
@@ -2165,7 +2180,7 @@
           <a:p>
             <a:fld id="{D03A017B-735F-8248-8950-D80E2C05D57D}" type="datetimeFigureOut">
               <a:rPr lang="en-US" smtClean="0"/>
-              <a:t>1/4/21</a:t>
+              <a:t>2/9/21</a:t>
             </a:fld>
             <a:endParaRPr lang="en-US"/>
           </a:p>
@@ -2260,7 +2275,7 @@
           <a:p>
             <a:fld id="{D03A017B-735F-8248-8950-D80E2C05D57D}" type="datetimeFigureOut">
               <a:rPr lang="en-US" smtClean="0"/>
-              <a:t>1/4/21</a:t>
+              <a:t>2/9/21</a:t>
             </a:fld>
             <a:endParaRPr lang="en-US"/>
           </a:p>
@@ -2537,7 +2552,7 @@
           <a:p>
             <a:fld id="{D03A017B-735F-8248-8950-D80E2C05D57D}" type="datetimeFigureOut">
               <a:rPr lang="en-US" smtClean="0"/>
-              <a:t>1/4/21</a:t>
+              <a:t>2/9/21</a:t>
             </a:fld>
             <a:endParaRPr lang="en-US"/>
           </a:p>
@@ -2794,7 +2809,7 @@
           <a:p>
             <a:fld id="{D03A017B-735F-8248-8950-D80E2C05D57D}" type="datetimeFigureOut">
               <a:rPr lang="en-US" smtClean="0"/>
-              <a:t>1/4/21</a:t>
+              <a:t>2/9/21</a:t>
             </a:fld>
             <a:endParaRPr lang="en-US"/>
           </a:p>
@@ -3007,7 +3022,7 @@
           <a:p>
             <a:fld id="{D03A017B-735F-8248-8950-D80E2C05D57D}" type="datetimeFigureOut">
               <a:rPr lang="en-US" smtClean="0"/>
-              <a:t>1/4/21</a:t>
+              <a:t>2/9/21</a:t>
             </a:fld>
             <a:endParaRPr lang="en-US"/>
           </a:p>
@@ -3412,314 +3427,12 @@
           <a:chExt cx="0" cy="0"/>
         </a:xfrm>
       </p:grpSpPr>
-      <p:sp>
-        <p:nvSpPr>
-          <p:cNvPr id="49" name="TextBox 48">
+      <p:pic>
+        <p:nvPicPr>
+          <p:cNvPr id="81" name="Picture 80">
             <a:extLst>
               <a:ext uri="{FF2B5EF4-FFF2-40B4-BE49-F238E27FC236}">
-                <a16:creationId xmlns:a16="http://schemas.microsoft.com/office/drawing/2014/main" id="{AC5F9301-2F97-7846-9DAA-ABEC1505F364}"/>
-              </a:ext>
-            </a:extLst>
-          </p:cNvPr>
-          <p:cNvSpPr txBox="1"/>
-          <p:nvPr/>
-        </p:nvSpPr>
-        <p:spPr>
-          <a:xfrm rot="16200000">
-            <a:off x="-187641" y="884152"/>
-            <a:ext cx="787395" cy="369332"/>
-          </a:xfrm>
-          <a:prstGeom prst="rect">
-            <a:avLst/>
-          </a:prstGeom>
-          <a:noFill/>
-          <a:ln>
-            <a:noFill/>
-          </a:ln>
-        </p:spPr>
-        <p:txBody>
-          <a:bodyPr wrap="none" rtlCol="0">
-            <a:spAutoFit/>
-          </a:bodyPr>
-          <a:lstStyle/>
-          <a:p>
-            <a:r>
-              <a:rPr lang="en-US" dirty="0" err="1">
-                <a:latin typeface="Times" pitchFamily="2" charset="0"/>
-              </a:rPr>
-              <a:t>CoGV</a:t>
-            </a:r>
-            <a:endParaRPr lang="en-US" dirty="0">
-              <a:latin typeface="Times" pitchFamily="2" charset="0"/>
-            </a:endParaRPr>
-          </a:p>
-        </p:txBody>
-      </p:sp>
-      <p:sp>
-        <p:nvSpPr>
-          <p:cNvPr id="50" name="TextBox 49">
-            <a:extLst>
-              <a:ext uri="{FF2B5EF4-FFF2-40B4-BE49-F238E27FC236}">
-                <a16:creationId xmlns:a16="http://schemas.microsoft.com/office/drawing/2014/main" id="{549E5731-48D6-F541-8C2D-334B45F92C3E}"/>
-              </a:ext>
-            </a:extLst>
-          </p:cNvPr>
-          <p:cNvSpPr txBox="1"/>
-          <p:nvPr/>
-        </p:nvSpPr>
-        <p:spPr>
-          <a:xfrm rot="16200000">
-            <a:off x="-187142" y="2356910"/>
-            <a:ext cx="787395" cy="369332"/>
-          </a:xfrm>
-          <a:prstGeom prst="rect">
-            <a:avLst/>
-          </a:prstGeom>
-          <a:noFill/>
-          <a:ln>
-            <a:noFill/>
-          </a:ln>
-        </p:spPr>
-        <p:txBody>
-          <a:bodyPr wrap="none" rtlCol="0">
-            <a:spAutoFit/>
-          </a:bodyPr>
-          <a:lstStyle/>
-          <a:p>
-            <a:r>
-              <a:rPr lang="en-US" dirty="0" err="1">
-                <a:latin typeface="Times" pitchFamily="2" charset="0"/>
-              </a:rPr>
-              <a:t>CnGV</a:t>
-            </a:r>
-            <a:endParaRPr lang="en-US" dirty="0">
-              <a:latin typeface="Times" pitchFamily="2" charset="0"/>
-            </a:endParaRPr>
-          </a:p>
-        </p:txBody>
-      </p:sp>
-      <p:sp>
-        <p:nvSpPr>
-          <p:cNvPr id="51" name="TextBox 50">
-            <a:extLst>
-              <a:ext uri="{FF2B5EF4-FFF2-40B4-BE49-F238E27FC236}">
-                <a16:creationId xmlns:a16="http://schemas.microsoft.com/office/drawing/2014/main" id="{E5EEBA0E-850E-6149-885E-8A8DA1A3BAC4}"/>
-              </a:ext>
-            </a:extLst>
-          </p:cNvPr>
-          <p:cNvSpPr txBox="1"/>
-          <p:nvPr/>
-        </p:nvSpPr>
-        <p:spPr>
-          <a:xfrm>
-            <a:off x="415596" y="1638749"/>
-            <a:ext cx="2205867" cy="276999"/>
-          </a:xfrm>
-          <a:prstGeom prst="rect">
-            <a:avLst/>
-          </a:prstGeom>
-          <a:noFill/>
-          <a:ln>
-            <a:noFill/>
-          </a:ln>
-        </p:spPr>
-        <p:txBody>
-          <a:bodyPr wrap="square" rtlCol="0">
-            <a:spAutoFit/>
-          </a:bodyPr>
-          <a:lstStyle/>
-          <a:p>
-            <a:pPr algn="ctr"/>
-            <a:r>
-              <a:rPr lang="en-US" sz="1200" b="1" dirty="0">
-                <a:latin typeface="Times" pitchFamily="2" charset="0"/>
-              </a:rPr>
-              <a:t>Significant </a:t>
-            </a:r>
-            <a:r>
-              <a:rPr lang="en-US" sz="1200" b="1" dirty="0" err="1">
-                <a:latin typeface="Times" pitchFamily="2" charset="0"/>
-              </a:rPr>
-              <a:t>GxE</a:t>
-            </a:r>
-            <a:endParaRPr lang="en-US" sz="1200" b="1" dirty="0">
-              <a:latin typeface="Times" pitchFamily="2" charset="0"/>
-            </a:endParaRPr>
-          </a:p>
-        </p:txBody>
-      </p:sp>
-      <p:sp>
-        <p:nvSpPr>
-          <p:cNvPr id="57" name="TextBox 56">
-            <a:extLst>
-              <a:ext uri="{FF2B5EF4-FFF2-40B4-BE49-F238E27FC236}">
-                <a16:creationId xmlns:a16="http://schemas.microsoft.com/office/drawing/2014/main" id="{4832DB52-D6A7-744B-A9C5-4A957747590B}"/>
-              </a:ext>
-            </a:extLst>
-          </p:cNvPr>
-          <p:cNvSpPr txBox="1"/>
-          <p:nvPr/>
-        </p:nvSpPr>
-        <p:spPr>
-          <a:xfrm>
-            <a:off x="2015796" y="3769936"/>
-            <a:ext cx="2647648" cy="369332"/>
-          </a:xfrm>
-          <a:prstGeom prst="rect">
-            <a:avLst/>
-          </a:prstGeom>
-          <a:noFill/>
-          <a:ln>
-            <a:noFill/>
-          </a:ln>
-        </p:spPr>
-        <p:txBody>
-          <a:bodyPr wrap="none" rtlCol="0">
-            <a:spAutoFit/>
-          </a:bodyPr>
-          <a:lstStyle/>
-          <a:p>
-            <a:r>
-              <a:rPr lang="en-US" dirty="0">
-                <a:latin typeface="Times" pitchFamily="2" charset="0"/>
-              </a:rPr>
-              <a:t>Full Reciprocal Transplant</a:t>
-            </a:r>
-          </a:p>
-        </p:txBody>
-      </p:sp>
-      <p:sp>
-        <p:nvSpPr>
-          <p:cNvPr id="58" name="TextBox 57">
-            <a:extLst>
-              <a:ext uri="{FF2B5EF4-FFF2-40B4-BE49-F238E27FC236}">
-                <a16:creationId xmlns:a16="http://schemas.microsoft.com/office/drawing/2014/main" id="{BAA854ED-121D-374A-9102-9C649D1C7D0A}"/>
-              </a:ext>
-            </a:extLst>
-          </p:cNvPr>
-          <p:cNvSpPr txBox="1"/>
-          <p:nvPr/>
-        </p:nvSpPr>
-        <p:spPr>
-          <a:xfrm>
-            <a:off x="1932722" y="7518674"/>
-            <a:ext cx="2428870" cy="369332"/>
-          </a:xfrm>
-          <a:prstGeom prst="rect">
-            <a:avLst/>
-          </a:prstGeom>
-          <a:noFill/>
-          <a:ln>
-            <a:noFill/>
-          </a:ln>
-        </p:spPr>
-        <p:txBody>
-          <a:bodyPr wrap="none" rtlCol="0">
-            <a:spAutoFit/>
-          </a:bodyPr>
-          <a:lstStyle/>
-          <a:p>
-            <a:r>
-              <a:rPr lang="en-US" dirty="0">
-                <a:latin typeface="Times" pitchFamily="2" charset="0"/>
-              </a:rPr>
-              <a:t>Paired Common Garden</a:t>
-            </a:r>
-          </a:p>
-        </p:txBody>
-      </p:sp>
-      <p:sp>
-        <p:nvSpPr>
-          <p:cNvPr id="59" name="TextBox 58">
-            <a:extLst>
-              <a:ext uri="{FF2B5EF4-FFF2-40B4-BE49-F238E27FC236}">
-                <a16:creationId xmlns:a16="http://schemas.microsoft.com/office/drawing/2014/main" id="{6746543B-DD36-1A4B-BC59-B27BDD88F881}"/>
-              </a:ext>
-            </a:extLst>
-          </p:cNvPr>
-          <p:cNvSpPr txBox="1"/>
-          <p:nvPr/>
-        </p:nvSpPr>
-        <p:spPr>
-          <a:xfrm rot="16200000">
-            <a:off x="191187" y="8951545"/>
-            <a:ext cx="603050" cy="276999"/>
-          </a:xfrm>
-          <a:prstGeom prst="rect">
-            <a:avLst/>
-          </a:prstGeom>
-          <a:noFill/>
-          <a:ln>
-            <a:noFill/>
-          </a:ln>
-        </p:spPr>
-        <p:txBody>
-          <a:bodyPr wrap="none" rtlCol="0">
-            <a:spAutoFit/>
-          </a:bodyPr>
-          <a:lstStyle/>
-          <a:p>
-            <a:r>
-              <a:rPr lang="en-US" sz="1200" b="1" dirty="0" err="1">
-                <a:latin typeface="Times" pitchFamily="2" charset="0"/>
-              </a:rPr>
-              <a:t>CoGV</a:t>
-            </a:r>
-            <a:endParaRPr lang="en-US" sz="1200" b="1" dirty="0">
-              <a:latin typeface="Times" pitchFamily="2" charset="0"/>
-            </a:endParaRPr>
-          </a:p>
-        </p:txBody>
-      </p:sp>
-      <p:sp>
-        <p:nvSpPr>
-          <p:cNvPr id="60" name="TextBox 59">
-            <a:extLst>
-              <a:ext uri="{FF2B5EF4-FFF2-40B4-BE49-F238E27FC236}">
-                <a16:creationId xmlns:a16="http://schemas.microsoft.com/office/drawing/2014/main" id="{FEE8766A-694D-DD44-A1C5-054BE350B658}"/>
-              </a:ext>
-            </a:extLst>
-          </p:cNvPr>
-          <p:cNvSpPr txBox="1"/>
-          <p:nvPr/>
-        </p:nvSpPr>
-        <p:spPr>
-          <a:xfrm rot="16200000">
-            <a:off x="187180" y="10017613"/>
-            <a:ext cx="611065" cy="276999"/>
-          </a:xfrm>
-          <a:prstGeom prst="rect">
-            <a:avLst/>
-          </a:prstGeom>
-          <a:noFill/>
-          <a:ln>
-            <a:noFill/>
-          </a:ln>
-        </p:spPr>
-        <p:txBody>
-          <a:bodyPr wrap="none" rtlCol="0">
-            <a:spAutoFit/>
-          </a:bodyPr>
-          <a:lstStyle/>
-          <a:p>
-            <a:r>
-              <a:rPr lang="en-US" sz="1200" b="1" dirty="0" err="1">
-                <a:latin typeface="Times" pitchFamily="2" charset="0"/>
-              </a:rPr>
-              <a:t>CnGV</a:t>
-            </a:r>
-            <a:endParaRPr lang="en-US" sz="1200" b="1" dirty="0">
-              <a:latin typeface="Times" pitchFamily="2" charset="0"/>
-            </a:endParaRPr>
-          </a:p>
-        </p:txBody>
-      </p:sp>
-      <p:pic>
-        <p:nvPicPr>
-          <p:cNvPr id="3" name="Picture 2">
-            <a:extLst>
-              <a:ext uri="{FF2B5EF4-FFF2-40B4-BE49-F238E27FC236}">
-                <a16:creationId xmlns:a16="http://schemas.microsoft.com/office/drawing/2014/main" id="{B40DED33-787F-194A-A420-8A41200C2D41}"/>
+                <a16:creationId xmlns:a16="http://schemas.microsoft.com/office/drawing/2014/main" id="{F0741BB1-638E-5A47-B81F-2DDC46D87A40}"/>
               </a:ext>
             </a:extLst>
           </p:cNvPr>
@@ -3736,7 +3449,7 @@
         </p:blipFill>
         <p:spPr>
           <a:xfrm>
-            <a:off x="385402" y="7931157"/>
+            <a:off x="3668380" y="8696879"/>
             <a:ext cx="2958353" cy="2286000"/>
           </a:xfrm>
           <a:prstGeom prst="rect">
@@ -3746,10 +3459,40 @@
       </p:pic>
       <p:pic>
         <p:nvPicPr>
-          <p:cNvPr id="5" name="Picture 4">
+          <p:cNvPr id="77" name="Picture 76">
             <a:extLst>
               <a:ext uri="{FF2B5EF4-FFF2-40B4-BE49-F238E27FC236}">
-                <a16:creationId xmlns:a16="http://schemas.microsoft.com/office/drawing/2014/main" id="{097D3AEF-3193-5045-8343-B0AE6B765A76}"/>
+                <a16:creationId xmlns:a16="http://schemas.microsoft.com/office/drawing/2014/main" id="{0A6B7461-9C40-2B47-90CB-062E426DE70B}"/>
+              </a:ext>
+            </a:extLst>
+          </p:cNvPr>
+          <p:cNvPicPr>
+            <a:picLocks noChangeAspect="1"/>
+          </p:cNvPicPr>
+          <p:nvPr/>
+        </p:nvPicPr>
+        <p:blipFill>
+          <a:blip r:embed="rId4"/>
+          <a:stretch>
+            <a:fillRect/>
+          </a:stretch>
+        </p:blipFill>
+        <p:spPr>
+          <a:xfrm>
+            <a:off x="411028" y="5018068"/>
+            <a:ext cx="2958353" cy="2286000"/>
+          </a:xfrm>
+          <a:prstGeom prst="rect">
+            <a:avLst/>
+          </a:prstGeom>
+        </p:spPr>
+      </p:pic>
+      <p:pic>
+        <p:nvPicPr>
+          <p:cNvPr id="71" name="Picture 70">
+            <a:extLst>
+              <a:ext uri="{FF2B5EF4-FFF2-40B4-BE49-F238E27FC236}">
+                <a16:creationId xmlns:a16="http://schemas.microsoft.com/office/drawing/2014/main" id="{CF2143FB-E7B9-A14F-A92B-F1FBE31DCA6E}"/>
               </a:ext>
             </a:extLst>
           </p:cNvPr>
@@ -3759,14 +3502,14 @@
           <p:nvPr/>
         </p:nvPicPr>
         <p:blipFill rotWithShape="1">
-          <a:blip r:embed="rId4"/>
-          <a:srcRect b="17837"/>
+          <a:blip r:embed="rId5"/>
+          <a:srcRect b="22804"/>
           <a:stretch/>
         </p:blipFill>
         <p:spPr>
           <a:xfrm>
-            <a:off x="382607" y="9539316"/>
-            <a:ext cx="2958353" cy="1878242"/>
+            <a:off x="411028" y="6553636"/>
+            <a:ext cx="2958353" cy="1764713"/>
           </a:xfrm>
           <a:prstGeom prst="rect">
             <a:avLst/>
@@ -3775,40 +3518,10 @@
       </p:pic>
       <p:pic>
         <p:nvPicPr>
-          <p:cNvPr id="17" name="Picture 16">
+          <p:cNvPr id="79" name="Picture 78">
             <a:extLst>
               <a:ext uri="{FF2B5EF4-FFF2-40B4-BE49-F238E27FC236}">
-                <a16:creationId xmlns:a16="http://schemas.microsoft.com/office/drawing/2014/main" id="{75C3CB93-FEFB-5549-AC8C-1EF269C252F5}"/>
-              </a:ext>
-            </a:extLst>
-          </p:cNvPr>
-          <p:cNvPicPr>
-            <a:picLocks noChangeAspect="1"/>
-          </p:cNvPicPr>
-          <p:nvPr/>
-        </p:nvPicPr>
-        <p:blipFill>
-          <a:blip r:embed="rId5"/>
-          <a:stretch>
-            <a:fillRect/>
-          </a:stretch>
-        </p:blipFill>
-        <p:spPr>
-          <a:xfrm>
-            <a:off x="382177" y="4131139"/>
-            <a:ext cx="2958353" cy="2286000"/>
-          </a:xfrm>
-          <a:prstGeom prst="rect">
-            <a:avLst/>
-          </a:prstGeom>
-        </p:spPr>
-      </p:pic>
-      <p:pic>
-        <p:nvPicPr>
-          <p:cNvPr id="19" name="Picture 18">
-            <a:extLst>
-              <a:ext uri="{FF2B5EF4-FFF2-40B4-BE49-F238E27FC236}">
-                <a16:creationId xmlns:a16="http://schemas.microsoft.com/office/drawing/2014/main" id="{AE3AF48F-62DC-DB42-96C1-1711FBCFABB1}"/>
+                <a16:creationId xmlns:a16="http://schemas.microsoft.com/office/drawing/2014/main" id="{694E1CA5-4F94-2848-A960-1D0BFEB31072}"/>
               </a:ext>
             </a:extLst>
           </p:cNvPr>
@@ -3825,7 +3538,7 @@
         </p:blipFill>
         <p:spPr>
           <a:xfrm>
-            <a:off x="368201" y="319515"/>
+            <a:off x="3667629" y="5018826"/>
             <a:ext cx="2958353" cy="2286000"/>
           </a:xfrm>
           <a:prstGeom prst="rect">
@@ -3835,10 +3548,10 @@
       </p:pic>
       <p:pic>
         <p:nvPicPr>
-          <p:cNvPr id="21" name="Picture 20">
+          <p:cNvPr id="69" name="Picture 68">
             <a:extLst>
               <a:ext uri="{FF2B5EF4-FFF2-40B4-BE49-F238E27FC236}">
-                <a16:creationId xmlns:a16="http://schemas.microsoft.com/office/drawing/2014/main" id="{156719BD-4B80-4D4D-87E2-E8BC27DF1851}"/>
+                <a16:creationId xmlns:a16="http://schemas.microsoft.com/office/drawing/2014/main" id="{4E14041A-84CA-EC45-A5C8-104985DD15A9}"/>
               </a:ext>
             </a:extLst>
           </p:cNvPr>
@@ -3849,125 +3562,25 @@
         </p:nvPicPr>
         <p:blipFill rotWithShape="1">
           <a:blip r:embed="rId7"/>
-          <a:srcRect b="21072"/>
+          <a:srcRect b="24700"/>
           <a:stretch/>
         </p:blipFill>
         <p:spPr>
           <a:xfrm>
-            <a:off x="381267" y="1914892"/>
-            <a:ext cx="2958353" cy="1804301"/>
+            <a:off x="3670542" y="6550537"/>
+            <a:ext cx="2958353" cy="1721352"/>
           </a:xfrm>
           <a:prstGeom prst="rect">
             <a:avLst/>
           </a:prstGeom>
         </p:spPr>
       </p:pic>
-      <p:sp>
-        <p:nvSpPr>
-          <p:cNvPr id="87" name="TextBox 86">
+      <p:pic>
+        <p:nvPicPr>
+          <p:cNvPr id="46" name="Picture 45">
             <a:extLst>
               <a:ext uri="{FF2B5EF4-FFF2-40B4-BE49-F238E27FC236}">
-                <a16:creationId xmlns:a16="http://schemas.microsoft.com/office/drawing/2014/main" id="{4A42217E-E1A4-B847-8966-C1E7393464A3}"/>
-              </a:ext>
-            </a:extLst>
-          </p:cNvPr>
-          <p:cNvSpPr txBox="1"/>
-          <p:nvPr/>
-        </p:nvSpPr>
-        <p:spPr>
-          <a:xfrm>
-            <a:off x="829789" y="19111"/>
-            <a:ext cx="2205867" cy="369332"/>
-          </a:xfrm>
-          <a:prstGeom prst="rect">
-            <a:avLst/>
-          </a:prstGeom>
-          <a:noFill/>
-          <a:ln>
-            <a:noFill/>
-          </a:ln>
-        </p:spPr>
-        <p:txBody>
-          <a:bodyPr wrap="square" rtlCol="0">
-            <a:spAutoFit/>
-          </a:bodyPr>
-          <a:lstStyle/>
-          <a:p>
-            <a:pPr algn="ctr"/>
-            <a:r>
-              <a:rPr lang="en-US" dirty="0">
-                <a:latin typeface="Times" pitchFamily="2" charset="0"/>
-              </a:rPr>
-              <a:t>Significant </a:t>
-            </a:r>
-            <a:r>
-              <a:rPr lang="en-US" dirty="0" err="1">
-                <a:latin typeface="Times" pitchFamily="2" charset="0"/>
-              </a:rPr>
-              <a:t>GxE</a:t>
-            </a:r>
-            <a:endParaRPr lang="en-US" dirty="0">
-              <a:latin typeface="Times" pitchFamily="2" charset="0"/>
-            </a:endParaRPr>
-          </a:p>
-        </p:txBody>
-      </p:sp>
-      <p:sp>
-        <p:nvSpPr>
-          <p:cNvPr id="88" name="TextBox 87">
-            <a:extLst>
-              <a:ext uri="{FF2B5EF4-FFF2-40B4-BE49-F238E27FC236}">
-                <a16:creationId xmlns:a16="http://schemas.microsoft.com/office/drawing/2014/main" id="{20A27625-BB99-7843-9936-D665C45B41CF}"/>
-              </a:ext>
-            </a:extLst>
-          </p:cNvPr>
-          <p:cNvSpPr txBox="1"/>
-          <p:nvPr/>
-        </p:nvSpPr>
-        <p:spPr>
-          <a:xfrm>
-            <a:off x="3566996" y="18957"/>
-            <a:ext cx="2205867" cy="369332"/>
-          </a:xfrm>
-          <a:prstGeom prst="rect">
-            <a:avLst/>
-          </a:prstGeom>
-          <a:noFill/>
-          <a:ln>
-            <a:noFill/>
-          </a:ln>
-        </p:spPr>
-        <p:txBody>
-          <a:bodyPr wrap="square" rtlCol="0">
-            <a:spAutoFit/>
-          </a:bodyPr>
-          <a:lstStyle/>
-          <a:p>
-            <a:pPr algn="ctr"/>
-            <a:r>
-              <a:rPr lang="en-US" dirty="0">
-                <a:latin typeface="Times" pitchFamily="2" charset="0"/>
-              </a:rPr>
-              <a:t>Non-Significant </a:t>
-            </a:r>
-            <a:r>
-              <a:rPr lang="en-US" dirty="0" err="1">
-                <a:latin typeface="Times" pitchFamily="2" charset="0"/>
-              </a:rPr>
-              <a:t>GxE</a:t>
-            </a:r>
-            <a:endParaRPr lang="en-US" dirty="0">
-              <a:latin typeface="Times" pitchFamily="2" charset="0"/>
-            </a:endParaRPr>
-          </a:p>
-        </p:txBody>
-      </p:sp>
-      <p:pic>
-        <p:nvPicPr>
-          <p:cNvPr id="25" name="Picture 24">
-            <a:extLst>
-              <a:ext uri="{FF2B5EF4-FFF2-40B4-BE49-F238E27FC236}">
-                <a16:creationId xmlns:a16="http://schemas.microsoft.com/office/drawing/2014/main" id="{764C59C8-B157-AA4A-B47F-2C7E79277CCB}"/>
+                <a16:creationId xmlns:a16="http://schemas.microsoft.com/office/drawing/2014/main" id="{DC372D24-140C-1B45-95C4-80A709CABBE5}"/>
               </a:ext>
             </a:extLst>
           </p:cNvPr>
@@ -3984,7 +3597,7 @@
         </p:blipFill>
         <p:spPr>
           <a:xfrm>
-            <a:off x="3069858" y="319515"/>
+            <a:off x="3668273" y="987128"/>
             <a:ext cx="2958353" cy="2286000"/>
           </a:xfrm>
           <a:prstGeom prst="rect">
@@ -3992,12 +3605,55 @@
           </a:prstGeom>
         </p:spPr>
       </p:pic>
+      <p:sp>
+        <p:nvSpPr>
+          <p:cNvPr id="49" name="TextBox 48">
+            <a:extLst>
+              <a:ext uri="{FF2B5EF4-FFF2-40B4-BE49-F238E27FC236}">
+                <a16:creationId xmlns:a16="http://schemas.microsoft.com/office/drawing/2014/main" id="{AC5F9301-2F97-7846-9DAA-ABEC1505F364}"/>
+              </a:ext>
+            </a:extLst>
+          </p:cNvPr>
+          <p:cNvSpPr txBox="1"/>
+          <p:nvPr/>
+        </p:nvSpPr>
+        <p:spPr>
+          <a:xfrm rot="16200000">
+            <a:off x="-198225" y="1357862"/>
+            <a:ext cx="787395" cy="369332"/>
+          </a:xfrm>
+          <a:prstGeom prst="rect">
+            <a:avLst/>
+          </a:prstGeom>
+          <a:noFill/>
+          <a:ln>
+            <a:noFill/>
+          </a:ln>
+        </p:spPr>
+        <p:txBody>
+          <a:bodyPr wrap="none" rtlCol="0">
+            <a:spAutoFit/>
+          </a:bodyPr>
+          <a:lstStyle/>
+          <a:p>
+            <a:r>
+              <a:rPr lang="en-US" dirty="0" err="1">
+                <a:latin typeface="Times" pitchFamily="2" charset="0"/>
+              </a:rPr>
+              <a:t>CoGV</a:t>
+            </a:r>
+            <a:endParaRPr lang="en-US" dirty="0">
+              <a:latin typeface="Times" pitchFamily="2" charset="0"/>
+            </a:endParaRPr>
+          </a:p>
+        </p:txBody>
+      </p:sp>
       <p:pic>
         <p:nvPicPr>
-          <p:cNvPr id="23" name="Picture 22">
+          <p:cNvPr id="64" name="Picture 63">
             <a:extLst>
               <a:ext uri="{FF2B5EF4-FFF2-40B4-BE49-F238E27FC236}">
-                <a16:creationId xmlns:a16="http://schemas.microsoft.com/office/drawing/2014/main" id="{0F34F195-C317-6746-BC90-18780533E491}"/>
+                <a16:creationId xmlns:a16="http://schemas.microsoft.com/office/drawing/2014/main" id="{0FEA7463-3CBD-634B-90B5-AB8774B1C29E}"/>
               </a:ext>
             </a:extLst>
           </p:cNvPr>
@@ -4008,545 +3664,25 @@
         </p:nvPicPr>
         <p:blipFill rotWithShape="1">
           <a:blip r:embed="rId9"/>
-          <a:srcRect b="21072"/>
+          <a:srcRect b="19426"/>
           <a:stretch/>
         </p:blipFill>
         <p:spPr>
           <a:xfrm>
-            <a:off x="3074396" y="1914892"/>
-            <a:ext cx="2958353" cy="1804301"/>
+            <a:off x="3668522" y="2588093"/>
+            <a:ext cx="2958353" cy="1841924"/>
           </a:xfrm>
           <a:prstGeom prst="rect">
             <a:avLst/>
           </a:prstGeom>
         </p:spPr>
       </p:pic>
-      <p:grpSp>
-        <p:nvGrpSpPr>
-          <p:cNvPr id="97" name="Group 96">
+      <p:sp>
+        <p:nvSpPr>
+          <p:cNvPr id="50" name="TextBox 49">
             <a:extLst>
               <a:ext uri="{FF2B5EF4-FFF2-40B4-BE49-F238E27FC236}">
-                <a16:creationId xmlns:a16="http://schemas.microsoft.com/office/drawing/2014/main" id="{1008CB39-9123-1C43-BED5-B90A3C807582}"/>
-              </a:ext>
-            </a:extLst>
-          </p:cNvPr>
-          <p:cNvGrpSpPr/>
-          <p:nvPr/>
-        </p:nvGrpSpPr>
-        <p:grpSpPr>
-          <a:xfrm>
-            <a:off x="2045545" y="3057892"/>
-            <a:ext cx="1025283" cy="273364"/>
-            <a:chOff x="2203255" y="4226839"/>
-            <a:chExt cx="1025283" cy="273364"/>
-          </a:xfrm>
-        </p:grpSpPr>
-        <p:pic>
-          <p:nvPicPr>
-            <p:cNvPr id="98" name="Picture 97">
-              <a:extLst>
-                <a:ext uri="{FF2B5EF4-FFF2-40B4-BE49-F238E27FC236}">
-                  <a16:creationId xmlns:a16="http://schemas.microsoft.com/office/drawing/2014/main" id="{1097A73A-B47B-6547-AB1B-B3B6C3401C00}"/>
-                </a:ext>
-              </a:extLst>
-            </p:cNvPr>
-            <p:cNvPicPr>
-              <a:picLocks noChangeAspect="1"/>
-            </p:cNvPicPr>
-            <p:nvPr/>
-          </p:nvPicPr>
-          <p:blipFill rotWithShape="1">
-            <a:blip r:embed="rId10"/>
-            <a:srcRect l="57968" t="87984" r="8852" b="6666"/>
-            <a:stretch/>
-          </p:blipFill>
-          <p:spPr>
-            <a:xfrm>
-              <a:off x="2229188" y="4226839"/>
-              <a:ext cx="981576" cy="122290"/>
-            </a:xfrm>
-            <a:prstGeom prst="rect">
-              <a:avLst/>
-            </a:prstGeom>
-          </p:spPr>
-        </p:pic>
-        <p:pic>
-          <p:nvPicPr>
-            <p:cNvPr id="99" name="Picture 98">
-              <a:extLst>
-                <a:ext uri="{FF2B5EF4-FFF2-40B4-BE49-F238E27FC236}">
-                  <a16:creationId xmlns:a16="http://schemas.microsoft.com/office/drawing/2014/main" id="{9EB50999-025C-D642-9ED4-E5B62F6A6366}"/>
-                </a:ext>
-              </a:extLst>
-            </p:cNvPr>
-            <p:cNvPicPr>
-              <a:picLocks noChangeAspect="1"/>
-            </p:cNvPicPr>
-            <p:nvPr/>
-          </p:nvPicPr>
-          <p:blipFill rotWithShape="1">
-            <a:blip r:embed="rId11"/>
-            <a:srcRect l="23477" t="86372" r="41866" b="6621"/>
-            <a:stretch/>
-          </p:blipFill>
-          <p:spPr>
-            <a:xfrm>
-              <a:off x="2203255" y="4340045"/>
-              <a:ext cx="1025283" cy="160158"/>
-            </a:xfrm>
-            <a:prstGeom prst="rect">
-              <a:avLst/>
-            </a:prstGeom>
-          </p:spPr>
-        </p:pic>
-      </p:grpSp>
-      <p:grpSp>
-        <p:nvGrpSpPr>
-          <p:cNvPr id="100" name="Group 99">
-            <a:extLst>
-              <a:ext uri="{FF2B5EF4-FFF2-40B4-BE49-F238E27FC236}">
-                <a16:creationId xmlns:a16="http://schemas.microsoft.com/office/drawing/2014/main" id="{2C59EC64-43A2-6744-82B6-701BA21188CA}"/>
-              </a:ext>
-            </a:extLst>
-          </p:cNvPr>
-          <p:cNvGrpSpPr/>
-          <p:nvPr/>
-        </p:nvGrpSpPr>
-        <p:grpSpPr>
-          <a:xfrm>
-            <a:off x="2108821" y="1462515"/>
-            <a:ext cx="1025283" cy="273364"/>
-            <a:chOff x="2203255" y="4226839"/>
-            <a:chExt cx="1025283" cy="273364"/>
-          </a:xfrm>
-        </p:grpSpPr>
-        <p:pic>
-          <p:nvPicPr>
-            <p:cNvPr id="101" name="Picture 100">
-              <a:extLst>
-                <a:ext uri="{FF2B5EF4-FFF2-40B4-BE49-F238E27FC236}">
-                  <a16:creationId xmlns:a16="http://schemas.microsoft.com/office/drawing/2014/main" id="{6CA9AA9C-146F-4647-98EB-8F381C275564}"/>
-                </a:ext>
-              </a:extLst>
-            </p:cNvPr>
-            <p:cNvPicPr>
-              <a:picLocks noChangeAspect="1"/>
-            </p:cNvPicPr>
-            <p:nvPr/>
-          </p:nvPicPr>
-          <p:blipFill rotWithShape="1">
-            <a:blip r:embed="rId12"/>
-            <a:srcRect l="57968" t="87984" r="8852" b="6666"/>
-            <a:stretch/>
-          </p:blipFill>
-          <p:spPr>
-            <a:xfrm>
-              <a:off x="2229188" y="4226839"/>
-              <a:ext cx="981576" cy="122290"/>
-            </a:xfrm>
-            <a:prstGeom prst="rect">
-              <a:avLst/>
-            </a:prstGeom>
-          </p:spPr>
-        </p:pic>
-        <p:pic>
-          <p:nvPicPr>
-            <p:cNvPr id="102" name="Picture 101">
-              <a:extLst>
-                <a:ext uri="{FF2B5EF4-FFF2-40B4-BE49-F238E27FC236}">
-                  <a16:creationId xmlns:a16="http://schemas.microsoft.com/office/drawing/2014/main" id="{5B29BA27-9247-A34D-8163-85F2E5AB2A53}"/>
-                </a:ext>
-              </a:extLst>
-            </p:cNvPr>
-            <p:cNvPicPr>
-              <a:picLocks noChangeAspect="1"/>
-            </p:cNvPicPr>
-            <p:nvPr/>
-          </p:nvPicPr>
-          <p:blipFill rotWithShape="1">
-            <a:blip r:embed="rId13"/>
-            <a:srcRect l="23477" t="86372" r="41866" b="6621"/>
-            <a:stretch/>
-          </p:blipFill>
-          <p:spPr>
-            <a:xfrm>
-              <a:off x="2203255" y="4340045"/>
-              <a:ext cx="1025283" cy="160158"/>
-            </a:xfrm>
-            <a:prstGeom prst="rect">
-              <a:avLst/>
-            </a:prstGeom>
-          </p:spPr>
-        </p:pic>
-      </p:grpSp>
-      <p:grpSp>
-        <p:nvGrpSpPr>
-          <p:cNvPr id="103" name="Group 102">
-            <a:extLst>
-              <a:ext uri="{FF2B5EF4-FFF2-40B4-BE49-F238E27FC236}">
-                <a16:creationId xmlns:a16="http://schemas.microsoft.com/office/drawing/2014/main" id="{3FB97AC6-3C18-8E46-B337-06F5B3F7F25E}"/>
-              </a:ext>
-            </a:extLst>
-          </p:cNvPr>
-          <p:cNvGrpSpPr/>
-          <p:nvPr/>
-        </p:nvGrpSpPr>
-        <p:grpSpPr>
-          <a:xfrm>
-            <a:off x="4747580" y="1463923"/>
-            <a:ext cx="1025283" cy="273364"/>
-            <a:chOff x="2203255" y="4226839"/>
-            <a:chExt cx="1025283" cy="273364"/>
-          </a:xfrm>
-        </p:grpSpPr>
-        <p:pic>
-          <p:nvPicPr>
-            <p:cNvPr id="104" name="Picture 103">
-              <a:extLst>
-                <a:ext uri="{FF2B5EF4-FFF2-40B4-BE49-F238E27FC236}">
-                  <a16:creationId xmlns:a16="http://schemas.microsoft.com/office/drawing/2014/main" id="{48406FD5-A88A-CD48-BA34-03E3D505DFCB}"/>
-                </a:ext>
-              </a:extLst>
-            </p:cNvPr>
-            <p:cNvPicPr>
-              <a:picLocks noChangeAspect="1"/>
-            </p:cNvPicPr>
-            <p:nvPr/>
-          </p:nvPicPr>
-          <p:blipFill rotWithShape="1">
-            <a:blip r:embed="rId14"/>
-            <a:srcRect l="57968" t="87984" r="8852" b="6666"/>
-            <a:stretch/>
-          </p:blipFill>
-          <p:spPr>
-            <a:xfrm>
-              <a:off x="2229188" y="4226839"/>
-              <a:ext cx="981576" cy="122290"/>
-            </a:xfrm>
-            <a:prstGeom prst="rect">
-              <a:avLst/>
-            </a:prstGeom>
-          </p:spPr>
-        </p:pic>
-        <p:pic>
-          <p:nvPicPr>
-            <p:cNvPr id="105" name="Picture 104">
-              <a:extLst>
-                <a:ext uri="{FF2B5EF4-FFF2-40B4-BE49-F238E27FC236}">
-                  <a16:creationId xmlns:a16="http://schemas.microsoft.com/office/drawing/2014/main" id="{CED9C87D-5489-704E-88B7-B423C4C8FA6E}"/>
-                </a:ext>
-              </a:extLst>
-            </p:cNvPr>
-            <p:cNvPicPr>
-              <a:picLocks noChangeAspect="1"/>
-            </p:cNvPicPr>
-            <p:nvPr/>
-          </p:nvPicPr>
-          <p:blipFill rotWithShape="1">
-            <a:blip r:embed="rId15"/>
-            <a:srcRect l="23477" t="86372" r="41866" b="6621"/>
-            <a:stretch/>
-          </p:blipFill>
-          <p:spPr>
-            <a:xfrm>
-              <a:off x="2203255" y="4340045"/>
-              <a:ext cx="1025283" cy="160158"/>
-            </a:xfrm>
-            <a:prstGeom prst="rect">
-              <a:avLst/>
-            </a:prstGeom>
-          </p:spPr>
-        </p:pic>
-      </p:grpSp>
-      <p:grpSp>
-        <p:nvGrpSpPr>
-          <p:cNvPr id="106" name="Group 105">
-            <a:extLst>
-              <a:ext uri="{FF2B5EF4-FFF2-40B4-BE49-F238E27FC236}">
-                <a16:creationId xmlns:a16="http://schemas.microsoft.com/office/drawing/2014/main" id="{C9323AB4-B60A-9248-B56B-AC006C5ED00B}"/>
-              </a:ext>
-            </a:extLst>
-          </p:cNvPr>
-          <p:cNvGrpSpPr/>
-          <p:nvPr/>
-        </p:nvGrpSpPr>
-        <p:grpSpPr>
-          <a:xfrm>
-            <a:off x="4773513" y="3063257"/>
-            <a:ext cx="1025283" cy="273364"/>
-            <a:chOff x="2203255" y="4226839"/>
-            <a:chExt cx="1025283" cy="273364"/>
-          </a:xfrm>
-        </p:grpSpPr>
-        <p:pic>
-          <p:nvPicPr>
-            <p:cNvPr id="107" name="Picture 106">
-              <a:extLst>
-                <a:ext uri="{FF2B5EF4-FFF2-40B4-BE49-F238E27FC236}">
-                  <a16:creationId xmlns:a16="http://schemas.microsoft.com/office/drawing/2014/main" id="{743141C0-0640-E549-9226-7F73C7E80E2A}"/>
-                </a:ext>
-              </a:extLst>
-            </p:cNvPr>
-            <p:cNvPicPr>
-              <a:picLocks noChangeAspect="1"/>
-            </p:cNvPicPr>
-            <p:nvPr/>
-          </p:nvPicPr>
-          <p:blipFill rotWithShape="1">
-            <a:blip r:embed="rId16"/>
-            <a:srcRect l="57968" t="87984" r="8852" b="6666"/>
-            <a:stretch/>
-          </p:blipFill>
-          <p:spPr>
-            <a:xfrm>
-              <a:off x="2229188" y="4226839"/>
-              <a:ext cx="981576" cy="122290"/>
-            </a:xfrm>
-            <a:prstGeom prst="rect">
-              <a:avLst/>
-            </a:prstGeom>
-          </p:spPr>
-        </p:pic>
-        <p:pic>
-          <p:nvPicPr>
-            <p:cNvPr id="108" name="Picture 107">
-              <a:extLst>
-                <a:ext uri="{FF2B5EF4-FFF2-40B4-BE49-F238E27FC236}">
-                  <a16:creationId xmlns:a16="http://schemas.microsoft.com/office/drawing/2014/main" id="{C6334EC1-4B87-5548-81D8-EFBCEEF3FA52}"/>
-                </a:ext>
-              </a:extLst>
-            </p:cNvPr>
-            <p:cNvPicPr>
-              <a:picLocks noChangeAspect="1"/>
-            </p:cNvPicPr>
-            <p:nvPr/>
-          </p:nvPicPr>
-          <p:blipFill rotWithShape="1">
-            <a:blip r:embed="rId17"/>
-            <a:srcRect l="23477" t="86372" r="41866" b="6621"/>
-            <a:stretch/>
-          </p:blipFill>
-          <p:spPr>
-            <a:xfrm>
-              <a:off x="2203255" y="4340045"/>
-              <a:ext cx="1025283" cy="160158"/>
-            </a:xfrm>
-            <a:prstGeom prst="rect">
-              <a:avLst/>
-            </a:prstGeom>
-          </p:spPr>
-        </p:pic>
-      </p:grpSp>
-      <p:pic>
-        <p:nvPicPr>
-          <p:cNvPr id="15" name="Picture 14">
-            <a:extLst>
-              <a:ext uri="{FF2B5EF4-FFF2-40B4-BE49-F238E27FC236}">
-                <a16:creationId xmlns:a16="http://schemas.microsoft.com/office/drawing/2014/main" id="{99CD6704-D906-A349-B689-3982211F0D63}"/>
-              </a:ext>
-            </a:extLst>
-          </p:cNvPr>
-          <p:cNvPicPr>
-            <a:picLocks noChangeAspect="1"/>
-          </p:cNvPicPr>
-          <p:nvPr/>
-        </p:nvPicPr>
-        <p:blipFill rotWithShape="1">
-          <a:blip r:embed="rId18"/>
-          <a:srcRect b="23525"/>
-          <a:stretch/>
-        </p:blipFill>
-        <p:spPr>
-          <a:xfrm>
-            <a:off x="384779" y="5702844"/>
-            <a:ext cx="2958353" cy="1748204"/>
-          </a:xfrm>
-          <a:prstGeom prst="rect">
-            <a:avLst/>
-          </a:prstGeom>
-        </p:spPr>
-      </p:pic>
-      <p:pic>
-        <p:nvPicPr>
-          <p:cNvPr id="11" name="Picture 10">
-            <a:extLst>
-              <a:ext uri="{FF2B5EF4-FFF2-40B4-BE49-F238E27FC236}">
-                <a16:creationId xmlns:a16="http://schemas.microsoft.com/office/drawing/2014/main" id="{AF75A824-32A9-B844-9C6A-CCCACDFBDFAB}"/>
-              </a:ext>
-            </a:extLst>
-          </p:cNvPr>
-          <p:cNvPicPr>
-            <a:picLocks noChangeAspect="1"/>
-          </p:cNvPicPr>
-          <p:nvPr/>
-        </p:nvPicPr>
-        <p:blipFill>
-          <a:blip r:embed="rId19"/>
-          <a:stretch>
-            <a:fillRect/>
-          </a:stretch>
-        </p:blipFill>
-        <p:spPr>
-          <a:xfrm>
-            <a:off x="3077195" y="4132816"/>
-            <a:ext cx="2958353" cy="2286000"/>
-          </a:xfrm>
-          <a:prstGeom prst="rect">
-            <a:avLst/>
-          </a:prstGeom>
-        </p:spPr>
-      </p:pic>
-      <p:pic>
-        <p:nvPicPr>
-          <p:cNvPr id="13" name="Picture 12">
-            <a:extLst>
-              <a:ext uri="{FF2B5EF4-FFF2-40B4-BE49-F238E27FC236}">
-                <a16:creationId xmlns:a16="http://schemas.microsoft.com/office/drawing/2014/main" id="{3922931F-9E96-CE48-A44D-A2C2E15D79D8}"/>
-              </a:ext>
-            </a:extLst>
-          </p:cNvPr>
-          <p:cNvPicPr>
-            <a:picLocks noChangeAspect="1"/>
-          </p:cNvPicPr>
-          <p:nvPr/>
-        </p:nvPicPr>
-        <p:blipFill rotWithShape="1">
-          <a:blip r:embed="rId20"/>
-          <a:srcRect b="23525"/>
-          <a:stretch/>
-        </p:blipFill>
-        <p:spPr>
-          <a:xfrm>
-            <a:off x="3087238" y="5699591"/>
-            <a:ext cx="2958353" cy="1748203"/>
-          </a:xfrm>
-          <a:prstGeom prst="rect">
-            <a:avLst/>
-          </a:prstGeom>
-        </p:spPr>
-      </p:pic>
-      <p:pic>
-        <p:nvPicPr>
-          <p:cNvPr id="109" name="Picture 108">
-            <a:extLst>
-              <a:ext uri="{FF2B5EF4-FFF2-40B4-BE49-F238E27FC236}">
-                <a16:creationId xmlns:a16="http://schemas.microsoft.com/office/drawing/2014/main" id="{1BF78353-D7AA-7946-AE8F-EE3F91C11266}"/>
-              </a:ext>
-            </a:extLst>
-          </p:cNvPr>
-          <p:cNvPicPr>
-            <a:picLocks noChangeAspect="1"/>
-          </p:cNvPicPr>
-          <p:nvPr/>
-        </p:nvPicPr>
-        <p:blipFill rotWithShape="1">
-          <a:blip r:embed="rId21"/>
-          <a:srcRect l="21461" t="84178" r="9868" b="6226"/>
-          <a:stretch/>
-        </p:blipFill>
-        <p:spPr>
-          <a:xfrm>
-            <a:off x="1709902" y="6899044"/>
-            <a:ext cx="1492243" cy="161136"/>
-          </a:xfrm>
-          <a:prstGeom prst="rect">
-            <a:avLst/>
-          </a:prstGeom>
-        </p:spPr>
-      </p:pic>
-      <p:pic>
-        <p:nvPicPr>
-          <p:cNvPr id="110" name="Picture 109">
-            <a:extLst>
-              <a:ext uri="{FF2B5EF4-FFF2-40B4-BE49-F238E27FC236}">
-                <a16:creationId xmlns:a16="http://schemas.microsoft.com/office/drawing/2014/main" id="{447B72CD-CA3F-6348-B929-CE0F9FB8E98B}"/>
-              </a:ext>
-            </a:extLst>
-          </p:cNvPr>
-          <p:cNvPicPr>
-            <a:picLocks noChangeAspect="1"/>
-          </p:cNvPicPr>
-          <p:nvPr/>
-        </p:nvPicPr>
-        <p:blipFill rotWithShape="1">
-          <a:blip r:embed="rId22"/>
-          <a:srcRect l="21461" t="84178" r="9868" b="6226"/>
-          <a:stretch/>
-        </p:blipFill>
-        <p:spPr>
-          <a:xfrm>
-            <a:off x="1624087" y="5309514"/>
-            <a:ext cx="1492243" cy="161136"/>
-          </a:xfrm>
-          <a:prstGeom prst="rect">
-            <a:avLst/>
-          </a:prstGeom>
-        </p:spPr>
-      </p:pic>
-      <p:pic>
-        <p:nvPicPr>
-          <p:cNvPr id="111" name="Picture 110">
-            <a:extLst>
-              <a:ext uri="{FF2B5EF4-FFF2-40B4-BE49-F238E27FC236}">
-                <a16:creationId xmlns:a16="http://schemas.microsoft.com/office/drawing/2014/main" id="{95A7DBF5-D241-7447-AAE9-702A1BBA4689}"/>
-              </a:ext>
-            </a:extLst>
-          </p:cNvPr>
-          <p:cNvPicPr>
-            <a:picLocks noChangeAspect="1"/>
-          </p:cNvPicPr>
-          <p:nvPr/>
-        </p:nvPicPr>
-        <p:blipFill rotWithShape="1">
-          <a:blip r:embed="rId23"/>
-          <a:srcRect l="21461" t="84178" r="9868" b="6226"/>
-          <a:stretch/>
-        </p:blipFill>
-        <p:spPr>
-          <a:xfrm>
-            <a:off x="4316503" y="5319390"/>
-            <a:ext cx="1492243" cy="161136"/>
-          </a:xfrm>
-          <a:prstGeom prst="rect">
-            <a:avLst/>
-          </a:prstGeom>
-        </p:spPr>
-      </p:pic>
-      <p:pic>
-        <p:nvPicPr>
-          <p:cNvPr id="112" name="Picture 111">
-            <a:extLst>
-              <a:ext uri="{FF2B5EF4-FFF2-40B4-BE49-F238E27FC236}">
-                <a16:creationId xmlns:a16="http://schemas.microsoft.com/office/drawing/2014/main" id="{FDBF60CE-C50B-0B45-A588-E81BA80F7287}"/>
-              </a:ext>
-            </a:extLst>
-          </p:cNvPr>
-          <p:cNvPicPr>
-            <a:picLocks noChangeAspect="1"/>
-          </p:cNvPicPr>
-          <p:nvPr/>
-        </p:nvPicPr>
-        <p:blipFill rotWithShape="1">
-          <a:blip r:embed="rId24"/>
-          <a:srcRect l="21461" t="84178" r="9868" b="6226"/>
-          <a:stretch/>
-        </p:blipFill>
-        <p:spPr>
-          <a:xfrm>
-            <a:off x="4535968" y="6878804"/>
-            <a:ext cx="1492243" cy="161136"/>
-          </a:xfrm>
-          <a:prstGeom prst="rect">
-            <a:avLst/>
-          </a:prstGeom>
-        </p:spPr>
-      </p:pic>
-      <p:sp>
-        <p:nvSpPr>
-          <p:cNvPr id="113" name="TextBox 112">
-            <a:extLst>
-              <a:ext uri="{FF2B5EF4-FFF2-40B4-BE49-F238E27FC236}">
-                <a16:creationId xmlns:a16="http://schemas.microsoft.com/office/drawing/2014/main" id="{E48A8986-BB6E-1D4F-92F3-D2DC88A80AA8}"/>
+                <a16:creationId xmlns:a16="http://schemas.microsoft.com/office/drawing/2014/main" id="{549E5731-48D6-F541-8C2D-334B45F92C3E}"/>
               </a:ext>
             </a:extLst>
           </p:cNvPr>
@@ -4555,7 +3691,7 @@
         </p:nvSpPr>
         <p:spPr>
           <a:xfrm rot="16200000">
-            <a:off x="-163267" y="4711409"/>
+            <a:off x="-170909" y="3162923"/>
             <a:ext cx="787395" cy="369332"/>
           </a:xfrm>
           <a:prstGeom prst="rect">
@@ -4576,7 +3712,7 @@
               <a:rPr lang="en-US" dirty="0" err="1">
                 <a:latin typeface="Times" pitchFamily="2" charset="0"/>
               </a:rPr>
-              <a:t>CoGV</a:t>
+              <a:t>CnGV</a:t>
             </a:r>
             <a:endParaRPr lang="en-US" dirty="0">
               <a:latin typeface="Times" pitchFamily="2" charset="0"/>
@@ -4586,10 +3722,10 @@
       </p:sp>
       <p:sp>
         <p:nvSpPr>
-          <p:cNvPr id="114" name="TextBox 113">
+          <p:cNvPr id="58" name="TextBox 57">
             <a:extLst>
               <a:ext uri="{FF2B5EF4-FFF2-40B4-BE49-F238E27FC236}">
-                <a16:creationId xmlns:a16="http://schemas.microsoft.com/office/drawing/2014/main" id="{518ABE79-277F-0D46-BB21-675856A97FAD}"/>
+                <a16:creationId xmlns:a16="http://schemas.microsoft.com/office/drawing/2014/main" id="{BAA854ED-121D-374A-9102-9C649D1C7D0A}"/>
               </a:ext>
             </a:extLst>
           </p:cNvPr>
@@ -4597,8 +3733,148 @@
           <p:nvPr/>
         </p:nvSpPr>
         <p:spPr>
+          <a:xfrm>
+            <a:off x="-58968" y="8339902"/>
+            <a:ext cx="2428870" cy="369332"/>
+          </a:xfrm>
+          <a:prstGeom prst="rect">
+            <a:avLst/>
+          </a:prstGeom>
+          <a:noFill/>
+          <a:ln>
+            <a:noFill/>
+          </a:ln>
+        </p:spPr>
+        <p:txBody>
+          <a:bodyPr wrap="none" rtlCol="0">
+            <a:spAutoFit/>
+          </a:bodyPr>
+          <a:lstStyle/>
+          <a:p>
+            <a:r>
+              <a:rPr lang="en-US" dirty="0">
+                <a:latin typeface="Times" pitchFamily="2" charset="0"/>
+              </a:rPr>
+              <a:t>Paired Common Garden</a:t>
+            </a:r>
+          </a:p>
+        </p:txBody>
+      </p:sp>
+      <p:sp>
+        <p:nvSpPr>
+          <p:cNvPr id="87" name="TextBox 86">
+            <a:extLst>
+              <a:ext uri="{FF2B5EF4-FFF2-40B4-BE49-F238E27FC236}">
+                <a16:creationId xmlns:a16="http://schemas.microsoft.com/office/drawing/2014/main" id="{4A42217E-E1A4-B847-8966-C1E7393464A3}"/>
+              </a:ext>
+            </a:extLst>
+          </p:cNvPr>
+          <p:cNvSpPr txBox="1"/>
+          <p:nvPr/>
+        </p:nvSpPr>
+        <p:spPr>
+          <a:xfrm>
+            <a:off x="4157490" y="295634"/>
+            <a:ext cx="2205867" cy="369332"/>
+          </a:xfrm>
+          <a:prstGeom prst="rect">
+            <a:avLst/>
+          </a:prstGeom>
+          <a:noFill/>
+          <a:ln>
+            <a:noFill/>
+          </a:ln>
+        </p:spPr>
+        <p:txBody>
+          <a:bodyPr wrap="square" rtlCol="0">
+            <a:spAutoFit/>
+          </a:bodyPr>
+          <a:lstStyle/>
+          <a:p>
+            <a:pPr algn="ctr"/>
+            <a:r>
+              <a:rPr lang="en-US" dirty="0">
+                <a:latin typeface="Times" pitchFamily="2" charset="0"/>
+              </a:rPr>
+              <a:t>Significant </a:t>
+            </a:r>
+            <a:r>
+              <a:rPr lang="en-US" dirty="0" err="1">
+                <a:latin typeface="Times" pitchFamily="2" charset="0"/>
+              </a:rPr>
+              <a:t>GxE</a:t>
+            </a:r>
+            <a:endParaRPr lang="en-US" dirty="0">
+              <a:latin typeface="Times" pitchFamily="2" charset="0"/>
+            </a:endParaRPr>
+          </a:p>
+        </p:txBody>
+      </p:sp>
+      <p:sp>
+        <p:nvSpPr>
+          <p:cNvPr id="88" name="TextBox 87">
+            <a:extLst>
+              <a:ext uri="{FF2B5EF4-FFF2-40B4-BE49-F238E27FC236}">
+                <a16:creationId xmlns:a16="http://schemas.microsoft.com/office/drawing/2014/main" id="{20A27625-BB99-7843-9936-D665C45B41CF}"/>
+              </a:ext>
+            </a:extLst>
+          </p:cNvPr>
+          <p:cNvSpPr txBox="1"/>
+          <p:nvPr/>
+        </p:nvSpPr>
+        <p:spPr>
+          <a:xfrm>
+            <a:off x="1145635" y="297236"/>
+            <a:ext cx="2205867" cy="369332"/>
+          </a:xfrm>
+          <a:prstGeom prst="rect">
+            <a:avLst/>
+          </a:prstGeom>
+          <a:noFill/>
+          <a:ln>
+            <a:noFill/>
+          </a:ln>
+        </p:spPr>
+        <p:txBody>
+          <a:bodyPr wrap="square" rtlCol="0">
+            <a:spAutoFit/>
+          </a:bodyPr>
+          <a:lstStyle/>
+          <a:p>
+            <a:pPr algn="ctr"/>
+            <a:r>
+              <a:rPr lang="en-US" dirty="0">
+                <a:latin typeface="Times" pitchFamily="2" charset="0"/>
+              </a:rPr>
+              <a:t>Non-Significant </a:t>
+            </a:r>
+            <a:r>
+              <a:rPr lang="en-US" dirty="0" err="1">
+                <a:latin typeface="Times" pitchFamily="2" charset="0"/>
+              </a:rPr>
+              <a:t>GxE</a:t>
+            </a:r>
+            <a:endParaRPr lang="en-US" dirty="0">
+              <a:latin typeface="Times" pitchFamily="2" charset="0"/>
+            </a:endParaRPr>
+          </a:p>
+        </p:txBody>
+      </p:sp>
+      <p:sp>
+        <p:nvSpPr>
+          <p:cNvPr id="113" name="TextBox 112">
+            <a:extLst>
+              <a:ext uri="{FF2B5EF4-FFF2-40B4-BE49-F238E27FC236}">
+                <a16:creationId xmlns:a16="http://schemas.microsoft.com/office/drawing/2014/main" id="{E48A8986-BB6E-1D4F-92F3-D2DC88A80AA8}"/>
+              </a:ext>
+            </a:extLst>
+          </p:cNvPr>
+          <p:cNvSpPr txBox="1"/>
+          <p:nvPr/>
+        </p:nvSpPr>
+        <p:spPr>
           <a:xfrm rot="16200000">
-            <a:off x="-162768" y="6184167"/>
+            <a:off x="-172170" y="5571727"/>
             <a:ext cx="787395" cy="369332"/>
           </a:xfrm>
           <a:prstGeom prst="rect">
@@ -4619,7 +3895,7 @@
               <a:rPr lang="en-US" dirty="0" err="1">
                 <a:latin typeface="Times" pitchFamily="2" charset="0"/>
               </a:rPr>
-              <a:t>CnGV</a:t>
+              <a:t>CoGV</a:t>
             </a:r>
             <a:endParaRPr lang="en-US" dirty="0">
               <a:latin typeface="Times" pitchFamily="2" charset="0"/>
@@ -4627,12 +3903,394 @@
           </a:p>
         </p:txBody>
       </p:sp>
+      <p:sp>
+        <p:nvSpPr>
+          <p:cNvPr id="114" name="TextBox 113">
+            <a:extLst>
+              <a:ext uri="{FF2B5EF4-FFF2-40B4-BE49-F238E27FC236}">
+                <a16:creationId xmlns:a16="http://schemas.microsoft.com/office/drawing/2014/main" id="{518ABE79-277F-0D46-BB21-675856A97FAD}"/>
+              </a:ext>
+            </a:extLst>
+          </p:cNvPr>
+          <p:cNvSpPr txBox="1"/>
+          <p:nvPr/>
+        </p:nvSpPr>
+        <p:spPr>
+          <a:xfrm rot="16200000">
+            <a:off x="-171544" y="7187968"/>
+            <a:ext cx="787395" cy="369332"/>
+          </a:xfrm>
+          <a:prstGeom prst="rect">
+            <a:avLst/>
+          </a:prstGeom>
+          <a:noFill/>
+          <a:ln>
+            <a:noFill/>
+          </a:ln>
+        </p:spPr>
+        <p:txBody>
+          <a:bodyPr wrap="none" rtlCol="0">
+            <a:spAutoFit/>
+          </a:bodyPr>
+          <a:lstStyle/>
+          <a:p>
+            <a:r>
+              <a:rPr lang="en-US" dirty="0" err="1">
+                <a:latin typeface="Times" pitchFamily="2" charset="0"/>
+              </a:rPr>
+              <a:t>CnGV</a:t>
+            </a:r>
+            <a:endParaRPr lang="en-US" dirty="0">
+              <a:latin typeface="Times" pitchFamily="2" charset="0"/>
+            </a:endParaRPr>
+          </a:p>
+        </p:txBody>
+      </p:sp>
+      <p:sp>
+        <p:nvSpPr>
+          <p:cNvPr id="120" name="TextBox 119">
+            <a:extLst>
+              <a:ext uri="{FF2B5EF4-FFF2-40B4-BE49-F238E27FC236}">
+                <a16:creationId xmlns:a16="http://schemas.microsoft.com/office/drawing/2014/main" id="{2CA776D7-D154-D449-B6F3-6F6FD77AED9C}"/>
+              </a:ext>
+            </a:extLst>
+          </p:cNvPr>
+          <p:cNvSpPr txBox="1"/>
+          <p:nvPr/>
+        </p:nvSpPr>
+        <p:spPr>
+          <a:xfrm rot="16200000">
+            <a:off x="-171925" y="9316516"/>
+            <a:ext cx="787395" cy="369332"/>
+          </a:xfrm>
+          <a:prstGeom prst="rect">
+            <a:avLst/>
+          </a:prstGeom>
+          <a:noFill/>
+          <a:ln>
+            <a:noFill/>
+          </a:ln>
+        </p:spPr>
+        <p:txBody>
+          <a:bodyPr wrap="none" rtlCol="0">
+            <a:spAutoFit/>
+          </a:bodyPr>
+          <a:lstStyle/>
+          <a:p>
+            <a:r>
+              <a:rPr lang="en-US" dirty="0" err="1">
+                <a:latin typeface="Times" pitchFamily="2" charset="0"/>
+              </a:rPr>
+              <a:t>CoGV</a:t>
+            </a:r>
+            <a:endParaRPr lang="en-US" dirty="0">
+              <a:latin typeface="Times" pitchFamily="2" charset="0"/>
+            </a:endParaRPr>
+          </a:p>
+        </p:txBody>
+      </p:sp>
+      <p:sp>
+        <p:nvSpPr>
+          <p:cNvPr id="121" name="TextBox 120">
+            <a:extLst>
+              <a:ext uri="{FF2B5EF4-FFF2-40B4-BE49-F238E27FC236}">
+                <a16:creationId xmlns:a16="http://schemas.microsoft.com/office/drawing/2014/main" id="{C07DFDD7-14B4-8B4E-8F89-5F27F019332A}"/>
+              </a:ext>
+            </a:extLst>
+          </p:cNvPr>
+          <p:cNvSpPr txBox="1"/>
+          <p:nvPr/>
+        </p:nvSpPr>
+        <p:spPr>
+          <a:xfrm rot="16200000">
+            <a:off x="-197901" y="10966765"/>
+            <a:ext cx="787395" cy="369332"/>
+          </a:xfrm>
+          <a:prstGeom prst="rect">
+            <a:avLst/>
+          </a:prstGeom>
+          <a:noFill/>
+          <a:ln>
+            <a:noFill/>
+          </a:ln>
+        </p:spPr>
+        <p:txBody>
+          <a:bodyPr wrap="none" rtlCol="0">
+            <a:spAutoFit/>
+          </a:bodyPr>
+          <a:lstStyle/>
+          <a:p>
+            <a:r>
+              <a:rPr lang="en-US" dirty="0" err="1">
+                <a:latin typeface="Times" pitchFamily="2" charset="0"/>
+              </a:rPr>
+              <a:t>CnGV</a:t>
+            </a:r>
+            <a:endParaRPr lang="en-US" dirty="0">
+              <a:latin typeface="Times" pitchFamily="2" charset="0"/>
+            </a:endParaRPr>
+          </a:p>
+        </p:txBody>
+      </p:sp>
+      <p:grpSp>
+        <p:nvGrpSpPr>
+          <p:cNvPr id="174" name="Group 173">
+            <a:extLst>
+              <a:ext uri="{FF2B5EF4-FFF2-40B4-BE49-F238E27FC236}">
+                <a16:creationId xmlns:a16="http://schemas.microsoft.com/office/drawing/2014/main" id="{DB5C22E2-D990-D74F-8356-FCFEF94B83BB}"/>
+              </a:ext>
+            </a:extLst>
+          </p:cNvPr>
+          <p:cNvGrpSpPr/>
+          <p:nvPr/>
+        </p:nvGrpSpPr>
+        <p:grpSpPr>
+          <a:xfrm>
+            <a:off x="4060322" y="968193"/>
+            <a:ext cx="2545938" cy="686082"/>
+            <a:chOff x="3939700" y="413510"/>
+            <a:chExt cx="2545938" cy="686082"/>
+          </a:xfrm>
+        </p:grpSpPr>
+        <p:sp>
+          <p:nvSpPr>
+            <p:cNvPr id="47" name="TextBox 46">
+              <a:extLst>
+                <a:ext uri="{FF2B5EF4-FFF2-40B4-BE49-F238E27FC236}">
+                  <a16:creationId xmlns:a16="http://schemas.microsoft.com/office/drawing/2014/main" id="{8BE47CE6-28B8-BB47-9713-DBF8E82A3F09}"/>
+                </a:ext>
+              </a:extLst>
+            </p:cNvPr>
+            <p:cNvSpPr txBox="1"/>
+            <p:nvPr/>
+          </p:nvSpPr>
+          <p:spPr>
+            <a:xfrm>
+              <a:off x="3939700" y="413510"/>
+              <a:ext cx="2506584" cy="461665"/>
+            </a:xfrm>
+            <a:prstGeom prst="rect">
+              <a:avLst/>
+            </a:prstGeom>
+            <a:noFill/>
+          </p:spPr>
+          <p:txBody>
+            <a:bodyPr wrap="none" rtlCol="0">
+              <a:spAutoFit/>
+            </a:bodyPr>
+            <a:lstStyle/>
+            <a:p>
+              <a:r>
+                <a:rPr lang="en-US" sz="1200" dirty="0" err="1">
+                  <a:latin typeface="Times" pitchFamily="2" charset="0"/>
+                </a:rPr>
+                <a:t>CovGE</a:t>
+              </a:r>
+              <a:r>
+                <a:rPr lang="en-US" sz="1200" dirty="0">
+                  <a:latin typeface="Times" pitchFamily="2" charset="0"/>
+                </a:rPr>
+                <a:t> = 0.98 (0.42 – 0.99); P = 0.01</a:t>
+              </a:r>
+            </a:p>
+            <a:p>
+              <a:endParaRPr lang="en-US" sz="1200" dirty="0">
+                <a:latin typeface="Times" pitchFamily="2" charset="0"/>
+              </a:endParaRPr>
+            </a:p>
+          </p:txBody>
+        </p:sp>
+        <mc:AlternateContent xmlns:mc="http://schemas.openxmlformats.org/markup-compatibility/2006">
+          <mc:Choice xmlns:a14="http://schemas.microsoft.com/office/drawing/2010/main" Requires="a14">
+            <p:sp>
+              <p:nvSpPr>
+                <p:cNvPr id="48" name="TextBox 47">
+                  <a:extLst>
+                    <a:ext uri="{FF2B5EF4-FFF2-40B4-BE49-F238E27FC236}">
+                      <a16:creationId xmlns:a16="http://schemas.microsoft.com/office/drawing/2014/main" id="{AB37DB67-8D0C-814D-8728-5B108B0CAAD3}"/>
+                    </a:ext>
+                  </a:extLst>
+                </p:cNvPr>
+                <p:cNvSpPr txBox="1"/>
+                <p:nvPr/>
+              </p:nvSpPr>
+              <p:spPr>
+                <a:xfrm>
+                  <a:off x="3942923" y="619419"/>
+                  <a:ext cx="642034" cy="339132"/>
+                </a:xfrm>
+                <a:prstGeom prst="rect">
+                  <a:avLst/>
+                </a:prstGeom>
+                <a:noFill/>
+              </p:spPr>
+              <p:txBody>
+                <a:bodyPr wrap="none" rtlCol="0">
+                  <a:spAutoFit/>
+                </a:bodyPr>
+                <a:lstStyle/>
+                <a:p>
+                  <a14:m>
+                    <m:oMathPara xmlns:m="http://schemas.openxmlformats.org/officeDocument/2006/math">
+                      <m:oMathParaPr>
+                        <m:jc m:val="centerGroup"/>
+                      </m:oMathParaPr>
+                      <m:oMath xmlns:m="http://schemas.openxmlformats.org/officeDocument/2006/math">
+                        <m:sSub>
+                          <m:sSubPr>
+                            <m:ctrlPr>
+                              <a:rPr lang="en-US" sz="1600" i="1" smtClean="0">
+                                <a:latin typeface="Cambria Math" panose="02040503050406030204" pitchFamily="18" charset="0"/>
+                                <a:ea typeface="Cambria Math" panose="02040503050406030204" pitchFamily="18" charset="0"/>
+                              </a:rPr>
+                            </m:ctrlPr>
+                          </m:sSubPr>
+                          <m:e>
+                            <m:acc>
+                              <m:accPr>
+                                <m:chr m:val="̅"/>
+                                <m:ctrlPr>
+                                  <a:rPr lang="en-US" sz="1600" i="1" smtClean="0">
+                                    <a:latin typeface="Cambria Math" panose="02040503050406030204" pitchFamily="18" charset="0"/>
+                                    <a:ea typeface="Cambria Math" panose="02040503050406030204" pitchFamily="18" charset="0"/>
+                                  </a:rPr>
+                                </m:ctrlPr>
+                              </m:accPr>
+                              <m:e>
+                                <m:r>
+                                  <a:rPr lang="en-US" sz="1600" i="1">
+                                    <a:latin typeface="Cambria Math" panose="02040503050406030204" pitchFamily="18" charset="0"/>
+                                    <a:ea typeface="Cambria Math" panose="02040503050406030204" pitchFamily="18" charset="0"/>
+                                  </a:rPr>
+                                  <m:t>∆</m:t>
+                                </m:r>
+                              </m:e>
+                            </m:acc>
+                          </m:e>
+                          <m:sub>
+                            <m:r>
+                              <m:rPr>
+                                <m:sty m:val="p"/>
+                              </m:rPr>
+                              <a:rPr lang="en-US" sz="1600" b="0" i="0" smtClean="0">
+                                <a:latin typeface="Cambria Math" panose="02040503050406030204" pitchFamily="18" charset="0"/>
+                                <a:ea typeface="Cambria Math" panose="02040503050406030204" pitchFamily="18" charset="0"/>
+                              </a:rPr>
+                              <m:t>GxE</m:t>
+                            </m:r>
+                          </m:sub>
+                        </m:sSub>
+                      </m:oMath>
+                    </m:oMathPara>
+                  </a14:m>
+                  <a:endParaRPr lang="en-US" sz="1600" dirty="0"/>
+                </a:p>
+              </p:txBody>
+            </p:sp>
+          </mc:Choice>
+          <mc:Fallback>
+            <p:sp>
+              <p:nvSpPr>
+                <p:cNvPr id="48" name="TextBox 47">
+                  <a:extLst>
+                    <a:ext uri="{FF2B5EF4-FFF2-40B4-BE49-F238E27FC236}">
+                      <a16:creationId xmlns:a16="http://schemas.microsoft.com/office/drawing/2014/main" id="{AB37DB67-8D0C-814D-8728-5B108B0CAAD3}"/>
+                    </a:ext>
+                  </a:extLst>
+                </p:cNvPr>
+                <p:cNvSpPr txBox="1">
+                  <a:spLocks noRot="1" noChangeAspect="1" noMove="1" noResize="1" noEditPoints="1" noAdjustHandles="1" noChangeArrowheads="1" noChangeShapeType="1" noTextEdit="1"/>
+                </p:cNvSpPr>
+                <p:nvPr/>
+              </p:nvSpPr>
+              <p:spPr>
+                <a:xfrm>
+                  <a:off x="3942923" y="619419"/>
+                  <a:ext cx="642034" cy="339132"/>
+                </a:xfrm>
+                <a:prstGeom prst="rect">
+                  <a:avLst/>
+                </a:prstGeom>
+                <a:blipFill>
+                  <a:blip r:embed="rId10"/>
+                  <a:stretch>
+                    <a:fillRect/>
+                  </a:stretch>
+                </a:blipFill>
+              </p:spPr>
+              <p:txBody>
+                <a:bodyPr/>
+                <a:lstStyle/>
+                <a:p>
+                  <a:r>
+                    <a:rPr lang="en-US">
+                      <a:noFill/>
+                    </a:rPr>
+                    <a:t> </a:t>
+                  </a:r>
+                </a:p>
+              </p:txBody>
+            </p:sp>
+          </mc:Fallback>
+        </mc:AlternateContent>
+        <p:sp>
+          <p:nvSpPr>
+            <p:cNvPr id="82" name="TextBox 81">
+              <a:extLst>
+                <a:ext uri="{FF2B5EF4-FFF2-40B4-BE49-F238E27FC236}">
+                  <a16:creationId xmlns:a16="http://schemas.microsoft.com/office/drawing/2014/main" id="{E770A519-168B-144B-875F-26B13973DB83}"/>
+                </a:ext>
+              </a:extLst>
+            </p:cNvPr>
+            <p:cNvSpPr txBox="1"/>
+            <p:nvPr/>
+          </p:nvSpPr>
+          <p:spPr>
+            <a:xfrm>
+              <a:off x="4431101" y="637927"/>
+              <a:ext cx="2054537" cy="461665"/>
+            </a:xfrm>
+            <a:prstGeom prst="rect">
+              <a:avLst/>
+            </a:prstGeom>
+            <a:noFill/>
+          </p:spPr>
+          <p:txBody>
+            <a:bodyPr wrap="none" rtlCol="0">
+              <a:spAutoFit/>
+            </a:bodyPr>
+            <a:lstStyle/>
+            <a:p>
+              <a:r>
+                <a:rPr lang="en-US" sz="1200" dirty="0">
+                  <a:latin typeface="Times" pitchFamily="2" charset="0"/>
+                </a:rPr>
+                <a:t>= 0.95 (0.59 – 1.29); P = </a:t>
+              </a:r>
+              <a:r>
+                <a:rPr lang="en-US" sz="1100" dirty="0">
+                  <a:latin typeface="Times" pitchFamily="2" charset="0"/>
+                </a:rPr>
+                <a:t>0.004</a:t>
+              </a:r>
+              <a:endParaRPr lang="en-US" sz="1200" dirty="0">
+                <a:latin typeface="Times" pitchFamily="2" charset="0"/>
+              </a:endParaRPr>
+            </a:p>
+            <a:p>
+              <a:endParaRPr lang="en-US" sz="1200" dirty="0">
+                <a:latin typeface="Times" pitchFamily="2" charset="0"/>
+              </a:endParaRPr>
+            </a:p>
+          </p:txBody>
+        </p:sp>
+      </p:grpSp>
       <p:pic>
         <p:nvPicPr>
-          <p:cNvPr id="9" name="Picture 8">
+          <p:cNvPr id="56" name="Picture 55">
             <a:extLst>
               <a:ext uri="{FF2B5EF4-FFF2-40B4-BE49-F238E27FC236}">
-                <a16:creationId xmlns:a16="http://schemas.microsoft.com/office/drawing/2014/main" id="{CBB7268E-EB40-C64B-88DB-B49E9967A013}"/>
+                <a16:creationId xmlns:a16="http://schemas.microsoft.com/office/drawing/2014/main" id="{331253FE-33A4-BA46-B2A9-E904433E52F6}"/>
               </a:ext>
             </a:extLst>
           </p:cNvPr>
@@ -4642,14 +4300,14 @@
           <p:nvPr/>
         </p:nvPicPr>
         <p:blipFill>
-          <a:blip r:embed="rId25"/>
+          <a:blip r:embed="rId11"/>
           <a:stretch>
             <a:fillRect/>
           </a:stretch>
         </p:blipFill>
         <p:spPr>
           <a:xfrm>
-            <a:off x="3087238" y="7932700"/>
+            <a:off x="416477" y="987128"/>
             <a:ext cx="2958353" cy="2286000"/>
           </a:xfrm>
           <a:prstGeom prst="rect">
@@ -4657,12 +4315,256 @@
           </a:prstGeom>
         </p:spPr>
       </p:pic>
+      <p:grpSp>
+        <p:nvGrpSpPr>
+          <p:cNvPr id="175" name="Group 174">
+            <a:extLst>
+              <a:ext uri="{FF2B5EF4-FFF2-40B4-BE49-F238E27FC236}">
+                <a16:creationId xmlns:a16="http://schemas.microsoft.com/office/drawing/2014/main" id="{7264C14D-890B-4548-83AB-371144631A04}"/>
+              </a:ext>
+            </a:extLst>
+          </p:cNvPr>
+          <p:cNvGrpSpPr/>
+          <p:nvPr/>
+        </p:nvGrpSpPr>
+        <p:grpSpPr>
+          <a:xfrm>
+            <a:off x="802596" y="984720"/>
+            <a:ext cx="2577733" cy="695108"/>
+            <a:chOff x="695274" y="404420"/>
+            <a:chExt cx="2577733" cy="695108"/>
+          </a:xfrm>
+        </p:grpSpPr>
+        <p:sp>
+          <p:nvSpPr>
+            <p:cNvPr id="89" name="TextBox 88">
+              <a:extLst>
+                <a:ext uri="{FF2B5EF4-FFF2-40B4-BE49-F238E27FC236}">
+                  <a16:creationId xmlns:a16="http://schemas.microsoft.com/office/drawing/2014/main" id="{9344DCF0-4B1F-7847-8048-7A9B64FA0F90}"/>
+                </a:ext>
+              </a:extLst>
+            </p:cNvPr>
+            <p:cNvSpPr txBox="1"/>
+            <p:nvPr/>
+          </p:nvSpPr>
+          <p:spPr>
+            <a:xfrm>
+              <a:off x="695274" y="404420"/>
+              <a:ext cx="2506584" cy="461665"/>
+            </a:xfrm>
+            <a:prstGeom prst="rect">
+              <a:avLst/>
+            </a:prstGeom>
+            <a:noFill/>
+          </p:spPr>
+          <p:txBody>
+            <a:bodyPr wrap="none" rtlCol="0">
+              <a:spAutoFit/>
+            </a:bodyPr>
+            <a:lstStyle/>
+            <a:p>
+              <a:r>
+                <a:rPr lang="en-US" sz="1200" dirty="0" err="1">
+                  <a:latin typeface="Times" pitchFamily="2" charset="0"/>
+                </a:rPr>
+                <a:t>CovGE</a:t>
+              </a:r>
+              <a:r>
+                <a:rPr lang="en-US" sz="1200" dirty="0">
+                  <a:latin typeface="Times" pitchFamily="2" charset="0"/>
+                </a:rPr>
+                <a:t> = 0.98 (0.42 – 0.99); P = 0.01</a:t>
+              </a:r>
+            </a:p>
+            <a:p>
+              <a:endParaRPr lang="en-US" sz="1200" dirty="0">
+                <a:latin typeface="Times" pitchFamily="2" charset="0"/>
+              </a:endParaRPr>
+            </a:p>
+          </p:txBody>
+        </p:sp>
+        <mc:AlternateContent xmlns:mc="http://schemas.openxmlformats.org/markup-compatibility/2006">
+          <mc:Choice xmlns:a14="http://schemas.microsoft.com/office/drawing/2010/main" Requires="a14">
+            <p:sp>
+              <p:nvSpPr>
+                <p:cNvPr id="90" name="TextBox 89">
+                  <a:extLst>
+                    <a:ext uri="{FF2B5EF4-FFF2-40B4-BE49-F238E27FC236}">
+                      <a16:creationId xmlns:a16="http://schemas.microsoft.com/office/drawing/2014/main" id="{2688E68A-3199-D343-BC69-8CF0C55C6F9C}"/>
+                    </a:ext>
+                  </a:extLst>
+                </p:cNvPr>
+                <p:cNvSpPr txBox="1"/>
+                <p:nvPr/>
+              </p:nvSpPr>
+              <p:spPr>
+                <a:xfrm>
+                  <a:off x="698497" y="610329"/>
+                  <a:ext cx="642034" cy="339132"/>
+                </a:xfrm>
+                <a:prstGeom prst="rect">
+                  <a:avLst/>
+                </a:prstGeom>
+                <a:noFill/>
+              </p:spPr>
+              <p:txBody>
+                <a:bodyPr wrap="none" rtlCol="0">
+                  <a:spAutoFit/>
+                </a:bodyPr>
+                <a:lstStyle/>
+                <a:p>
+                  <a14:m>
+                    <m:oMathPara xmlns:m="http://schemas.openxmlformats.org/officeDocument/2006/math">
+                      <m:oMathParaPr>
+                        <m:jc m:val="centerGroup"/>
+                      </m:oMathParaPr>
+                      <m:oMath xmlns:m="http://schemas.openxmlformats.org/officeDocument/2006/math">
+                        <m:sSub>
+                          <m:sSubPr>
+                            <m:ctrlPr>
+                              <a:rPr lang="en-US" sz="1600" i="1" smtClean="0">
+                                <a:latin typeface="Cambria Math" panose="02040503050406030204" pitchFamily="18" charset="0"/>
+                                <a:ea typeface="Cambria Math" panose="02040503050406030204" pitchFamily="18" charset="0"/>
+                              </a:rPr>
+                            </m:ctrlPr>
+                          </m:sSubPr>
+                          <m:e>
+                            <m:acc>
+                              <m:accPr>
+                                <m:chr m:val="̅"/>
+                                <m:ctrlPr>
+                                  <a:rPr lang="en-US" sz="1600" i="1" smtClean="0">
+                                    <a:latin typeface="Cambria Math" panose="02040503050406030204" pitchFamily="18" charset="0"/>
+                                    <a:ea typeface="Cambria Math" panose="02040503050406030204" pitchFamily="18" charset="0"/>
+                                  </a:rPr>
+                                </m:ctrlPr>
+                              </m:accPr>
+                              <m:e>
+                                <m:r>
+                                  <a:rPr lang="en-US" sz="1600" i="1">
+                                    <a:latin typeface="Cambria Math" panose="02040503050406030204" pitchFamily="18" charset="0"/>
+                                    <a:ea typeface="Cambria Math" panose="02040503050406030204" pitchFamily="18" charset="0"/>
+                                  </a:rPr>
+                                  <m:t>∆</m:t>
+                                </m:r>
+                              </m:e>
+                            </m:acc>
+                          </m:e>
+                          <m:sub>
+                            <m:r>
+                              <m:rPr>
+                                <m:sty m:val="p"/>
+                              </m:rPr>
+                              <a:rPr lang="en-US" sz="1600" b="0" i="0" smtClean="0">
+                                <a:latin typeface="Cambria Math" panose="02040503050406030204" pitchFamily="18" charset="0"/>
+                                <a:ea typeface="Cambria Math" panose="02040503050406030204" pitchFamily="18" charset="0"/>
+                              </a:rPr>
+                              <m:t>GxE</m:t>
+                            </m:r>
+                          </m:sub>
+                        </m:sSub>
+                      </m:oMath>
+                    </m:oMathPara>
+                  </a14:m>
+                  <a:endParaRPr lang="en-US" sz="1600" dirty="0"/>
+                </a:p>
+              </p:txBody>
+            </p:sp>
+          </mc:Choice>
+          <mc:Fallback>
+            <p:sp>
+              <p:nvSpPr>
+                <p:cNvPr id="90" name="TextBox 89">
+                  <a:extLst>
+                    <a:ext uri="{FF2B5EF4-FFF2-40B4-BE49-F238E27FC236}">
+                      <a16:creationId xmlns:a16="http://schemas.microsoft.com/office/drawing/2014/main" id="{2688E68A-3199-D343-BC69-8CF0C55C6F9C}"/>
+                    </a:ext>
+                  </a:extLst>
+                </p:cNvPr>
+                <p:cNvSpPr txBox="1">
+                  <a:spLocks noRot="1" noChangeAspect="1" noMove="1" noResize="1" noEditPoints="1" noAdjustHandles="1" noChangeArrowheads="1" noChangeShapeType="1" noTextEdit="1"/>
+                </p:cNvSpPr>
+                <p:nvPr/>
+              </p:nvSpPr>
+              <p:spPr>
+                <a:xfrm>
+                  <a:off x="698497" y="610329"/>
+                  <a:ext cx="642034" cy="339132"/>
+                </a:xfrm>
+                <a:prstGeom prst="rect">
+                  <a:avLst/>
+                </a:prstGeom>
+                <a:blipFill>
+                  <a:blip r:embed="rId12"/>
+                  <a:stretch>
+                    <a:fillRect/>
+                  </a:stretch>
+                </a:blipFill>
+              </p:spPr>
+              <p:txBody>
+                <a:bodyPr/>
+                <a:lstStyle/>
+                <a:p>
+                  <a:r>
+                    <a:rPr lang="en-US">
+                      <a:noFill/>
+                    </a:rPr>
+                    <a:t> </a:t>
+                  </a:r>
+                </a:p>
+              </p:txBody>
+            </p:sp>
+          </mc:Fallback>
+        </mc:AlternateContent>
+        <p:sp>
+          <p:nvSpPr>
+            <p:cNvPr id="91" name="TextBox 90">
+              <a:extLst>
+                <a:ext uri="{FF2B5EF4-FFF2-40B4-BE49-F238E27FC236}">
+                  <a16:creationId xmlns:a16="http://schemas.microsoft.com/office/drawing/2014/main" id="{1548F2A6-20C7-E848-93CB-7FD39DE1D5D4}"/>
+                </a:ext>
+              </a:extLst>
+            </p:cNvPr>
+            <p:cNvSpPr txBox="1"/>
+            <p:nvPr/>
+          </p:nvSpPr>
+          <p:spPr>
+            <a:xfrm>
+              <a:off x="1189616" y="637863"/>
+              <a:ext cx="2083391" cy="461665"/>
+            </a:xfrm>
+            <a:prstGeom prst="rect">
+              <a:avLst/>
+            </a:prstGeom>
+            <a:noFill/>
+          </p:spPr>
+          <p:txBody>
+            <a:bodyPr wrap="none" rtlCol="0">
+              <a:spAutoFit/>
+            </a:bodyPr>
+            <a:lstStyle/>
+            <a:p>
+              <a:r>
+                <a:rPr lang="en-US" sz="1200" dirty="0">
+                  <a:latin typeface="Times" pitchFamily="2" charset="0"/>
+                </a:rPr>
+                <a:t>= 0.05 (0.004 – 0.23); P = 0.96</a:t>
+              </a:r>
+            </a:p>
+            <a:p>
+              <a:endParaRPr lang="en-US" sz="1200" dirty="0">
+                <a:latin typeface="Times" pitchFamily="2" charset="0"/>
+              </a:endParaRPr>
+            </a:p>
+          </p:txBody>
+        </p:sp>
+      </p:grpSp>
       <p:pic>
         <p:nvPicPr>
-          <p:cNvPr id="7" name="Picture 6">
+          <p:cNvPr id="92" name="Picture 91">
             <a:extLst>
               <a:ext uri="{FF2B5EF4-FFF2-40B4-BE49-F238E27FC236}">
-                <a16:creationId xmlns:a16="http://schemas.microsoft.com/office/drawing/2014/main" id="{3CF5B908-0F44-E442-861F-861FB1E8B3DD}"/>
+                <a16:creationId xmlns:a16="http://schemas.microsoft.com/office/drawing/2014/main" id="{B81765A3-3CD5-7A48-9FD3-8788ADB4F1BB}"/>
               </a:ext>
             </a:extLst>
           </p:cNvPr>
@@ -4672,26 +4574,31 @@
           <p:nvPr/>
         </p:nvPicPr>
         <p:blipFill rotWithShape="1">
-          <a:blip r:embed="rId26"/>
-          <a:srcRect b="17837"/>
+          <a:blip r:embed="rId13"/>
+          <a:srcRect l="23754" t="87494" r="9276" b="6269"/>
           <a:stretch/>
         </p:blipFill>
         <p:spPr>
           <a:xfrm>
-            <a:off x="3087238" y="9539316"/>
-            <a:ext cx="2958353" cy="1878242"/>
+            <a:off x="2670959" y="755559"/>
+            <a:ext cx="1981200" cy="142578"/>
           </a:xfrm>
           <a:prstGeom prst="rect">
             <a:avLst/>
           </a:prstGeom>
+          <a:ln>
+            <a:solidFill>
+              <a:schemeClr val="tx1"/>
+            </a:solidFill>
+          </a:ln>
         </p:spPr>
       </p:pic>
       <p:pic>
         <p:nvPicPr>
-          <p:cNvPr id="116" name="Picture 115">
+          <p:cNvPr id="62" name="Picture 61">
             <a:extLst>
               <a:ext uri="{FF2B5EF4-FFF2-40B4-BE49-F238E27FC236}">
-                <a16:creationId xmlns:a16="http://schemas.microsoft.com/office/drawing/2014/main" id="{01371CC4-BAD3-7B44-AF77-DE19F5482D60}"/>
+                <a16:creationId xmlns:a16="http://schemas.microsoft.com/office/drawing/2014/main" id="{CE0D5BA3-8163-A446-8FF1-06D8038A2157}"/>
               </a:ext>
             </a:extLst>
           </p:cNvPr>
@@ -4701,26 +4608,2669 @@
           <p:nvPr/>
         </p:nvPicPr>
         <p:blipFill rotWithShape="1">
-          <a:blip r:embed="rId27"/>
-          <a:srcRect l="24002" t="86318" r="9457" b="6667"/>
+          <a:blip r:embed="rId14"/>
+          <a:srcRect b="20737"/>
           <a:stretch/>
         </p:blipFill>
         <p:spPr>
           <a:xfrm>
-            <a:off x="3566996" y="9214045"/>
-            <a:ext cx="1665652" cy="135694"/>
+            <a:off x="408064" y="2586613"/>
+            <a:ext cx="2958353" cy="1811943"/>
           </a:xfrm>
           <a:prstGeom prst="rect">
             <a:avLst/>
           </a:prstGeom>
         </p:spPr>
       </p:pic>
+      <p:grpSp>
+        <p:nvGrpSpPr>
+          <p:cNvPr id="176" name="Group 175">
+            <a:extLst>
+              <a:ext uri="{FF2B5EF4-FFF2-40B4-BE49-F238E27FC236}">
+                <a16:creationId xmlns:a16="http://schemas.microsoft.com/office/drawing/2014/main" id="{706FAE9C-7DA1-F44F-BB33-8FE4FD735996}"/>
+              </a:ext>
+            </a:extLst>
+          </p:cNvPr>
+          <p:cNvGrpSpPr/>
+          <p:nvPr/>
+        </p:nvGrpSpPr>
+        <p:grpSpPr>
+          <a:xfrm>
+            <a:off x="801402" y="2601152"/>
+            <a:ext cx="2711768" cy="704073"/>
+            <a:chOff x="695274" y="2011440"/>
+            <a:chExt cx="2711768" cy="704073"/>
+          </a:xfrm>
+        </p:grpSpPr>
+        <p:sp>
+          <p:nvSpPr>
+            <p:cNvPr id="95" name="TextBox 94">
+              <a:extLst>
+                <a:ext uri="{FF2B5EF4-FFF2-40B4-BE49-F238E27FC236}">
+                  <a16:creationId xmlns:a16="http://schemas.microsoft.com/office/drawing/2014/main" id="{34658D9E-DCDD-8C46-9221-D9A923591F14}"/>
+                </a:ext>
+              </a:extLst>
+            </p:cNvPr>
+            <p:cNvSpPr txBox="1"/>
+            <p:nvPr/>
+          </p:nvSpPr>
+          <p:spPr>
+            <a:xfrm>
+              <a:off x="695274" y="2011440"/>
+              <a:ext cx="2711768" cy="461665"/>
+            </a:xfrm>
+            <a:prstGeom prst="rect">
+              <a:avLst/>
+            </a:prstGeom>
+            <a:noFill/>
+          </p:spPr>
+          <p:txBody>
+            <a:bodyPr wrap="none" rtlCol="0">
+              <a:spAutoFit/>
+            </a:bodyPr>
+            <a:lstStyle/>
+            <a:p>
+              <a:r>
+                <a:rPr lang="en-US" sz="1200" dirty="0" err="1">
+                  <a:latin typeface="Times" pitchFamily="2" charset="0"/>
+                </a:rPr>
+                <a:t>CovGE</a:t>
+              </a:r>
+              <a:r>
+                <a:rPr lang="en-US" sz="1200" dirty="0">
+                  <a:latin typeface="Times" pitchFamily="2" charset="0"/>
+                </a:rPr>
+                <a:t> = -0.98 (-0.98 - -0.15); P = 0.009</a:t>
+              </a:r>
+            </a:p>
+            <a:p>
+              <a:endParaRPr lang="en-US" sz="1200" dirty="0">
+                <a:latin typeface="Times" pitchFamily="2" charset="0"/>
+              </a:endParaRPr>
+            </a:p>
+          </p:txBody>
+        </p:sp>
+        <mc:AlternateContent xmlns:mc="http://schemas.openxmlformats.org/markup-compatibility/2006">
+          <mc:Choice xmlns:a14="http://schemas.microsoft.com/office/drawing/2010/main" Requires="a14">
+            <p:sp>
+              <p:nvSpPr>
+                <p:cNvPr id="96" name="TextBox 95">
+                  <a:extLst>
+                    <a:ext uri="{FF2B5EF4-FFF2-40B4-BE49-F238E27FC236}">
+                      <a16:creationId xmlns:a16="http://schemas.microsoft.com/office/drawing/2014/main" id="{4BDD192F-E294-5D4F-B882-99765F8DA135}"/>
+                    </a:ext>
+                  </a:extLst>
+                </p:cNvPr>
+                <p:cNvSpPr txBox="1"/>
+                <p:nvPr/>
+              </p:nvSpPr>
+              <p:spPr>
+                <a:xfrm>
+                  <a:off x="698497" y="2217349"/>
+                  <a:ext cx="642034" cy="339132"/>
+                </a:xfrm>
+                <a:prstGeom prst="rect">
+                  <a:avLst/>
+                </a:prstGeom>
+                <a:noFill/>
+              </p:spPr>
+              <p:txBody>
+                <a:bodyPr wrap="none" rtlCol="0">
+                  <a:spAutoFit/>
+                </a:bodyPr>
+                <a:lstStyle/>
+                <a:p>
+                  <a14:m>
+                    <m:oMathPara xmlns:m="http://schemas.openxmlformats.org/officeDocument/2006/math">
+                      <m:oMathParaPr>
+                        <m:jc m:val="centerGroup"/>
+                      </m:oMathParaPr>
+                      <m:oMath xmlns:m="http://schemas.openxmlformats.org/officeDocument/2006/math">
+                        <m:sSub>
+                          <m:sSubPr>
+                            <m:ctrlPr>
+                              <a:rPr lang="en-US" sz="1600" i="1" smtClean="0">
+                                <a:latin typeface="Cambria Math" panose="02040503050406030204" pitchFamily="18" charset="0"/>
+                                <a:ea typeface="Cambria Math" panose="02040503050406030204" pitchFamily="18" charset="0"/>
+                              </a:rPr>
+                            </m:ctrlPr>
+                          </m:sSubPr>
+                          <m:e>
+                            <m:acc>
+                              <m:accPr>
+                                <m:chr m:val="̅"/>
+                                <m:ctrlPr>
+                                  <a:rPr lang="en-US" sz="1600" i="1" smtClean="0">
+                                    <a:latin typeface="Cambria Math" panose="02040503050406030204" pitchFamily="18" charset="0"/>
+                                    <a:ea typeface="Cambria Math" panose="02040503050406030204" pitchFamily="18" charset="0"/>
+                                  </a:rPr>
+                                </m:ctrlPr>
+                              </m:accPr>
+                              <m:e>
+                                <m:r>
+                                  <a:rPr lang="en-US" sz="1600" i="1">
+                                    <a:latin typeface="Cambria Math" panose="02040503050406030204" pitchFamily="18" charset="0"/>
+                                    <a:ea typeface="Cambria Math" panose="02040503050406030204" pitchFamily="18" charset="0"/>
+                                  </a:rPr>
+                                  <m:t>∆</m:t>
+                                </m:r>
+                              </m:e>
+                            </m:acc>
+                          </m:e>
+                          <m:sub>
+                            <m:r>
+                              <m:rPr>
+                                <m:sty m:val="p"/>
+                              </m:rPr>
+                              <a:rPr lang="en-US" sz="1600" b="0" i="0" smtClean="0">
+                                <a:latin typeface="Cambria Math" panose="02040503050406030204" pitchFamily="18" charset="0"/>
+                                <a:ea typeface="Cambria Math" panose="02040503050406030204" pitchFamily="18" charset="0"/>
+                              </a:rPr>
+                              <m:t>GxE</m:t>
+                            </m:r>
+                          </m:sub>
+                        </m:sSub>
+                      </m:oMath>
+                    </m:oMathPara>
+                  </a14:m>
+                  <a:endParaRPr lang="en-US" sz="1600" dirty="0"/>
+                </a:p>
+              </p:txBody>
+            </p:sp>
+          </mc:Choice>
+          <mc:Fallback>
+            <p:sp>
+              <p:nvSpPr>
+                <p:cNvPr id="96" name="TextBox 95">
+                  <a:extLst>
+                    <a:ext uri="{FF2B5EF4-FFF2-40B4-BE49-F238E27FC236}">
+                      <a16:creationId xmlns:a16="http://schemas.microsoft.com/office/drawing/2014/main" id="{4BDD192F-E294-5D4F-B882-99765F8DA135}"/>
+                    </a:ext>
+                  </a:extLst>
+                </p:cNvPr>
+                <p:cNvSpPr txBox="1">
+                  <a:spLocks noRot="1" noChangeAspect="1" noMove="1" noResize="1" noEditPoints="1" noAdjustHandles="1" noChangeArrowheads="1" noChangeShapeType="1" noTextEdit="1"/>
+                </p:cNvSpPr>
+                <p:nvPr/>
+              </p:nvSpPr>
+              <p:spPr>
+                <a:xfrm>
+                  <a:off x="698497" y="2217349"/>
+                  <a:ext cx="642034" cy="339132"/>
+                </a:xfrm>
+                <a:prstGeom prst="rect">
+                  <a:avLst/>
+                </a:prstGeom>
+                <a:blipFill>
+                  <a:blip r:embed="rId15"/>
+                  <a:stretch>
+                    <a:fillRect/>
+                  </a:stretch>
+                </a:blipFill>
+              </p:spPr>
+              <p:txBody>
+                <a:bodyPr/>
+                <a:lstStyle/>
+                <a:p>
+                  <a:r>
+                    <a:rPr lang="en-US">
+                      <a:noFill/>
+                    </a:rPr>
+                    <a:t> </a:t>
+                  </a:r>
+                </a:p>
+              </p:txBody>
+            </p:sp>
+          </mc:Fallback>
+        </mc:AlternateContent>
+        <p:sp>
+          <p:nvSpPr>
+            <p:cNvPr id="115" name="TextBox 114">
+              <a:extLst>
+                <a:ext uri="{FF2B5EF4-FFF2-40B4-BE49-F238E27FC236}">
+                  <a16:creationId xmlns:a16="http://schemas.microsoft.com/office/drawing/2014/main" id="{08C10FAB-7B51-5349-82D5-0A85D4D9F80C}"/>
+                </a:ext>
+              </a:extLst>
+            </p:cNvPr>
+            <p:cNvSpPr txBox="1"/>
+            <p:nvPr/>
+          </p:nvSpPr>
+          <p:spPr>
+            <a:xfrm>
+              <a:off x="1198581" y="2253848"/>
+              <a:ext cx="2083391" cy="461665"/>
+            </a:xfrm>
+            <a:prstGeom prst="rect">
+              <a:avLst/>
+            </a:prstGeom>
+            <a:noFill/>
+          </p:spPr>
+          <p:txBody>
+            <a:bodyPr wrap="none" rtlCol="0">
+              <a:spAutoFit/>
+            </a:bodyPr>
+            <a:lstStyle/>
+            <a:p>
+              <a:r>
+                <a:rPr lang="en-US" sz="1200" dirty="0">
+                  <a:latin typeface="Times" pitchFamily="2" charset="0"/>
+                </a:rPr>
+                <a:t>= 0.09 (0.009 – 0.56); P = 0.98</a:t>
+              </a:r>
+            </a:p>
+            <a:p>
+              <a:endParaRPr lang="en-US" sz="1200" dirty="0">
+                <a:latin typeface="Times" pitchFamily="2" charset="0"/>
+              </a:endParaRPr>
+            </a:p>
+          </p:txBody>
+        </p:sp>
+      </p:grpSp>
+      <p:grpSp>
+        <p:nvGrpSpPr>
+          <p:cNvPr id="177" name="Group 176">
+            <a:extLst>
+              <a:ext uri="{FF2B5EF4-FFF2-40B4-BE49-F238E27FC236}">
+                <a16:creationId xmlns:a16="http://schemas.microsoft.com/office/drawing/2014/main" id="{0F70884C-567B-1B49-8A97-412E7A6C4A92}"/>
+              </a:ext>
+            </a:extLst>
+          </p:cNvPr>
+          <p:cNvGrpSpPr/>
+          <p:nvPr/>
+        </p:nvGrpSpPr>
+        <p:grpSpPr>
+          <a:xfrm>
+            <a:off x="4056220" y="2602310"/>
+            <a:ext cx="2711768" cy="704073"/>
+            <a:chOff x="3948167" y="2029450"/>
+            <a:chExt cx="2711768" cy="704073"/>
+          </a:xfrm>
+        </p:grpSpPr>
+        <p:sp>
+          <p:nvSpPr>
+            <p:cNvPr id="123" name="TextBox 122">
+              <a:extLst>
+                <a:ext uri="{FF2B5EF4-FFF2-40B4-BE49-F238E27FC236}">
+                  <a16:creationId xmlns:a16="http://schemas.microsoft.com/office/drawing/2014/main" id="{83C33F67-92E4-BF47-A655-14F077E88B95}"/>
+                </a:ext>
+              </a:extLst>
+            </p:cNvPr>
+            <p:cNvSpPr txBox="1"/>
+            <p:nvPr/>
+          </p:nvSpPr>
+          <p:spPr>
+            <a:xfrm>
+              <a:off x="3948167" y="2029450"/>
+              <a:ext cx="2711768" cy="461665"/>
+            </a:xfrm>
+            <a:prstGeom prst="rect">
+              <a:avLst/>
+            </a:prstGeom>
+            <a:noFill/>
+          </p:spPr>
+          <p:txBody>
+            <a:bodyPr wrap="none" rtlCol="0">
+              <a:spAutoFit/>
+            </a:bodyPr>
+            <a:lstStyle/>
+            <a:p>
+              <a:r>
+                <a:rPr lang="en-US" sz="1200" dirty="0" err="1">
+                  <a:latin typeface="Times" pitchFamily="2" charset="0"/>
+                </a:rPr>
+                <a:t>CovGE</a:t>
+              </a:r>
+              <a:r>
+                <a:rPr lang="en-US" sz="1200" dirty="0">
+                  <a:latin typeface="Times" pitchFamily="2" charset="0"/>
+                </a:rPr>
+                <a:t> = -0.98 (-0.98 - -0.46); P = 0.008</a:t>
+              </a:r>
+            </a:p>
+            <a:p>
+              <a:endParaRPr lang="en-US" sz="1200" dirty="0">
+                <a:latin typeface="Times" pitchFamily="2" charset="0"/>
+              </a:endParaRPr>
+            </a:p>
+          </p:txBody>
+        </p:sp>
+        <mc:AlternateContent xmlns:mc="http://schemas.openxmlformats.org/markup-compatibility/2006">
+          <mc:Choice xmlns:a14="http://schemas.microsoft.com/office/drawing/2010/main" Requires="a14">
+            <p:sp>
+              <p:nvSpPr>
+                <p:cNvPr id="124" name="TextBox 123">
+                  <a:extLst>
+                    <a:ext uri="{FF2B5EF4-FFF2-40B4-BE49-F238E27FC236}">
+                      <a16:creationId xmlns:a16="http://schemas.microsoft.com/office/drawing/2014/main" id="{8B12FBA6-7EA7-8748-BC05-05DDAF594E63}"/>
+                    </a:ext>
+                  </a:extLst>
+                </p:cNvPr>
+                <p:cNvSpPr txBox="1"/>
+                <p:nvPr/>
+              </p:nvSpPr>
+              <p:spPr>
+                <a:xfrm>
+                  <a:off x="3951390" y="2235359"/>
+                  <a:ext cx="642034" cy="339132"/>
+                </a:xfrm>
+                <a:prstGeom prst="rect">
+                  <a:avLst/>
+                </a:prstGeom>
+                <a:noFill/>
+              </p:spPr>
+              <p:txBody>
+                <a:bodyPr wrap="none" rtlCol="0">
+                  <a:spAutoFit/>
+                </a:bodyPr>
+                <a:lstStyle/>
+                <a:p>
+                  <a14:m>
+                    <m:oMathPara xmlns:m="http://schemas.openxmlformats.org/officeDocument/2006/math">
+                      <m:oMathParaPr>
+                        <m:jc m:val="centerGroup"/>
+                      </m:oMathParaPr>
+                      <m:oMath xmlns:m="http://schemas.openxmlformats.org/officeDocument/2006/math">
+                        <m:sSub>
+                          <m:sSubPr>
+                            <m:ctrlPr>
+                              <a:rPr lang="en-US" sz="1600" i="1" smtClean="0">
+                                <a:latin typeface="Cambria Math" panose="02040503050406030204" pitchFamily="18" charset="0"/>
+                                <a:ea typeface="Cambria Math" panose="02040503050406030204" pitchFamily="18" charset="0"/>
+                              </a:rPr>
+                            </m:ctrlPr>
+                          </m:sSubPr>
+                          <m:e>
+                            <m:acc>
+                              <m:accPr>
+                                <m:chr m:val="̅"/>
+                                <m:ctrlPr>
+                                  <a:rPr lang="en-US" sz="1600" i="1" smtClean="0">
+                                    <a:latin typeface="Cambria Math" panose="02040503050406030204" pitchFamily="18" charset="0"/>
+                                    <a:ea typeface="Cambria Math" panose="02040503050406030204" pitchFamily="18" charset="0"/>
+                                  </a:rPr>
+                                </m:ctrlPr>
+                              </m:accPr>
+                              <m:e>
+                                <m:r>
+                                  <a:rPr lang="en-US" sz="1600" i="1">
+                                    <a:latin typeface="Cambria Math" panose="02040503050406030204" pitchFamily="18" charset="0"/>
+                                    <a:ea typeface="Cambria Math" panose="02040503050406030204" pitchFamily="18" charset="0"/>
+                                  </a:rPr>
+                                  <m:t>∆</m:t>
+                                </m:r>
+                              </m:e>
+                            </m:acc>
+                          </m:e>
+                          <m:sub>
+                            <m:r>
+                              <m:rPr>
+                                <m:sty m:val="p"/>
+                              </m:rPr>
+                              <a:rPr lang="en-US" sz="1600" b="0" i="0" smtClean="0">
+                                <a:latin typeface="Cambria Math" panose="02040503050406030204" pitchFamily="18" charset="0"/>
+                                <a:ea typeface="Cambria Math" panose="02040503050406030204" pitchFamily="18" charset="0"/>
+                              </a:rPr>
+                              <m:t>GxE</m:t>
+                            </m:r>
+                          </m:sub>
+                        </m:sSub>
+                      </m:oMath>
+                    </m:oMathPara>
+                  </a14:m>
+                  <a:endParaRPr lang="en-US" sz="1600" dirty="0"/>
+                </a:p>
+              </p:txBody>
+            </p:sp>
+          </mc:Choice>
+          <mc:Fallback>
+            <p:sp>
+              <p:nvSpPr>
+                <p:cNvPr id="124" name="TextBox 123">
+                  <a:extLst>
+                    <a:ext uri="{FF2B5EF4-FFF2-40B4-BE49-F238E27FC236}">
+                      <a16:creationId xmlns:a16="http://schemas.microsoft.com/office/drawing/2014/main" id="{8B12FBA6-7EA7-8748-BC05-05DDAF594E63}"/>
+                    </a:ext>
+                  </a:extLst>
+                </p:cNvPr>
+                <p:cNvSpPr txBox="1">
+                  <a:spLocks noRot="1" noChangeAspect="1" noMove="1" noResize="1" noEditPoints="1" noAdjustHandles="1" noChangeArrowheads="1" noChangeShapeType="1" noTextEdit="1"/>
+                </p:cNvSpPr>
+                <p:nvPr/>
+              </p:nvSpPr>
+              <p:spPr>
+                <a:xfrm>
+                  <a:off x="3951390" y="2235359"/>
+                  <a:ext cx="642034" cy="339132"/>
+                </a:xfrm>
+                <a:prstGeom prst="rect">
+                  <a:avLst/>
+                </a:prstGeom>
+                <a:blipFill>
+                  <a:blip r:embed="rId16"/>
+                  <a:stretch>
+                    <a:fillRect/>
+                  </a:stretch>
+                </a:blipFill>
+              </p:spPr>
+              <p:txBody>
+                <a:bodyPr/>
+                <a:lstStyle/>
+                <a:p>
+                  <a:r>
+                    <a:rPr lang="en-US">
+                      <a:noFill/>
+                    </a:rPr>
+                    <a:t> </a:t>
+                  </a:r>
+                </a:p>
+              </p:txBody>
+            </p:sp>
+          </mc:Fallback>
+        </mc:AlternateContent>
+        <p:sp>
+          <p:nvSpPr>
+            <p:cNvPr id="125" name="TextBox 124">
+              <a:extLst>
+                <a:ext uri="{FF2B5EF4-FFF2-40B4-BE49-F238E27FC236}">
+                  <a16:creationId xmlns:a16="http://schemas.microsoft.com/office/drawing/2014/main" id="{D43DE543-887E-2648-8D0F-A134BDB0E9B8}"/>
+                </a:ext>
+              </a:extLst>
+            </p:cNvPr>
+            <p:cNvSpPr txBox="1"/>
+            <p:nvPr/>
+          </p:nvSpPr>
+          <p:spPr>
+            <a:xfrm>
+              <a:off x="4442509" y="2271858"/>
+              <a:ext cx="1814086" cy="461665"/>
+            </a:xfrm>
+            <a:prstGeom prst="rect">
+              <a:avLst/>
+            </a:prstGeom>
+            <a:noFill/>
+          </p:spPr>
+          <p:txBody>
+            <a:bodyPr wrap="none" rtlCol="0">
+              <a:spAutoFit/>
+            </a:bodyPr>
+            <a:lstStyle/>
+            <a:p>
+              <a:r>
+                <a:rPr lang="en-US" sz="1200" dirty="0">
+                  <a:latin typeface="Times" pitchFamily="2" charset="0"/>
+                </a:rPr>
+                <a:t>= 0.88 (0.71 – 1.07); P = 0</a:t>
+              </a:r>
+            </a:p>
+            <a:p>
+              <a:endParaRPr lang="en-US" sz="1200" dirty="0">
+                <a:latin typeface="Times" pitchFamily="2" charset="0"/>
+              </a:endParaRPr>
+            </a:p>
+          </p:txBody>
+        </p:sp>
+      </p:grpSp>
+      <p:sp>
+        <p:nvSpPr>
+          <p:cNvPr id="57" name="TextBox 56">
+            <a:extLst>
+              <a:ext uri="{FF2B5EF4-FFF2-40B4-BE49-F238E27FC236}">
+                <a16:creationId xmlns:a16="http://schemas.microsoft.com/office/drawing/2014/main" id="{4832DB52-D6A7-744B-A9C5-4A957747590B}"/>
+              </a:ext>
+            </a:extLst>
+          </p:cNvPr>
+          <p:cNvSpPr txBox="1"/>
+          <p:nvPr/>
+        </p:nvSpPr>
+        <p:spPr>
+          <a:xfrm>
+            <a:off x="-3728" y="4562886"/>
+            <a:ext cx="2647648" cy="369332"/>
+          </a:xfrm>
+          <a:prstGeom prst="rect">
+            <a:avLst/>
+          </a:prstGeom>
+          <a:noFill/>
+          <a:ln>
+            <a:noFill/>
+          </a:ln>
+        </p:spPr>
+        <p:txBody>
+          <a:bodyPr wrap="none" rtlCol="0">
+            <a:spAutoFit/>
+          </a:bodyPr>
+          <a:lstStyle/>
+          <a:p>
+            <a:r>
+              <a:rPr lang="en-US" dirty="0">
+                <a:latin typeface="Times" pitchFamily="2" charset="0"/>
+              </a:rPr>
+              <a:t>Full Reciprocal Transplant</a:t>
+            </a:r>
+          </a:p>
+        </p:txBody>
+      </p:sp>
+      <p:cxnSp>
+        <p:nvCxnSpPr>
+          <p:cNvPr id="67" name="Straight Connector 66">
+            <a:extLst>
+              <a:ext uri="{FF2B5EF4-FFF2-40B4-BE49-F238E27FC236}">
+                <a16:creationId xmlns:a16="http://schemas.microsoft.com/office/drawing/2014/main" id="{B27D4E31-3237-C442-8E21-5B6E15A1A2C4}"/>
+              </a:ext>
+            </a:extLst>
+          </p:cNvPr>
+          <p:cNvCxnSpPr/>
+          <p:nvPr/>
+        </p:nvCxnSpPr>
+        <p:spPr>
+          <a:xfrm>
+            <a:off x="221526" y="4499515"/>
+            <a:ext cx="6289779" cy="0"/>
+          </a:xfrm>
+          <a:prstGeom prst="line">
+            <a:avLst/>
+          </a:prstGeom>
+        </p:spPr>
+        <p:style>
+          <a:lnRef idx="1">
+            <a:schemeClr val="dk1"/>
+          </a:lnRef>
+          <a:fillRef idx="0">
+            <a:schemeClr val="dk1"/>
+          </a:fillRef>
+          <a:effectRef idx="0">
+            <a:schemeClr val="dk1"/>
+          </a:effectRef>
+          <a:fontRef idx="minor">
+            <a:schemeClr val="tx1"/>
+          </a:fontRef>
+        </p:style>
+      </p:cxnSp>
+      <p:grpSp>
+        <p:nvGrpSpPr>
+          <p:cNvPr id="169" name="Group 168">
+            <a:extLst>
+              <a:ext uri="{FF2B5EF4-FFF2-40B4-BE49-F238E27FC236}">
+                <a16:creationId xmlns:a16="http://schemas.microsoft.com/office/drawing/2014/main" id="{B8394427-2039-394B-B098-08D51EA98E03}"/>
+              </a:ext>
+            </a:extLst>
+          </p:cNvPr>
+          <p:cNvGrpSpPr/>
+          <p:nvPr/>
+        </p:nvGrpSpPr>
+        <p:grpSpPr>
+          <a:xfrm>
+            <a:off x="4056414" y="6549092"/>
+            <a:ext cx="2634824" cy="695108"/>
+            <a:chOff x="3831122" y="5678279"/>
+            <a:chExt cx="2634824" cy="695108"/>
+          </a:xfrm>
+        </p:grpSpPr>
+        <p:sp>
+          <p:nvSpPr>
+            <p:cNvPr id="127" name="TextBox 126">
+              <a:extLst>
+                <a:ext uri="{FF2B5EF4-FFF2-40B4-BE49-F238E27FC236}">
+                  <a16:creationId xmlns:a16="http://schemas.microsoft.com/office/drawing/2014/main" id="{44FDF0F6-E03B-5F40-BE2B-95CDC3E539D1}"/>
+                </a:ext>
+              </a:extLst>
+            </p:cNvPr>
+            <p:cNvSpPr txBox="1"/>
+            <p:nvPr/>
+          </p:nvSpPr>
+          <p:spPr>
+            <a:xfrm>
+              <a:off x="3831122" y="5678279"/>
+              <a:ext cx="2634824" cy="461665"/>
+            </a:xfrm>
+            <a:prstGeom prst="rect">
+              <a:avLst/>
+            </a:prstGeom>
+            <a:noFill/>
+          </p:spPr>
+          <p:txBody>
+            <a:bodyPr wrap="none" rtlCol="0">
+              <a:spAutoFit/>
+            </a:bodyPr>
+            <a:lstStyle/>
+            <a:p>
+              <a:r>
+                <a:rPr lang="en-US" sz="1200" dirty="0" err="1">
+                  <a:latin typeface="Times" pitchFamily="2" charset="0"/>
+                </a:rPr>
+                <a:t>CovGE</a:t>
+              </a:r>
+              <a:r>
+                <a:rPr lang="en-US" sz="1200" dirty="0">
+                  <a:latin typeface="Times" pitchFamily="2" charset="0"/>
+                </a:rPr>
+                <a:t> = -0.82 (-0.91 - -0.05); P = 0.03</a:t>
+              </a:r>
+            </a:p>
+            <a:p>
+              <a:endParaRPr lang="en-US" sz="1200" dirty="0">
+                <a:latin typeface="Times" pitchFamily="2" charset="0"/>
+              </a:endParaRPr>
+            </a:p>
+          </p:txBody>
+        </p:sp>
+        <p:sp>
+          <p:nvSpPr>
+            <p:cNvPr id="129" name="TextBox 128">
+              <a:extLst>
+                <a:ext uri="{FF2B5EF4-FFF2-40B4-BE49-F238E27FC236}">
+                  <a16:creationId xmlns:a16="http://schemas.microsoft.com/office/drawing/2014/main" id="{2AC7CE9D-5282-CF4D-B452-3835ED14B0A8}"/>
+                </a:ext>
+              </a:extLst>
+            </p:cNvPr>
+            <p:cNvSpPr txBox="1"/>
+            <p:nvPr/>
+          </p:nvSpPr>
+          <p:spPr>
+            <a:xfrm>
+              <a:off x="4324972" y="5911722"/>
+              <a:ext cx="1814086" cy="461665"/>
+            </a:xfrm>
+            <a:prstGeom prst="rect">
+              <a:avLst/>
+            </a:prstGeom>
+            <a:noFill/>
+          </p:spPr>
+          <p:txBody>
+            <a:bodyPr wrap="none" rtlCol="0">
+              <a:spAutoFit/>
+            </a:bodyPr>
+            <a:lstStyle/>
+            <a:p>
+              <a:r>
+                <a:rPr lang="en-US" sz="1200" dirty="0">
+                  <a:latin typeface="Times" pitchFamily="2" charset="0"/>
+                </a:rPr>
+                <a:t>= 0.72 (0.51 – 1.04); P = 0</a:t>
+              </a:r>
+            </a:p>
+            <a:p>
+              <a:endParaRPr lang="en-US" sz="1200" dirty="0">
+                <a:latin typeface="Times" pitchFamily="2" charset="0"/>
+              </a:endParaRPr>
+            </a:p>
+          </p:txBody>
+        </p:sp>
+        <mc:AlternateContent xmlns:mc="http://schemas.openxmlformats.org/markup-compatibility/2006">
+          <mc:Choice xmlns:a14="http://schemas.microsoft.com/office/drawing/2010/main" Requires="a14">
+            <p:sp>
+              <p:nvSpPr>
+                <p:cNvPr id="128" name="TextBox 127">
+                  <a:extLst>
+                    <a:ext uri="{FF2B5EF4-FFF2-40B4-BE49-F238E27FC236}">
+                      <a16:creationId xmlns:a16="http://schemas.microsoft.com/office/drawing/2014/main" id="{0C89FE68-7F68-D94A-9BDC-93638209B8D1}"/>
+                    </a:ext>
+                  </a:extLst>
+                </p:cNvPr>
+                <p:cNvSpPr txBox="1"/>
+                <p:nvPr/>
+              </p:nvSpPr>
+              <p:spPr>
+                <a:xfrm>
+                  <a:off x="3833847" y="5884188"/>
+                  <a:ext cx="642034" cy="339132"/>
+                </a:xfrm>
+                <a:prstGeom prst="rect">
+                  <a:avLst/>
+                </a:prstGeom>
+                <a:noFill/>
+              </p:spPr>
+              <p:txBody>
+                <a:bodyPr wrap="none" rtlCol="0">
+                  <a:spAutoFit/>
+                </a:bodyPr>
+                <a:lstStyle/>
+                <a:p>
+                  <a14:m>
+                    <m:oMathPara xmlns:m="http://schemas.openxmlformats.org/officeDocument/2006/math">
+                      <m:oMathParaPr>
+                        <m:jc m:val="centerGroup"/>
+                      </m:oMathParaPr>
+                      <m:oMath xmlns:m="http://schemas.openxmlformats.org/officeDocument/2006/math">
+                        <m:sSub>
+                          <m:sSubPr>
+                            <m:ctrlPr>
+                              <a:rPr lang="en-US" sz="1600" i="1" smtClean="0">
+                                <a:latin typeface="Cambria Math" panose="02040503050406030204" pitchFamily="18" charset="0"/>
+                                <a:ea typeface="Cambria Math" panose="02040503050406030204" pitchFamily="18" charset="0"/>
+                              </a:rPr>
+                            </m:ctrlPr>
+                          </m:sSubPr>
+                          <m:e>
+                            <m:acc>
+                              <m:accPr>
+                                <m:chr m:val="̅"/>
+                                <m:ctrlPr>
+                                  <a:rPr lang="en-US" sz="1600" i="1" smtClean="0">
+                                    <a:latin typeface="Cambria Math" panose="02040503050406030204" pitchFamily="18" charset="0"/>
+                                    <a:ea typeface="Cambria Math" panose="02040503050406030204" pitchFamily="18" charset="0"/>
+                                  </a:rPr>
+                                </m:ctrlPr>
+                              </m:accPr>
+                              <m:e>
+                                <m:r>
+                                  <a:rPr lang="en-US" sz="1600" i="1">
+                                    <a:latin typeface="Cambria Math" panose="02040503050406030204" pitchFamily="18" charset="0"/>
+                                    <a:ea typeface="Cambria Math" panose="02040503050406030204" pitchFamily="18" charset="0"/>
+                                  </a:rPr>
+                                  <m:t>∆</m:t>
+                                </m:r>
+                              </m:e>
+                            </m:acc>
+                          </m:e>
+                          <m:sub>
+                            <m:r>
+                              <m:rPr>
+                                <m:sty m:val="p"/>
+                              </m:rPr>
+                              <a:rPr lang="en-US" sz="1600" b="0" i="0" smtClean="0">
+                                <a:latin typeface="Cambria Math" panose="02040503050406030204" pitchFamily="18" charset="0"/>
+                                <a:ea typeface="Cambria Math" panose="02040503050406030204" pitchFamily="18" charset="0"/>
+                              </a:rPr>
+                              <m:t>GxE</m:t>
+                            </m:r>
+                          </m:sub>
+                        </m:sSub>
+                      </m:oMath>
+                    </m:oMathPara>
+                  </a14:m>
+                  <a:endParaRPr lang="en-US" sz="1600" dirty="0"/>
+                </a:p>
+              </p:txBody>
+            </p:sp>
+          </mc:Choice>
+          <mc:Fallback>
+            <p:sp>
+              <p:nvSpPr>
+                <p:cNvPr id="128" name="TextBox 127">
+                  <a:extLst>
+                    <a:ext uri="{FF2B5EF4-FFF2-40B4-BE49-F238E27FC236}">
+                      <a16:creationId xmlns:a16="http://schemas.microsoft.com/office/drawing/2014/main" id="{0C89FE68-7F68-D94A-9BDC-93638209B8D1}"/>
+                    </a:ext>
+                  </a:extLst>
+                </p:cNvPr>
+                <p:cNvSpPr txBox="1">
+                  <a:spLocks noRot="1" noChangeAspect="1" noMove="1" noResize="1" noEditPoints="1" noAdjustHandles="1" noChangeArrowheads="1" noChangeShapeType="1" noTextEdit="1"/>
+                </p:cNvSpPr>
+                <p:nvPr/>
+              </p:nvSpPr>
+              <p:spPr>
+                <a:xfrm>
+                  <a:off x="3833847" y="5884188"/>
+                  <a:ext cx="642034" cy="339132"/>
+                </a:xfrm>
+                <a:prstGeom prst="rect">
+                  <a:avLst/>
+                </a:prstGeom>
+                <a:blipFill>
+                  <a:blip r:embed="rId17"/>
+                  <a:stretch>
+                    <a:fillRect/>
+                  </a:stretch>
+                </a:blipFill>
+              </p:spPr>
+              <p:txBody>
+                <a:bodyPr/>
+                <a:lstStyle/>
+                <a:p>
+                  <a:r>
+                    <a:rPr lang="en-US">
+                      <a:noFill/>
+                    </a:rPr>
+                    <a:t> </a:t>
+                  </a:r>
+                </a:p>
+              </p:txBody>
+            </p:sp>
+          </mc:Fallback>
+        </mc:AlternateContent>
+      </p:grpSp>
+      <p:grpSp>
+        <p:nvGrpSpPr>
+          <p:cNvPr id="171" name="Group 170">
+            <a:extLst>
+              <a:ext uri="{FF2B5EF4-FFF2-40B4-BE49-F238E27FC236}">
+                <a16:creationId xmlns:a16="http://schemas.microsoft.com/office/drawing/2014/main" id="{D1C5BA56-7AD5-0B45-A139-DBC7D1A52F73}"/>
+              </a:ext>
+            </a:extLst>
+          </p:cNvPr>
+          <p:cNvGrpSpPr/>
+          <p:nvPr/>
+        </p:nvGrpSpPr>
+        <p:grpSpPr>
+          <a:xfrm>
+            <a:off x="805271" y="5017479"/>
+            <a:ext cx="2545056" cy="699680"/>
+            <a:chOff x="760805" y="4031101"/>
+            <a:chExt cx="2545056" cy="699680"/>
+          </a:xfrm>
+          <a:noFill/>
+        </p:grpSpPr>
+        <p:sp>
+          <p:nvSpPr>
+            <p:cNvPr id="136" name="TextBox 135">
+              <a:extLst>
+                <a:ext uri="{FF2B5EF4-FFF2-40B4-BE49-F238E27FC236}">
+                  <a16:creationId xmlns:a16="http://schemas.microsoft.com/office/drawing/2014/main" id="{2BACEC51-78D5-684C-A173-8B71D7A535AD}"/>
+                </a:ext>
+              </a:extLst>
+            </p:cNvPr>
+            <p:cNvSpPr txBox="1"/>
+            <p:nvPr/>
+          </p:nvSpPr>
+          <p:spPr>
+            <a:xfrm>
+              <a:off x="760805" y="4031101"/>
+              <a:ext cx="2545056" cy="461665"/>
+            </a:xfrm>
+            <a:prstGeom prst="rect">
+              <a:avLst/>
+            </a:prstGeom>
+            <a:grpFill/>
+          </p:spPr>
+          <p:txBody>
+            <a:bodyPr wrap="none" rtlCol="0">
+              <a:spAutoFit/>
+            </a:bodyPr>
+            <a:lstStyle/>
+            <a:p>
+              <a:r>
+                <a:rPr lang="en-US" sz="1200" dirty="0" err="1">
+                  <a:latin typeface="Times" pitchFamily="2" charset="0"/>
+                </a:rPr>
+                <a:t>CovGE</a:t>
+              </a:r>
+              <a:r>
+                <a:rPr lang="en-US" sz="1200" dirty="0">
+                  <a:latin typeface="Times" pitchFamily="2" charset="0"/>
+                </a:rPr>
+                <a:t> = 0.92(0.69 – 0.97); P = 0.001</a:t>
+              </a:r>
+            </a:p>
+            <a:p>
+              <a:endParaRPr lang="en-US" sz="1200" dirty="0">
+                <a:latin typeface="Times" pitchFamily="2" charset="0"/>
+              </a:endParaRPr>
+            </a:p>
+          </p:txBody>
+        </p:sp>
+        <p:sp>
+          <p:nvSpPr>
+            <p:cNvPr id="137" name="TextBox 136">
+              <a:extLst>
+                <a:ext uri="{FF2B5EF4-FFF2-40B4-BE49-F238E27FC236}">
+                  <a16:creationId xmlns:a16="http://schemas.microsoft.com/office/drawing/2014/main" id="{7DB0B1B8-EA07-D145-8230-E9A50C005180}"/>
+                </a:ext>
+              </a:extLst>
+            </p:cNvPr>
+            <p:cNvSpPr txBox="1"/>
+            <p:nvPr/>
+          </p:nvSpPr>
+          <p:spPr>
+            <a:xfrm>
+              <a:off x="1264672" y="4269116"/>
+              <a:ext cx="1967975" cy="461665"/>
+            </a:xfrm>
+            <a:prstGeom prst="rect">
+              <a:avLst/>
+            </a:prstGeom>
+            <a:grpFill/>
+          </p:spPr>
+          <p:txBody>
+            <a:bodyPr wrap="none" rtlCol="0">
+              <a:spAutoFit/>
+            </a:bodyPr>
+            <a:lstStyle/>
+            <a:p>
+              <a:r>
+                <a:rPr lang="en-US" sz="1200" dirty="0">
+                  <a:latin typeface="Times" pitchFamily="2" charset="0"/>
+                </a:rPr>
+                <a:t>= 0.09 (0.01– 0.25); P = 0.98</a:t>
+              </a:r>
+            </a:p>
+            <a:p>
+              <a:endParaRPr lang="en-US" sz="1200" dirty="0">
+                <a:latin typeface="Times" pitchFamily="2" charset="0"/>
+              </a:endParaRPr>
+            </a:p>
+          </p:txBody>
+        </p:sp>
+        <mc:AlternateContent xmlns:mc="http://schemas.openxmlformats.org/markup-compatibility/2006">
+          <mc:Choice xmlns:a14="http://schemas.microsoft.com/office/drawing/2010/main" Requires="a14">
+            <p:sp>
+              <p:nvSpPr>
+                <p:cNvPr id="138" name="TextBox 137">
+                  <a:extLst>
+                    <a:ext uri="{FF2B5EF4-FFF2-40B4-BE49-F238E27FC236}">
+                      <a16:creationId xmlns:a16="http://schemas.microsoft.com/office/drawing/2014/main" id="{41E976B3-438C-ED40-9D65-1B8E150CB2BB}"/>
+                    </a:ext>
+                  </a:extLst>
+                </p:cNvPr>
+                <p:cNvSpPr txBox="1"/>
+                <p:nvPr/>
+              </p:nvSpPr>
+              <p:spPr>
+                <a:xfrm>
+                  <a:off x="764588" y="4241582"/>
+                  <a:ext cx="642034" cy="339132"/>
+                </a:xfrm>
+                <a:prstGeom prst="rect">
+                  <a:avLst/>
+                </a:prstGeom>
+                <a:grpFill/>
+              </p:spPr>
+              <p:txBody>
+                <a:bodyPr wrap="none" rtlCol="0">
+                  <a:spAutoFit/>
+                </a:bodyPr>
+                <a:lstStyle/>
+                <a:p>
+                  <a14:m>
+                    <m:oMathPara xmlns:m="http://schemas.openxmlformats.org/officeDocument/2006/math">
+                      <m:oMathParaPr>
+                        <m:jc m:val="centerGroup"/>
+                      </m:oMathParaPr>
+                      <m:oMath xmlns:m="http://schemas.openxmlformats.org/officeDocument/2006/math">
+                        <m:sSub>
+                          <m:sSubPr>
+                            <m:ctrlPr>
+                              <a:rPr lang="en-US" sz="1600" i="1" smtClean="0">
+                                <a:latin typeface="Cambria Math" panose="02040503050406030204" pitchFamily="18" charset="0"/>
+                                <a:ea typeface="Cambria Math" panose="02040503050406030204" pitchFamily="18" charset="0"/>
+                              </a:rPr>
+                            </m:ctrlPr>
+                          </m:sSubPr>
+                          <m:e>
+                            <m:acc>
+                              <m:accPr>
+                                <m:chr m:val="̅"/>
+                                <m:ctrlPr>
+                                  <a:rPr lang="en-US" sz="1600" i="1" smtClean="0">
+                                    <a:latin typeface="Cambria Math" panose="02040503050406030204" pitchFamily="18" charset="0"/>
+                                    <a:ea typeface="Cambria Math" panose="02040503050406030204" pitchFamily="18" charset="0"/>
+                                  </a:rPr>
+                                </m:ctrlPr>
+                              </m:accPr>
+                              <m:e>
+                                <m:r>
+                                  <a:rPr lang="en-US" sz="1600" i="1">
+                                    <a:latin typeface="Cambria Math" panose="02040503050406030204" pitchFamily="18" charset="0"/>
+                                    <a:ea typeface="Cambria Math" panose="02040503050406030204" pitchFamily="18" charset="0"/>
+                                  </a:rPr>
+                                  <m:t>∆</m:t>
+                                </m:r>
+                              </m:e>
+                            </m:acc>
+                          </m:e>
+                          <m:sub>
+                            <m:r>
+                              <m:rPr>
+                                <m:sty m:val="p"/>
+                              </m:rPr>
+                              <a:rPr lang="en-US" sz="1600" b="0" i="0" smtClean="0">
+                                <a:latin typeface="Cambria Math" panose="02040503050406030204" pitchFamily="18" charset="0"/>
+                                <a:ea typeface="Cambria Math" panose="02040503050406030204" pitchFamily="18" charset="0"/>
+                              </a:rPr>
+                              <m:t>GxE</m:t>
+                            </m:r>
+                          </m:sub>
+                        </m:sSub>
+                      </m:oMath>
+                    </m:oMathPara>
+                  </a14:m>
+                  <a:endParaRPr lang="en-US" sz="1600" dirty="0"/>
+                </a:p>
+              </p:txBody>
+            </p:sp>
+          </mc:Choice>
+          <mc:Fallback>
+            <p:sp>
+              <p:nvSpPr>
+                <p:cNvPr id="138" name="TextBox 137">
+                  <a:extLst>
+                    <a:ext uri="{FF2B5EF4-FFF2-40B4-BE49-F238E27FC236}">
+                      <a16:creationId xmlns:a16="http://schemas.microsoft.com/office/drawing/2014/main" id="{41E976B3-438C-ED40-9D65-1B8E150CB2BB}"/>
+                    </a:ext>
+                  </a:extLst>
+                </p:cNvPr>
+                <p:cNvSpPr txBox="1">
+                  <a:spLocks noRot="1" noChangeAspect="1" noMove="1" noResize="1" noEditPoints="1" noAdjustHandles="1" noChangeArrowheads="1" noChangeShapeType="1" noTextEdit="1"/>
+                </p:cNvSpPr>
+                <p:nvPr/>
+              </p:nvSpPr>
+              <p:spPr>
+                <a:xfrm>
+                  <a:off x="764588" y="4241582"/>
+                  <a:ext cx="642034" cy="339132"/>
+                </a:xfrm>
+                <a:prstGeom prst="rect">
+                  <a:avLst/>
+                </a:prstGeom>
+                <a:blipFill>
+                  <a:blip r:embed="rId18"/>
+                  <a:stretch>
+                    <a:fillRect/>
+                  </a:stretch>
+                </a:blipFill>
+              </p:spPr>
+              <p:txBody>
+                <a:bodyPr/>
+                <a:lstStyle/>
+                <a:p>
+                  <a:r>
+                    <a:rPr lang="en-US">
+                      <a:noFill/>
+                    </a:rPr>
+                    <a:t> </a:t>
+                  </a:r>
+                </a:p>
+              </p:txBody>
+            </p:sp>
+          </mc:Fallback>
+        </mc:AlternateContent>
+      </p:grpSp>
+      <p:grpSp>
+        <p:nvGrpSpPr>
+          <p:cNvPr id="172" name="Group 171">
+            <a:extLst>
+              <a:ext uri="{FF2B5EF4-FFF2-40B4-BE49-F238E27FC236}">
+                <a16:creationId xmlns:a16="http://schemas.microsoft.com/office/drawing/2014/main" id="{66848B24-4D3D-3749-90B9-540D6990F6FF}"/>
+              </a:ext>
+            </a:extLst>
+          </p:cNvPr>
+          <p:cNvGrpSpPr/>
+          <p:nvPr/>
+        </p:nvGrpSpPr>
+        <p:grpSpPr>
+          <a:xfrm>
+            <a:off x="805271" y="6556326"/>
+            <a:ext cx="2634824" cy="713038"/>
+            <a:chOff x="695274" y="5627543"/>
+            <a:chExt cx="2634824" cy="713038"/>
+          </a:xfrm>
+        </p:grpSpPr>
+        <p:sp>
+          <p:nvSpPr>
+            <p:cNvPr id="131" name="TextBox 130">
+              <a:extLst>
+                <a:ext uri="{FF2B5EF4-FFF2-40B4-BE49-F238E27FC236}">
+                  <a16:creationId xmlns:a16="http://schemas.microsoft.com/office/drawing/2014/main" id="{13C23625-8122-CE41-B250-908026B2B914}"/>
+                </a:ext>
+              </a:extLst>
+            </p:cNvPr>
+            <p:cNvSpPr txBox="1"/>
+            <p:nvPr/>
+          </p:nvSpPr>
+          <p:spPr>
+            <a:xfrm>
+              <a:off x="1189616" y="5878916"/>
+              <a:ext cx="1903855" cy="461665"/>
+            </a:xfrm>
+            <a:prstGeom prst="rect">
+              <a:avLst/>
+            </a:prstGeom>
+            <a:noFill/>
+          </p:spPr>
+          <p:txBody>
+            <a:bodyPr wrap="none" rtlCol="0">
+              <a:spAutoFit/>
+            </a:bodyPr>
+            <a:lstStyle/>
+            <a:p>
+              <a:r>
+                <a:rPr lang="en-US" sz="1200" dirty="0">
+                  <a:latin typeface="Times" pitchFamily="2" charset="0"/>
+                </a:rPr>
+                <a:t>= 0.13 (0.12-0.29); P = 0.95</a:t>
+              </a:r>
+            </a:p>
+            <a:p>
+              <a:endParaRPr lang="en-US" sz="1200" dirty="0">
+                <a:latin typeface="Times" pitchFamily="2" charset="0"/>
+              </a:endParaRPr>
+            </a:p>
+          </p:txBody>
+        </p:sp>
+        <mc:AlternateContent xmlns:mc="http://schemas.openxmlformats.org/markup-compatibility/2006">
+          <mc:Choice xmlns:a14="http://schemas.microsoft.com/office/drawing/2010/main" Requires="a14">
+            <p:sp>
+              <p:nvSpPr>
+                <p:cNvPr id="132" name="TextBox 131">
+                  <a:extLst>
+                    <a:ext uri="{FF2B5EF4-FFF2-40B4-BE49-F238E27FC236}">
+                      <a16:creationId xmlns:a16="http://schemas.microsoft.com/office/drawing/2014/main" id="{1456A9A5-AA49-4E49-A87C-512248760018}"/>
+                    </a:ext>
+                  </a:extLst>
+                </p:cNvPr>
+                <p:cNvSpPr txBox="1"/>
+                <p:nvPr/>
+              </p:nvSpPr>
+              <p:spPr>
+                <a:xfrm>
+                  <a:off x="698497" y="5847542"/>
+                  <a:ext cx="642034" cy="339132"/>
+                </a:xfrm>
+                <a:prstGeom prst="rect">
+                  <a:avLst/>
+                </a:prstGeom>
+                <a:noFill/>
+              </p:spPr>
+              <p:txBody>
+                <a:bodyPr wrap="none" rtlCol="0">
+                  <a:spAutoFit/>
+                </a:bodyPr>
+                <a:lstStyle/>
+                <a:p>
+                  <a14:m>
+                    <m:oMathPara xmlns:m="http://schemas.openxmlformats.org/officeDocument/2006/math">
+                      <m:oMathParaPr>
+                        <m:jc m:val="centerGroup"/>
+                      </m:oMathParaPr>
+                      <m:oMath xmlns:m="http://schemas.openxmlformats.org/officeDocument/2006/math">
+                        <m:sSub>
+                          <m:sSubPr>
+                            <m:ctrlPr>
+                              <a:rPr lang="en-US" sz="1600" i="1" smtClean="0">
+                                <a:latin typeface="Cambria Math" panose="02040503050406030204" pitchFamily="18" charset="0"/>
+                                <a:ea typeface="Cambria Math" panose="02040503050406030204" pitchFamily="18" charset="0"/>
+                              </a:rPr>
+                            </m:ctrlPr>
+                          </m:sSubPr>
+                          <m:e>
+                            <m:acc>
+                              <m:accPr>
+                                <m:chr m:val="̅"/>
+                                <m:ctrlPr>
+                                  <a:rPr lang="en-US" sz="1600" i="1" smtClean="0">
+                                    <a:latin typeface="Cambria Math" panose="02040503050406030204" pitchFamily="18" charset="0"/>
+                                    <a:ea typeface="Cambria Math" panose="02040503050406030204" pitchFamily="18" charset="0"/>
+                                  </a:rPr>
+                                </m:ctrlPr>
+                              </m:accPr>
+                              <m:e>
+                                <m:r>
+                                  <a:rPr lang="en-US" sz="1600" i="1">
+                                    <a:latin typeface="Cambria Math" panose="02040503050406030204" pitchFamily="18" charset="0"/>
+                                    <a:ea typeface="Cambria Math" panose="02040503050406030204" pitchFamily="18" charset="0"/>
+                                  </a:rPr>
+                                  <m:t>∆</m:t>
+                                </m:r>
+                              </m:e>
+                            </m:acc>
+                          </m:e>
+                          <m:sub>
+                            <m:r>
+                              <m:rPr>
+                                <m:sty m:val="p"/>
+                              </m:rPr>
+                              <a:rPr lang="en-US" sz="1600" b="0" i="0" smtClean="0">
+                                <a:latin typeface="Cambria Math" panose="02040503050406030204" pitchFamily="18" charset="0"/>
+                                <a:ea typeface="Cambria Math" panose="02040503050406030204" pitchFamily="18" charset="0"/>
+                              </a:rPr>
+                              <m:t>GxE</m:t>
+                            </m:r>
+                          </m:sub>
+                        </m:sSub>
+                      </m:oMath>
+                    </m:oMathPara>
+                  </a14:m>
+                  <a:endParaRPr lang="en-US" sz="1600" dirty="0"/>
+                </a:p>
+              </p:txBody>
+            </p:sp>
+          </mc:Choice>
+          <mc:Fallback>
+            <p:sp>
+              <p:nvSpPr>
+                <p:cNvPr id="132" name="TextBox 131">
+                  <a:extLst>
+                    <a:ext uri="{FF2B5EF4-FFF2-40B4-BE49-F238E27FC236}">
+                      <a16:creationId xmlns:a16="http://schemas.microsoft.com/office/drawing/2014/main" id="{1456A9A5-AA49-4E49-A87C-512248760018}"/>
+                    </a:ext>
+                  </a:extLst>
+                </p:cNvPr>
+                <p:cNvSpPr txBox="1">
+                  <a:spLocks noRot="1" noChangeAspect="1" noMove="1" noResize="1" noEditPoints="1" noAdjustHandles="1" noChangeArrowheads="1" noChangeShapeType="1" noTextEdit="1"/>
+                </p:cNvSpPr>
+                <p:nvPr/>
+              </p:nvSpPr>
+              <p:spPr>
+                <a:xfrm>
+                  <a:off x="698497" y="5847542"/>
+                  <a:ext cx="642034" cy="339132"/>
+                </a:xfrm>
+                <a:prstGeom prst="rect">
+                  <a:avLst/>
+                </a:prstGeom>
+                <a:blipFill>
+                  <a:blip r:embed="rId19"/>
+                  <a:stretch>
+                    <a:fillRect/>
+                  </a:stretch>
+                </a:blipFill>
+              </p:spPr>
+              <p:txBody>
+                <a:bodyPr/>
+                <a:lstStyle/>
+                <a:p>
+                  <a:r>
+                    <a:rPr lang="en-US">
+                      <a:noFill/>
+                    </a:rPr>
+                    <a:t> </a:t>
+                  </a:r>
+                </a:p>
+              </p:txBody>
+            </p:sp>
+          </mc:Fallback>
+        </mc:AlternateContent>
+        <p:sp>
+          <p:nvSpPr>
+            <p:cNvPr id="130" name="TextBox 129">
+              <a:extLst>
+                <a:ext uri="{FF2B5EF4-FFF2-40B4-BE49-F238E27FC236}">
+                  <a16:creationId xmlns:a16="http://schemas.microsoft.com/office/drawing/2014/main" id="{B732E60F-51D9-9648-9ED9-1EFDA14AD7DA}"/>
+                </a:ext>
+              </a:extLst>
+            </p:cNvPr>
+            <p:cNvSpPr txBox="1"/>
+            <p:nvPr/>
+          </p:nvSpPr>
+          <p:spPr>
+            <a:xfrm>
+              <a:off x="695274" y="5627543"/>
+              <a:ext cx="2634824" cy="461665"/>
+            </a:xfrm>
+            <a:prstGeom prst="rect">
+              <a:avLst/>
+            </a:prstGeom>
+            <a:noFill/>
+          </p:spPr>
+          <p:txBody>
+            <a:bodyPr wrap="none" rtlCol="0">
+              <a:spAutoFit/>
+            </a:bodyPr>
+            <a:lstStyle/>
+            <a:p>
+              <a:r>
+                <a:rPr lang="en-US" sz="1200" dirty="0" err="1">
+                  <a:latin typeface="Times" pitchFamily="2" charset="0"/>
+                </a:rPr>
+                <a:t>CovGE</a:t>
+              </a:r>
+              <a:r>
+                <a:rPr lang="en-US" sz="1200" dirty="0">
+                  <a:latin typeface="Times" pitchFamily="2" charset="0"/>
+                </a:rPr>
+                <a:t> = -0.9 (-0.98 - -0.69); P = 0.005</a:t>
+              </a:r>
+            </a:p>
+            <a:p>
+              <a:endParaRPr lang="en-US" sz="1200" dirty="0">
+                <a:latin typeface="Times" pitchFamily="2" charset="0"/>
+              </a:endParaRPr>
+            </a:p>
+          </p:txBody>
+        </p:sp>
+      </p:grpSp>
+      <p:grpSp>
+        <p:nvGrpSpPr>
+          <p:cNvPr id="170" name="Group 169">
+            <a:extLst>
+              <a:ext uri="{FF2B5EF4-FFF2-40B4-BE49-F238E27FC236}">
+                <a16:creationId xmlns:a16="http://schemas.microsoft.com/office/drawing/2014/main" id="{869FAD20-6E9B-994C-8030-FB61087E5D64}"/>
+              </a:ext>
+            </a:extLst>
+          </p:cNvPr>
+          <p:cNvGrpSpPr/>
+          <p:nvPr/>
+        </p:nvGrpSpPr>
+        <p:grpSpPr>
+          <a:xfrm>
+            <a:off x="4058875" y="5006204"/>
+            <a:ext cx="2583528" cy="691315"/>
+            <a:chOff x="3881140" y="4019240"/>
+            <a:chExt cx="2583528" cy="691315"/>
+          </a:xfrm>
+        </p:grpSpPr>
+        <p:sp>
+          <p:nvSpPr>
+            <p:cNvPr id="141" name="TextBox 140">
+              <a:extLst>
+                <a:ext uri="{FF2B5EF4-FFF2-40B4-BE49-F238E27FC236}">
+                  <a16:creationId xmlns:a16="http://schemas.microsoft.com/office/drawing/2014/main" id="{D01D7475-382D-5341-9A61-1766CCD3CCDB}"/>
+                </a:ext>
+              </a:extLst>
+            </p:cNvPr>
+            <p:cNvSpPr txBox="1"/>
+            <p:nvPr/>
+          </p:nvSpPr>
+          <p:spPr>
+            <a:xfrm>
+              <a:off x="3881140" y="4019240"/>
+              <a:ext cx="2583528" cy="461665"/>
+            </a:xfrm>
+            <a:prstGeom prst="rect">
+              <a:avLst/>
+            </a:prstGeom>
+            <a:noFill/>
+          </p:spPr>
+          <p:txBody>
+            <a:bodyPr wrap="none" rtlCol="0">
+              <a:spAutoFit/>
+            </a:bodyPr>
+            <a:lstStyle/>
+            <a:p>
+              <a:r>
+                <a:rPr lang="en-US" sz="1200" dirty="0" err="1">
+                  <a:latin typeface="Times" pitchFamily="2" charset="0"/>
+                </a:rPr>
+                <a:t>CovGE</a:t>
+              </a:r>
+              <a:r>
+                <a:rPr lang="en-US" sz="1200" dirty="0">
+                  <a:latin typeface="Times" pitchFamily="2" charset="0"/>
+                </a:rPr>
+                <a:t> = 0.94 (0.37 – 0.95); P = 0.002</a:t>
+              </a:r>
+            </a:p>
+            <a:p>
+              <a:endParaRPr lang="en-US" sz="1200" dirty="0">
+                <a:latin typeface="Times" pitchFamily="2" charset="0"/>
+              </a:endParaRPr>
+            </a:p>
+          </p:txBody>
+        </p:sp>
+        <p:sp>
+          <p:nvSpPr>
+            <p:cNvPr id="142" name="TextBox 141">
+              <a:extLst>
+                <a:ext uri="{FF2B5EF4-FFF2-40B4-BE49-F238E27FC236}">
+                  <a16:creationId xmlns:a16="http://schemas.microsoft.com/office/drawing/2014/main" id="{8C7D8DF9-CE93-D84D-9C09-23FE710E9DF3}"/>
+                </a:ext>
+              </a:extLst>
+            </p:cNvPr>
+            <p:cNvSpPr txBox="1"/>
+            <p:nvPr/>
+          </p:nvSpPr>
+          <p:spPr>
+            <a:xfrm>
+              <a:off x="4375809" y="4248890"/>
+              <a:ext cx="1698670" cy="461665"/>
+            </a:xfrm>
+            <a:prstGeom prst="rect">
+              <a:avLst/>
+            </a:prstGeom>
+            <a:noFill/>
+          </p:spPr>
+          <p:txBody>
+            <a:bodyPr wrap="none" rtlCol="0">
+              <a:spAutoFit/>
+            </a:bodyPr>
+            <a:lstStyle/>
+            <a:p>
+              <a:r>
+                <a:rPr lang="en-US" sz="1200" dirty="0">
+                  <a:latin typeface="Times" pitchFamily="2" charset="0"/>
+                </a:rPr>
+                <a:t>= 0.71 (0.59 – 95); P = 0</a:t>
+              </a:r>
+            </a:p>
+            <a:p>
+              <a:endParaRPr lang="en-US" sz="1200" dirty="0">
+                <a:latin typeface="Times" pitchFamily="2" charset="0"/>
+              </a:endParaRPr>
+            </a:p>
+          </p:txBody>
+        </p:sp>
+        <mc:AlternateContent xmlns:mc="http://schemas.openxmlformats.org/markup-compatibility/2006">
+          <mc:Choice xmlns:a14="http://schemas.microsoft.com/office/drawing/2010/main" Requires="a14">
+            <p:sp>
+              <p:nvSpPr>
+                <p:cNvPr id="143" name="TextBox 142">
+                  <a:extLst>
+                    <a:ext uri="{FF2B5EF4-FFF2-40B4-BE49-F238E27FC236}">
+                      <a16:creationId xmlns:a16="http://schemas.microsoft.com/office/drawing/2014/main" id="{895D6AE7-6F7F-0A49-8C28-969A92797E89}"/>
+                    </a:ext>
+                  </a:extLst>
+                </p:cNvPr>
+                <p:cNvSpPr txBox="1"/>
+                <p:nvPr/>
+              </p:nvSpPr>
+              <p:spPr>
+                <a:xfrm>
+                  <a:off x="3884922" y="4221942"/>
+                  <a:ext cx="642034" cy="339132"/>
+                </a:xfrm>
+                <a:prstGeom prst="rect">
+                  <a:avLst/>
+                </a:prstGeom>
+                <a:noFill/>
+              </p:spPr>
+              <p:txBody>
+                <a:bodyPr wrap="none" rtlCol="0">
+                  <a:spAutoFit/>
+                </a:bodyPr>
+                <a:lstStyle/>
+                <a:p>
+                  <a14:m>
+                    <m:oMathPara xmlns:m="http://schemas.openxmlformats.org/officeDocument/2006/math">
+                      <m:oMathParaPr>
+                        <m:jc m:val="centerGroup"/>
+                      </m:oMathParaPr>
+                      <m:oMath xmlns:m="http://schemas.openxmlformats.org/officeDocument/2006/math">
+                        <m:sSub>
+                          <m:sSubPr>
+                            <m:ctrlPr>
+                              <a:rPr lang="en-US" sz="1600" i="1" smtClean="0">
+                                <a:latin typeface="Cambria Math" panose="02040503050406030204" pitchFamily="18" charset="0"/>
+                                <a:ea typeface="Cambria Math" panose="02040503050406030204" pitchFamily="18" charset="0"/>
+                              </a:rPr>
+                            </m:ctrlPr>
+                          </m:sSubPr>
+                          <m:e>
+                            <m:acc>
+                              <m:accPr>
+                                <m:chr m:val="̅"/>
+                                <m:ctrlPr>
+                                  <a:rPr lang="en-US" sz="1600" i="1" smtClean="0">
+                                    <a:latin typeface="Cambria Math" panose="02040503050406030204" pitchFamily="18" charset="0"/>
+                                    <a:ea typeface="Cambria Math" panose="02040503050406030204" pitchFamily="18" charset="0"/>
+                                  </a:rPr>
+                                </m:ctrlPr>
+                              </m:accPr>
+                              <m:e>
+                                <m:r>
+                                  <a:rPr lang="en-US" sz="1600" i="1">
+                                    <a:latin typeface="Cambria Math" panose="02040503050406030204" pitchFamily="18" charset="0"/>
+                                    <a:ea typeface="Cambria Math" panose="02040503050406030204" pitchFamily="18" charset="0"/>
+                                  </a:rPr>
+                                  <m:t>∆</m:t>
+                                </m:r>
+                              </m:e>
+                            </m:acc>
+                          </m:e>
+                          <m:sub>
+                            <m:r>
+                              <m:rPr>
+                                <m:sty m:val="p"/>
+                              </m:rPr>
+                              <a:rPr lang="en-US" sz="1600" b="0" i="0" smtClean="0">
+                                <a:latin typeface="Cambria Math" panose="02040503050406030204" pitchFamily="18" charset="0"/>
+                                <a:ea typeface="Cambria Math" panose="02040503050406030204" pitchFamily="18" charset="0"/>
+                              </a:rPr>
+                              <m:t>GxE</m:t>
+                            </m:r>
+                          </m:sub>
+                        </m:sSub>
+                      </m:oMath>
+                    </m:oMathPara>
+                  </a14:m>
+                  <a:endParaRPr lang="en-US" sz="1600" dirty="0"/>
+                </a:p>
+              </p:txBody>
+            </p:sp>
+          </mc:Choice>
+          <mc:Fallback>
+            <p:sp>
+              <p:nvSpPr>
+                <p:cNvPr id="143" name="TextBox 142">
+                  <a:extLst>
+                    <a:ext uri="{FF2B5EF4-FFF2-40B4-BE49-F238E27FC236}">
+                      <a16:creationId xmlns:a16="http://schemas.microsoft.com/office/drawing/2014/main" id="{895D6AE7-6F7F-0A49-8C28-969A92797E89}"/>
+                    </a:ext>
+                  </a:extLst>
+                </p:cNvPr>
+                <p:cNvSpPr txBox="1">
+                  <a:spLocks noRot="1" noChangeAspect="1" noMove="1" noResize="1" noEditPoints="1" noAdjustHandles="1" noChangeArrowheads="1" noChangeShapeType="1" noTextEdit="1"/>
+                </p:cNvSpPr>
+                <p:nvPr/>
+              </p:nvSpPr>
+              <p:spPr>
+                <a:xfrm>
+                  <a:off x="3884922" y="4221942"/>
+                  <a:ext cx="642034" cy="339132"/>
+                </a:xfrm>
+                <a:prstGeom prst="rect">
+                  <a:avLst/>
+                </a:prstGeom>
+                <a:blipFill>
+                  <a:blip r:embed="rId20"/>
+                  <a:stretch>
+                    <a:fillRect/>
+                  </a:stretch>
+                </a:blipFill>
+              </p:spPr>
+              <p:txBody>
+                <a:bodyPr/>
+                <a:lstStyle/>
+                <a:p>
+                  <a:r>
+                    <a:rPr lang="en-US">
+                      <a:noFill/>
+                    </a:rPr>
+                    <a:t> </a:t>
+                  </a:r>
+                </a:p>
+              </p:txBody>
+            </p:sp>
+          </mc:Fallback>
+        </mc:AlternateContent>
+      </p:grpSp>
+      <p:cxnSp>
+        <p:nvCxnSpPr>
+          <p:cNvPr id="144" name="Straight Connector 143">
+            <a:extLst>
+              <a:ext uri="{FF2B5EF4-FFF2-40B4-BE49-F238E27FC236}">
+                <a16:creationId xmlns:a16="http://schemas.microsoft.com/office/drawing/2014/main" id="{C6E1022A-8329-0E41-894E-1D651E2CC6BC}"/>
+              </a:ext>
+            </a:extLst>
+          </p:cNvPr>
+          <p:cNvCxnSpPr/>
+          <p:nvPr/>
+        </p:nvCxnSpPr>
+        <p:spPr>
+          <a:xfrm>
+            <a:off x="221527" y="8338047"/>
+            <a:ext cx="6289779" cy="0"/>
+          </a:xfrm>
+          <a:prstGeom prst="line">
+            <a:avLst/>
+          </a:prstGeom>
+        </p:spPr>
+        <p:style>
+          <a:lnRef idx="1">
+            <a:schemeClr val="dk1"/>
+          </a:lnRef>
+          <a:fillRef idx="0">
+            <a:schemeClr val="dk1"/>
+          </a:fillRef>
+          <a:effectRef idx="0">
+            <a:schemeClr val="dk1"/>
+          </a:effectRef>
+          <a:fontRef idx="minor">
+            <a:schemeClr val="tx1"/>
+          </a:fontRef>
+        </p:style>
+      </p:cxnSp>
+      <p:grpSp>
+        <p:nvGrpSpPr>
+          <p:cNvPr id="161" name="Group 160">
+            <a:extLst>
+              <a:ext uri="{FF2B5EF4-FFF2-40B4-BE49-F238E27FC236}">
+                <a16:creationId xmlns:a16="http://schemas.microsoft.com/office/drawing/2014/main" id="{77A7883C-DB3E-864B-B5F5-BDB38A93034D}"/>
+              </a:ext>
+            </a:extLst>
+          </p:cNvPr>
+          <p:cNvGrpSpPr/>
+          <p:nvPr/>
+        </p:nvGrpSpPr>
+        <p:grpSpPr>
+          <a:xfrm>
+            <a:off x="4059637" y="8682146"/>
+            <a:ext cx="2319965" cy="695108"/>
+            <a:chOff x="3935949" y="7792127"/>
+            <a:chExt cx="2319965" cy="695108"/>
+          </a:xfrm>
+        </p:grpSpPr>
+        <p:sp>
+          <p:nvSpPr>
+            <p:cNvPr id="145" name="TextBox 144">
+              <a:extLst>
+                <a:ext uri="{FF2B5EF4-FFF2-40B4-BE49-F238E27FC236}">
+                  <a16:creationId xmlns:a16="http://schemas.microsoft.com/office/drawing/2014/main" id="{0FECC8F2-6D8E-E145-9A68-B81E37AFE7FA}"/>
+                </a:ext>
+              </a:extLst>
+            </p:cNvPr>
+            <p:cNvSpPr txBox="1"/>
+            <p:nvPr/>
+          </p:nvSpPr>
+          <p:spPr>
+            <a:xfrm>
+              <a:off x="3941691" y="7792127"/>
+              <a:ext cx="2314223" cy="461665"/>
+            </a:xfrm>
+            <a:prstGeom prst="rect">
+              <a:avLst/>
+            </a:prstGeom>
+            <a:noFill/>
+          </p:spPr>
+          <p:txBody>
+            <a:bodyPr wrap="none" rtlCol="0">
+              <a:spAutoFit/>
+            </a:bodyPr>
+            <a:lstStyle/>
+            <a:p>
+              <a:r>
+                <a:rPr lang="en-US" sz="1200" dirty="0" err="1">
+                  <a:latin typeface="Times" pitchFamily="2" charset="0"/>
+                </a:rPr>
+                <a:t>CovGE</a:t>
+              </a:r>
+              <a:r>
+                <a:rPr lang="en-US" sz="1200" dirty="0">
+                  <a:latin typeface="Times" pitchFamily="2" charset="0"/>
+                </a:rPr>
+                <a:t> = 0.95 (0.55 – 0.98); P = 0</a:t>
+              </a:r>
+            </a:p>
+            <a:p>
+              <a:endParaRPr lang="en-US" sz="1200" dirty="0">
+                <a:latin typeface="Times" pitchFamily="2" charset="0"/>
+              </a:endParaRPr>
+            </a:p>
+          </p:txBody>
+        </p:sp>
+        <p:sp>
+          <p:nvSpPr>
+            <p:cNvPr id="146" name="TextBox 145">
+              <a:extLst>
+                <a:ext uri="{FF2B5EF4-FFF2-40B4-BE49-F238E27FC236}">
+                  <a16:creationId xmlns:a16="http://schemas.microsoft.com/office/drawing/2014/main" id="{BC82F41C-17CB-4542-9BA0-C0EC0B9FB9C0}"/>
+                </a:ext>
+              </a:extLst>
+            </p:cNvPr>
+            <p:cNvSpPr txBox="1"/>
+            <p:nvPr/>
+          </p:nvSpPr>
+          <p:spPr>
+            <a:xfrm>
+              <a:off x="4436036" y="8025570"/>
+              <a:ext cx="1711494" cy="461665"/>
+            </a:xfrm>
+            <a:prstGeom prst="rect">
+              <a:avLst/>
+            </a:prstGeom>
+            <a:noFill/>
+          </p:spPr>
+          <p:txBody>
+            <a:bodyPr wrap="none" rtlCol="0">
+              <a:spAutoFit/>
+            </a:bodyPr>
+            <a:lstStyle/>
+            <a:p>
+              <a:r>
+                <a:rPr lang="en-US" sz="1200" dirty="0">
+                  <a:latin typeface="Times" pitchFamily="2" charset="0"/>
+                </a:rPr>
+                <a:t>= 0.74 (0.59 - 0.9); P = 0</a:t>
+              </a:r>
+            </a:p>
+            <a:p>
+              <a:endParaRPr lang="en-US" sz="1200" dirty="0">
+                <a:latin typeface="Times" pitchFamily="2" charset="0"/>
+              </a:endParaRPr>
+            </a:p>
+          </p:txBody>
+        </p:sp>
+        <mc:AlternateContent xmlns:mc="http://schemas.openxmlformats.org/markup-compatibility/2006">
+          <mc:Choice xmlns:a14="http://schemas.microsoft.com/office/drawing/2010/main" Requires="a14">
+            <p:sp>
+              <p:nvSpPr>
+                <p:cNvPr id="147" name="TextBox 146">
+                  <a:extLst>
+                    <a:ext uri="{FF2B5EF4-FFF2-40B4-BE49-F238E27FC236}">
+                      <a16:creationId xmlns:a16="http://schemas.microsoft.com/office/drawing/2014/main" id="{8F6201FE-7B75-7D4C-B104-66CBBD247F79}"/>
+                    </a:ext>
+                  </a:extLst>
+                </p:cNvPr>
+                <p:cNvSpPr txBox="1"/>
+                <p:nvPr/>
+              </p:nvSpPr>
+              <p:spPr>
+                <a:xfrm>
+                  <a:off x="3935949" y="7998036"/>
+                  <a:ext cx="642034" cy="339132"/>
+                </a:xfrm>
+                <a:prstGeom prst="rect">
+                  <a:avLst/>
+                </a:prstGeom>
+                <a:noFill/>
+              </p:spPr>
+              <p:txBody>
+                <a:bodyPr wrap="none" rtlCol="0">
+                  <a:spAutoFit/>
+                </a:bodyPr>
+                <a:lstStyle/>
+                <a:p>
+                  <a14:m>
+                    <m:oMathPara xmlns:m="http://schemas.openxmlformats.org/officeDocument/2006/math">
+                      <m:oMathParaPr>
+                        <m:jc m:val="centerGroup"/>
+                      </m:oMathParaPr>
+                      <m:oMath xmlns:m="http://schemas.openxmlformats.org/officeDocument/2006/math">
+                        <m:sSub>
+                          <m:sSubPr>
+                            <m:ctrlPr>
+                              <a:rPr lang="en-US" sz="1600" i="1" smtClean="0">
+                                <a:latin typeface="Cambria Math" panose="02040503050406030204" pitchFamily="18" charset="0"/>
+                                <a:ea typeface="Cambria Math" panose="02040503050406030204" pitchFamily="18" charset="0"/>
+                              </a:rPr>
+                            </m:ctrlPr>
+                          </m:sSubPr>
+                          <m:e>
+                            <m:acc>
+                              <m:accPr>
+                                <m:chr m:val="̅"/>
+                                <m:ctrlPr>
+                                  <a:rPr lang="en-US" sz="1600" i="1" smtClean="0">
+                                    <a:latin typeface="Cambria Math" panose="02040503050406030204" pitchFamily="18" charset="0"/>
+                                    <a:ea typeface="Cambria Math" panose="02040503050406030204" pitchFamily="18" charset="0"/>
+                                  </a:rPr>
+                                </m:ctrlPr>
+                              </m:accPr>
+                              <m:e>
+                                <m:r>
+                                  <a:rPr lang="en-US" sz="1600" i="1">
+                                    <a:latin typeface="Cambria Math" panose="02040503050406030204" pitchFamily="18" charset="0"/>
+                                    <a:ea typeface="Cambria Math" panose="02040503050406030204" pitchFamily="18" charset="0"/>
+                                  </a:rPr>
+                                  <m:t>∆</m:t>
+                                </m:r>
+                              </m:e>
+                            </m:acc>
+                          </m:e>
+                          <m:sub>
+                            <m:r>
+                              <m:rPr>
+                                <m:sty m:val="p"/>
+                              </m:rPr>
+                              <a:rPr lang="en-US" sz="1600" b="0" i="0" smtClean="0">
+                                <a:latin typeface="Cambria Math" panose="02040503050406030204" pitchFamily="18" charset="0"/>
+                                <a:ea typeface="Cambria Math" panose="02040503050406030204" pitchFamily="18" charset="0"/>
+                              </a:rPr>
+                              <m:t>GxE</m:t>
+                            </m:r>
+                          </m:sub>
+                        </m:sSub>
+                      </m:oMath>
+                    </m:oMathPara>
+                  </a14:m>
+                  <a:endParaRPr lang="en-US" sz="1600" dirty="0"/>
+                </a:p>
+              </p:txBody>
+            </p:sp>
+          </mc:Choice>
+          <mc:Fallback>
+            <p:sp>
+              <p:nvSpPr>
+                <p:cNvPr id="147" name="TextBox 146">
+                  <a:extLst>
+                    <a:ext uri="{FF2B5EF4-FFF2-40B4-BE49-F238E27FC236}">
+                      <a16:creationId xmlns:a16="http://schemas.microsoft.com/office/drawing/2014/main" id="{8F6201FE-7B75-7D4C-B104-66CBBD247F79}"/>
+                    </a:ext>
+                  </a:extLst>
+                </p:cNvPr>
+                <p:cNvSpPr txBox="1">
+                  <a:spLocks noRot="1" noChangeAspect="1" noMove="1" noResize="1" noEditPoints="1" noAdjustHandles="1" noChangeArrowheads="1" noChangeShapeType="1" noTextEdit="1"/>
+                </p:cNvSpPr>
+                <p:nvPr/>
+              </p:nvSpPr>
+              <p:spPr>
+                <a:xfrm>
+                  <a:off x="3935949" y="7998036"/>
+                  <a:ext cx="642034" cy="339132"/>
+                </a:xfrm>
+                <a:prstGeom prst="rect">
+                  <a:avLst/>
+                </a:prstGeom>
+                <a:blipFill>
+                  <a:blip r:embed="rId21"/>
+                  <a:stretch>
+                    <a:fillRect/>
+                  </a:stretch>
+                </a:blipFill>
+              </p:spPr>
+              <p:txBody>
+                <a:bodyPr/>
+                <a:lstStyle/>
+                <a:p>
+                  <a:r>
+                    <a:rPr lang="en-US">
+                      <a:noFill/>
+                    </a:rPr>
+                    <a:t> </a:t>
+                  </a:r>
+                </a:p>
+              </p:txBody>
+            </p:sp>
+          </mc:Fallback>
+        </mc:AlternateContent>
+      </p:grpSp>
       <p:pic>
         <p:nvPicPr>
-          <p:cNvPr id="117" name="Picture 116">
+          <p:cNvPr id="85" name="Picture 84">
             <a:extLst>
               <a:ext uri="{FF2B5EF4-FFF2-40B4-BE49-F238E27FC236}">
-                <a16:creationId xmlns:a16="http://schemas.microsoft.com/office/drawing/2014/main" id="{A80AF0E2-8A6A-C645-A2D1-ED117846C45B}"/>
+                <a16:creationId xmlns:a16="http://schemas.microsoft.com/office/drawing/2014/main" id="{5B54CFC4-4D68-154D-8EC5-2F83ABFD7251}"/>
+              </a:ext>
+            </a:extLst>
+          </p:cNvPr>
+          <p:cNvPicPr>
+            <a:picLocks noChangeAspect="1"/>
+          </p:cNvPicPr>
+          <p:nvPr/>
+        </p:nvPicPr>
+        <p:blipFill>
+          <a:blip r:embed="rId22"/>
+          <a:stretch>
+            <a:fillRect/>
+          </a:stretch>
+        </p:blipFill>
+        <p:spPr>
+          <a:xfrm>
+            <a:off x="411028" y="8692076"/>
+            <a:ext cx="2958353" cy="2286000"/>
+          </a:xfrm>
+          <a:prstGeom prst="rect">
+            <a:avLst/>
+          </a:prstGeom>
+        </p:spPr>
+      </p:pic>
+      <p:grpSp>
+        <p:nvGrpSpPr>
+          <p:cNvPr id="158" name="Group 157">
+            <a:extLst>
+              <a:ext uri="{FF2B5EF4-FFF2-40B4-BE49-F238E27FC236}">
+                <a16:creationId xmlns:a16="http://schemas.microsoft.com/office/drawing/2014/main" id="{0BDB690E-9AFF-3049-9970-DA89AEE8D4C1}"/>
+              </a:ext>
+            </a:extLst>
+          </p:cNvPr>
+          <p:cNvGrpSpPr/>
+          <p:nvPr/>
+        </p:nvGrpSpPr>
+        <p:grpSpPr>
+          <a:xfrm>
+            <a:off x="802596" y="8692076"/>
+            <a:ext cx="2583528" cy="695108"/>
+            <a:chOff x="626289" y="7766068"/>
+            <a:chExt cx="2583528" cy="695108"/>
+          </a:xfrm>
+        </p:grpSpPr>
+        <p:sp>
+          <p:nvSpPr>
+            <p:cNvPr id="148" name="TextBox 147">
+              <a:extLst>
+                <a:ext uri="{FF2B5EF4-FFF2-40B4-BE49-F238E27FC236}">
+                  <a16:creationId xmlns:a16="http://schemas.microsoft.com/office/drawing/2014/main" id="{9AF4C01D-72CF-BA4F-AF6E-3BC95A7872C8}"/>
+                </a:ext>
+              </a:extLst>
+            </p:cNvPr>
+            <p:cNvSpPr txBox="1"/>
+            <p:nvPr/>
+          </p:nvSpPr>
+          <p:spPr>
+            <a:xfrm>
+              <a:off x="626289" y="7766068"/>
+              <a:ext cx="2583528" cy="461665"/>
+            </a:xfrm>
+            <a:prstGeom prst="rect">
+              <a:avLst/>
+            </a:prstGeom>
+            <a:noFill/>
+          </p:spPr>
+          <p:txBody>
+            <a:bodyPr wrap="none" rtlCol="0">
+              <a:spAutoFit/>
+            </a:bodyPr>
+            <a:lstStyle/>
+            <a:p>
+              <a:r>
+                <a:rPr lang="en-US" sz="1200" dirty="0" err="1">
+                  <a:latin typeface="Times" pitchFamily="2" charset="0"/>
+                </a:rPr>
+                <a:t>CovGE</a:t>
+              </a:r>
+              <a:r>
+                <a:rPr lang="en-US" sz="1200" dirty="0">
+                  <a:latin typeface="Times" pitchFamily="2" charset="0"/>
+                </a:rPr>
+                <a:t> = 0.91 (0.62 – 0.96); P = 0.004</a:t>
+              </a:r>
+            </a:p>
+            <a:p>
+              <a:endParaRPr lang="en-US" sz="1200" dirty="0">
+                <a:latin typeface="Times" pitchFamily="2" charset="0"/>
+              </a:endParaRPr>
+            </a:p>
+          </p:txBody>
+        </p:sp>
+        <p:sp>
+          <p:nvSpPr>
+            <p:cNvPr id="149" name="TextBox 148">
+              <a:extLst>
+                <a:ext uri="{FF2B5EF4-FFF2-40B4-BE49-F238E27FC236}">
+                  <a16:creationId xmlns:a16="http://schemas.microsoft.com/office/drawing/2014/main" id="{D5F086A9-FE59-244F-8991-1503754B74CC}"/>
+                </a:ext>
+              </a:extLst>
+            </p:cNvPr>
+            <p:cNvSpPr txBox="1"/>
+            <p:nvPr/>
+          </p:nvSpPr>
+          <p:spPr>
+            <a:xfrm>
+              <a:off x="1120631" y="7999511"/>
+              <a:ext cx="2006447" cy="461665"/>
+            </a:xfrm>
+            <a:prstGeom prst="rect">
+              <a:avLst/>
+            </a:prstGeom>
+            <a:noFill/>
+          </p:spPr>
+          <p:txBody>
+            <a:bodyPr wrap="none" rtlCol="0">
+              <a:spAutoFit/>
+            </a:bodyPr>
+            <a:lstStyle/>
+            <a:p>
+              <a:r>
+                <a:rPr lang="en-US" sz="1200" dirty="0">
+                  <a:latin typeface="Times" pitchFamily="2" charset="0"/>
+                </a:rPr>
+                <a:t>= 0.12 (0.07 – 0.26); P = 0.63</a:t>
+              </a:r>
+            </a:p>
+            <a:p>
+              <a:endParaRPr lang="en-US" sz="1200" dirty="0">
+                <a:latin typeface="Times" pitchFamily="2" charset="0"/>
+              </a:endParaRPr>
+            </a:p>
+          </p:txBody>
+        </p:sp>
+        <mc:AlternateContent xmlns:mc="http://schemas.openxmlformats.org/markup-compatibility/2006">
+          <mc:Choice xmlns:a14="http://schemas.microsoft.com/office/drawing/2010/main" Requires="a14">
+            <p:sp>
+              <p:nvSpPr>
+                <p:cNvPr id="150" name="TextBox 149">
+                  <a:extLst>
+                    <a:ext uri="{FF2B5EF4-FFF2-40B4-BE49-F238E27FC236}">
+                      <a16:creationId xmlns:a16="http://schemas.microsoft.com/office/drawing/2014/main" id="{233D9382-B7D7-8C4E-9B40-FDE5B694B1F5}"/>
+                    </a:ext>
+                  </a:extLst>
+                </p:cNvPr>
+                <p:cNvSpPr txBox="1"/>
+                <p:nvPr/>
+              </p:nvSpPr>
+              <p:spPr>
+                <a:xfrm>
+                  <a:off x="638477" y="7971977"/>
+                  <a:ext cx="642034" cy="339132"/>
+                </a:xfrm>
+                <a:prstGeom prst="rect">
+                  <a:avLst/>
+                </a:prstGeom>
+                <a:noFill/>
+              </p:spPr>
+              <p:txBody>
+                <a:bodyPr wrap="none" rtlCol="0">
+                  <a:spAutoFit/>
+                </a:bodyPr>
+                <a:lstStyle/>
+                <a:p>
+                  <a14:m>
+                    <m:oMathPara xmlns:m="http://schemas.openxmlformats.org/officeDocument/2006/math">
+                      <m:oMathParaPr>
+                        <m:jc m:val="centerGroup"/>
+                      </m:oMathParaPr>
+                      <m:oMath xmlns:m="http://schemas.openxmlformats.org/officeDocument/2006/math">
+                        <m:sSub>
+                          <m:sSubPr>
+                            <m:ctrlPr>
+                              <a:rPr lang="en-US" sz="1600" i="1" smtClean="0">
+                                <a:latin typeface="Cambria Math" panose="02040503050406030204" pitchFamily="18" charset="0"/>
+                                <a:ea typeface="Cambria Math" panose="02040503050406030204" pitchFamily="18" charset="0"/>
+                              </a:rPr>
+                            </m:ctrlPr>
+                          </m:sSubPr>
+                          <m:e>
+                            <m:acc>
+                              <m:accPr>
+                                <m:chr m:val="̅"/>
+                                <m:ctrlPr>
+                                  <a:rPr lang="en-US" sz="1600" i="1" smtClean="0">
+                                    <a:latin typeface="Cambria Math" panose="02040503050406030204" pitchFamily="18" charset="0"/>
+                                    <a:ea typeface="Cambria Math" panose="02040503050406030204" pitchFamily="18" charset="0"/>
+                                  </a:rPr>
+                                </m:ctrlPr>
+                              </m:accPr>
+                              <m:e>
+                                <m:r>
+                                  <a:rPr lang="en-US" sz="1600" i="1">
+                                    <a:latin typeface="Cambria Math" panose="02040503050406030204" pitchFamily="18" charset="0"/>
+                                    <a:ea typeface="Cambria Math" panose="02040503050406030204" pitchFamily="18" charset="0"/>
+                                  </a:rPr>
+                                  <m:t>∆</m:t>
+                                </m:r>
+                              </m:e>
+                            </m:acc>
+                          </m:e>
+                          <m:sub>
+                            <m:r>
+                              <m:rPr>
+                                <m:sty m:val="p"/>
+                              </m:rPr>
+                              <a:rPr lang="en-US" sz="1600" b="0" i="0" smtClean="0">
+                                <a:latin typeface="Cambria Math" panose="02040503050406030204" pitchFamily="18" charset="0"/>
+                                <a:ea typeface="Cambria Math" panose="02040503050406030204" pitchFamily="18" charset="0"/>
+                              </a:rPr>
+                              <m:t>GxE</m:t>
+                            </m:r>
+                          </m:sub>
+                        </m:sSub>
+                      </m:oMath>
+                    </m:oMathPara>
+                  </a14:m>
+                  <a:endParaRPr lang="en-US" sz="1600" dirty="0"/>
+                </a:p>
+              </p:txBody>
+            </p:sp>
+          </mc:Choice>
+          <mc:Fallback>
+            <p:sp>
+              <p:nvSpPr>
+                <p:cNvPr id="150" name="TextBox 149">
+                  <a:extLst>
+                    <a:ext uri="{FF2B5EF4-FFF2-40B4-BE49-F238E27FC236}">
+                      <a16:creationId xmlns:a16="http://schemas.microsoft.com/office/drawing/2014/main" id="{233D9382-B7D7-8C4E-9B40-FDE5B694B1F5}"/>
+                    </a:ext>
+                  </a:extLst>
+                </p:cNvPr>
+                <p:cNvSpPr txBox="1">
+                  <a:spLocks noRot="1" noChangeAspect="1" noMove="1" noResize="1" noEditPoints="1" noAdjustHandles="1" noChangeArrowheads="1" noChangeShapeType="1" noTextEdit="1"/>
+                </p:cNvSpPr>
+                <p:nvPr/>
+              </p:nvSpPr>
+              <p:spPr>
+                <a:xfrm>
+                  <a:off x="638477" y="7971977"/>
+                  <a:ext cx="642034" cy="339132"/>
+                </a:xfrm>
+                <a:prstGeom prst="rect">
+                  <a:avLst/>
+                </a:prstGeom>
+                <a:blipFill>
+                  <a:blip r:embed="rId23"/>
+                  <a:stretch>
+                    <a:fillRect/>
+                  </a:stretch>
+                </a:blipFill>
+              </p:spPr>
+              <p:txBody>
+                <a:bodyPr/>
+                <a:lstStyle/>
+                <a:p>
+                  <a:r>
+                    <a:rPr lang="en-US">
+                      <a:noFill/>
+                    </a:rPr>
+                    <a:t> </a:t>
+                  </a:r>
+                </a:p>
+              </p:txBody>
+            </p:sp>
+          </mc:Fallback>
+        </mc:AlternateContent>
+      </p:grpSp>
+      <p:pic>
+        <p:nvPicPr>
+          <p:cNvPr id="93" name="Picture 92">
+            <a:extLst>
+              <a:ext uri="{FF2B5EF4-FFF2-40B4-BE49-F238E27FC236}">
+                <a16:creationId xmlns:a16="http://schemas.microsoft.com/office/drawing/2014/main" id="{A1C1B81E-BE6B-6B47-8A3E-C92D67970923}"/>
+              </a:ext>
+            </a:extLst>
+          </p:cNvPr>
+          <p:cNvPicPr>
+            <a:picLocks noChangeAspect="1"/>
+          </p:cNvPicPr>
+          <p:nvPr/>
+        </p:nvPicPr>
+        <p:blipFill>
+          <a:blip r:embed="rId24"/>
+          <a:stretch>
+            <a:fillRect/>
+          </a:stretch>
+        </p:blipFill>
+        <p:spPr>
+          <a:xfrm>
+            <a:off x="411029" y="10331990"/>
+            <a:ext cx="2958353" cy="2286000"/>
+          </a:xfrm>
+          <a:prstGeom prst="rect">
+            <a:avLst/>
+          </a:prstGeom>
+        </p:spPr>
+      </p:pic>
+      <p:grpSp>
+        <p:nvGrpSpPr>
+          <p:cNvPr id="162" name="Group 161">
+            <a:extLst>
+              <a:ext uri="{FF2B5EF4-FFF2-40B4-BE49-F238E27FC236}">
+                <a16:creationId xmlns:a16="http://schemas.microsoft.com/office/drawing/2014/main" id="{D30EC5B7-CB0D-1B48-BC23-028E0D1D183E}"/>
+              </a:ext>
+            </a:extLst>
+          </p:cNvPr>
+          <p:cNvGrpSpPr/>
+          <p:nvPr/>
+        </p:nvGrpSpPr>
+        <p:grpSpPr>
+          <a:xfrm>
+            <a:off x="799827" y="10384800"/>
+            <a:ext cx="2660472" cy="686143"/>
+            <a:chOff x="630487" y="10384800"/>
+            <a:chExt cx="2660472" cy="686143"/>
+          </a:xfrm>
+        </p:grpSpPr>
+        <p:sp>
+          <p:nvSpPr>
+            <p:cNvPr id="151" name="TextBox 150">
+              <a:extLst>
+                <a:ext uri="{FF2B5EF4-FFF2-40B4-BE49-F238E27FC236}">
+                  <a16:creationId xmlns:a16="http://schemas.microsoft.com/office/drawing/2014/main" id="{D013D2A8-0371-024D-969E-AD796749CCB2}"/>
+                </a:ext>
+              </a:extLst>
+            </p:cNvPr>
+            <p:cNvSpPr txBox="1"/>
+            <p:nvPr/>
+          </p:nvSpPr>
+          <p:spPr>
+            <a:xfrm>
+              <a:off x="630487" y="10384800"/>
+              <a:ext cx="2660472" cy="461665"/>
+            </a:xfrm>
+            <a:prstGeom prst="rect">
+              <a:avLst/>
+            </a:prstGeom>
+            <a:noFill/>
+          </p:spPr>
+          <p:txBody>
+            <a:bodyPr wrap="none" rtlCol="0">
+              <a:spAutoFit/>
+            </a:bodyPr>
+            <a:lstStyle/>
+            <a:p>
+              <a:r>
+                <a:rPr lang="en-US" sz="1200" dirty="0" err="1">
+                  <a:latin typeface="Times" pitchFamily="2" charset="0"/>
+                </a:rPr>
+                <a:t>CovGE</a:t>
+              </a:r>
+              <a:r>
+                <a:rPr lang="en-US" sz="1200" dirty="0">
+                  <a:latin typeface="Times" pitchFamily="2" charset="0"/>
+                </a:rPr>
+                <a:t> = -0.79 (-0.92 – -0.34); P = 0.02</a:t>
+              </a:r>
+            </a:p>
+            <a:p>
+              <a:endParaRPr lang="en-US" sz="1200" dirty="0">
+                <a:latin typeface="Times" pitchFamily="2" charset="0"/>
+              </a:endParaRPr>
+            </a:p>
+          </p:txBody>
+        </p:sp>
+        <p:sp>
+          <p:nvSpPr>
+            <p:cNvPr id="152" name="TextBox 151">
+              <a:extLst>
+                <a:ext uri="{FF2B5EF4-FFF2-40B4-BE49-F238E27FC236}">
+                  <a16:creationId xmlns:a16="http://schemas.microsoft.com/office/drawing/2014/main" id="{B7177E10-1B6A-1E45-A1B1-F54807A1E8CD}"/>
+                </a:ext>
+              </a:extLst>
+            </p:cNvPr>
+            <p:cNvSpPr txBox="1"/>
+            <p:nvPr/>
+          </p:nvSpPr>
+          <p:spPr>
+            <a:xfrm>
+              <a:off x="1124829" y="10609278"/>
+              <a:ext cx="2006447" cy="461665"/>
+            </a:xfrm>
+            <a:prstGeom prst="rect">
+              <a:avLst/>
+            </a:prstGeom>
+            <a:noFill/>
+          </p:spPr>
+          <p:txBody>
+            <a:bodyPr wrap="none" rtlCol="0">
+              <a:spAutoFit/>
+            </a:bodyPr>
+            <a:lstStyle/>
+            <a:p>
+              <a:r>
+                <a:rPr lang="en-US" sz="1200" dirty="0">
+                  <a:latin typeface="Times" pitchFamily="2" charset="0"/>
+                </a:rPr>
+                <a:t>= 0.20 (0.08 – 0.51); P = 0.91</a:t>
+              </a:r>
+            </a:p>
+            <a:p>
+              <a:endParaRPr lang="en-US" sz="1200" dirty="0">
+                <a:latin typeface="Times" pitchFamily="2" charset="0"/>
+              </a:endParaRPr>
+            </a:p>
+          </p:txBody>
+        </p:sp>
+        <mc:AlternateContent xmlns:mc="http://schemas.openxmlformats.org/markup-compatibility/2006">
+          <mc:Choice xmlns:a14="http://schemas.microsoft.com/office/drawing/2010/main" Requires="a14">
+            <p:sp>
+              <p:nvSpPr>
+                <p:cNvPr id="153" name="TextBox 152">
+                  <a:extLst>
+                    <a:ext uri="{FF2B5EF4-FFF2-40B4-BE49-F238E27FC236}">
+                      <a16:creationId xmlns:a16="http://schemas.microsoft.com/office/drawing/2014/main" id="{5AA7DA52-DCDD-374E-9E87-D036B2BDA6D0}"/>
+                    </a:ext>
+                  </a:extLst>
+                </p:cNvPr>
+                <p:cNvSpPr txBox="1"/>
+                <p:nvPr/>
+              </p:nvSpPr>
+              <p:spPr>
+                <a:xfrm>
+                  <a:off x="642675" y="10590709"/>
+                  <a:ext cx="642034" cy="339132"/>
+                </a:xfrm>
+                <a:prstGeom prst="rect">
+                  <a:avLst/>
+                </a:prstGeom>
+                <a:noFill/>
+              </p:spPr>
+              <p:txBody>
+                <a:bodyPr wrap="none" rtlCol="0">
+                  <a:spAutoFit/>
+                </a:bodyPr>
+                <a:lstStyle/>
+                <a:p>
+                  <a14:m>
+                    <m:oMathPara xmlns:m="http://schemas.openxmlformats.org/officeDocument/2006/math">
+                      <m:oMathParaPr>
+                        <m:jc m:val="centerGroup"/>
+                      </m:oMathParaPr>
+                      <m:oMath xmlns:m="http://schemas.openxmlformats.org/officeDocument/2006/math">
+                        <m:sSub>
+                          <m:sSubPr>
+                            <m:ctrlPr>
+                              <a:rPr lang="en-US" sz="1600" i="1" smtClean="0">
+                                <a:latin typeface="Cambria Math" panose="02040503050406030204" pitchFamily="18" charset="0"/>
+                                <a:ea typeface="Cambria Math" panose="02040503050406030204" pitchFamily="18" charset="0"/>
+                              </a:rPr>
+                            </m:ctrlPr>
+                          </m:sSubPr>
+                          <m:e>
+                            <m:acc>
+                              <m:accPr>
+                                <m:chr m:val="̅"/>
+                                <m:ctrlPr>
+                                  <a:rPr lang="en-US" sz="1600" i="1" smtClean="0">
+                                    <a:latin typeface="Cambria Math" panose="02040503050406030204" pitchFamily="18" charset="0"/>
+                                    <a:ea typeface="Cambria Math" panose="02040503050406030204" pitchFamily="18" charset="0"/>
+                                  </a:rPr>
+                                </m:ctrlPr>
+                              </m:accPr>
+                              <m:e>
+                                <m:r>
+                                  <a:rPr lang="en-US" sz="1600" i="1">
+                                    <a:latin typeface="Cambria Math" panose="02040503050406030204" pitchFamily="18" charset="0"/>
+                                    <a:ea typeface="Cambria Math" panose="02040503050406030204" pitchFamily="18" charset="0"/>
+                                  </a:rPr>
+                                  <m:t>∆</m:t>
+                                </m:r>
+                              </m:e>
+                            </m:acc>
+                          </m:e>
+                          <m:sub>
+                            <m:r>
+                              <m:rPr>
+                                <m:sty m:val="p"/>
+                              </m:rPr>
+                              <a:rPr lang="en-US" sz="1600" b="0" i="0" smtClean="0">
+                                <a:latin typeface="Cambria Math" panose="02040503050406030204" pitchFamily="18" charset="0"/>
+                                <a:ea typeface="Cambria Math" panose="02040503050406030204" pitchFamily="18" charset="0"/>
+                              </a:rPr>
+                              <m:t>GxE</m:t>
+                            </m:r>
+                          </m:sub>
+                        </m:sSub>
+                      </m:oMath>
+                    </m:oMathPara>
+                  </a14:m>
+                  <a:endParaRPr lang="en-US" sz="1600" dirty="0"/>
+                </a:p>
+              </p:txBody>
+            </p:sp>
+          </mc:Choice>
+          <mc:Fallback>
+            <p:sp>
+              <p:nvSpPr>
+                <p:cNvPr id="153" name="TextBox 152">
+                  <a:extLst>
+                    <a:ext uri="{FF2B5EF4-FFF2-40B4-BE49-F238E27FC236}">
+                      <a16:creationId xmlns:a16="http://schemas.microsoft.com/office/drawing/2014/main" id="{5AA7DA52-DCDD-374E-9E87-D036B2BDA6D0}"/>
+                    </a:ext>
+                  </a:extLst>
+                </p:cNvPr>
+                <p:cNvSpPr txBox="1">
+                  <a:spLocks noRot="1" noChangeAspect="1" noMove="1" noResize="1" noEditPoints="1" noAdjustHandles="1" noChangeArrowheads="1" noChangeShapeType="1" noTextEdit="1"/>
+                </p:cNvSpPr>
+                <p:nvPr/>
+              </p:nvSpPr>
+              <p:spPr>
+                <a:xfrm>
+                  <a:off x="642675" y="10590709"/>
+                  <a:ext cx="642034" cy="339132"/>
+                </a:xfrm>
+                <a:prstGeom prst="rect">
+                  <a:avLst/>
+                </a:prstGeom>
+                <a:blipFill>
+                  <a:blip r:embed="rId25"/>
+                  <a:stretch>
+                    <a:fillRect/>
+                  </a:stretch>
+                </a:blipFill>
+              </p:spPr>
+              <p:txBody>
+                <a:bodyPr/>
+                <a:lstStyle/>
+                <a:p>
+                  <a:r>
+                    <a:rPr lang="en-US">
+                      <a:noFill/>
+                    </a:rPr>
+                    <a:t> </a:t>
+                  </a:r>
+                </a:p>
+              </p:txBody>
+            </p:sp>
+          </mc:Fallback>
+        </mc:AlternateContent>
+      </p:grpSp>
+      <p:pic>
+        <p:nvPicPr>
+          <p:cNvPr id="154" name="Picture 153">
+            <a:extLst>
+              <a:ext uri="{FF2B5EF4-FFF2-40B4-BE49-F238E27FC236}">
+                <a16:creationId xmlns:a16="http://schemas.microsoft.com/office/drawing/2014/main" id="{DDC19CC5-664B-1C43-A881-0AF8345CEE54}"/>
+              </a:ext>
+            </a:extLst>
+          </p:cNvPr>
+          <p:cNvPicPr>
+            <a:picLocks noChangeAspect="1"/>
+          </p:cNvPicPr>
+          <p:nvPr/>
+        </p:nvPicPr>
+        <p:blipFill>
+          <a:blip r:embed="rId26"/>
+          <a:stretch>
+            <a:fillRect/>
+          </a:stretch>
+        </p:blipFill>
+        <p:spPr>
+          <a:xfrm>
+            <a:off x="3668793" y="10331990"/>
+            <a:ext cx="2958353" cy="2286000"/>
+          </a:xfrm>
+          <a:prstGeom prst="rect">
+            <a:avLst/>
+          </a:prstGeom>
+        </p:spPr>
+      </p:pic>
+      <p:grpSp>
+        <p:nvGrpSpPr>
+          <p:cNvPr id="163" name="Group 162">
+            <a:extLst>
+              <a:ext uri="{FF2B5EF4-FFF2-40B4-BE49-F238E27FC236}">
+                <a16:creationId xmlns:a16="http://schemas.microsoft.com/office/drawing/2014/main" id="{7992F4DD-4D02-6E44-B4E2-C4D809FBF7B1}"/>
+              </a:ext>
+            </a:extLst>
+          </p:cNvPr>
+          <p:cNvGrpSpPr/>
+          <p:nvPr/>
+        </p:nvGrpSpPr>
+        <p:grpSpPr>
+          <a:xfrm>
+            <a:off x="4062098" y="10366578"/>
+            <a:ext cx="2666214" cy="677178"/>
+            <a:chOff x="4062098" y="10366578"/>
+            <a:chExt cx="2666214" cy="677178"/>
+          </a:xfrm>
+        </p:grpSpPr>
+        <p:sp>
+          <p:nvSpPr>
+            <p:cNvPr id="155" name="TextBox 154">
+              <a:extLst>
+                <a:ext uri="{FF2B5EF4-FFF2-40B4-BE49-F238E27FC236}">
+                  <a16:creationId xmlns:a16="http://schemas.microsoft.com/office/drawing/2014/main" id="{EBE4E3CB-E2B7-9C4B-9C8A-737236C3366A}"/>
+                </a:ext>
+              </a:extLst>
+            </p:cNvPr>
+            <p:cNvSpPr txBox="1"/>
+            <p:nvPr/>
+          </p:nvSpPr>
+          <p:spPr>
+            <a:xfrm>
+              <a:off x="4067840" y="10366578"/>
+              <a:ext cx="2660472" cy="461665"/>
+            </a:xfrm>
+            <a:prstGeom prst="rect">
+              <a:avLst/>
+            </a:prstGeom>
+            <a:noFill/>
+          </p:spPr>
+          <p:txBody>
+            <a:bodyPr wrap="none" rtlCol="0">
+              <a:spAutoFit/>
+            </a:bodyPr>
+            <a:lstStyle/>
+            <a:p>
+              <a:r>
+                <a:rPr lang="en-US" sz="1200" dirty="0" err="1">
+                  <a:latin typeface="Times" pitchFamily="2" charset="0"/>
+                </a:rPr>
+                <a:t>CovGE</a:t>
+              </a:r>
+              <a:r>
+                <a:rPr lang="en-US" sz="1200" dirty="0">
+                  <a:latin typeface="Times" pitchFamily="2" charset="0"/>
+                </a:rPr>
+                <a:t> = -0.81 (-0.96 – -0.47); P = 0.01</a:t>
+              </a:r>
+            </a:p>
+            <a:p>
+              <a:endParaRPr lang="en-US" sz="1200" dirty="0">
+                <a:latin typeface="Times" pitchFamily="2" charset="0"/>
+              </a:endParaRPr>
+            </a:p>
+          </p:txBody>
+        </p:sp>
+        <p:sp>
+          <p:nvSpPr>
+            <p:cNvPr id="156" name="TextBox 155">
+              <a:extLst>
+                <a:ext uri="{FF2B5EF4-FFF2-40B4-BE49-F238E27FC236}">
+                  <a16:creationId xmlns:a16="http://schemas.microsoft.com/office/drawing/2014/main" id="{D81A692A-3516-C346-9AB1-82645324BBFC}"/>
+                </a:ext>
+              </a:extLst>
+            </p:cNvPr>
+            <p:cNvSpPr txBox="1"/>
+            <p:nvPr/>
+          </p:nvSpPr>
+          <p:spPr>
+            <a:xfrm>
+              <a:off x="4562182" y="10582091"/>
+              <a:ext cx="1814086" cy="461665"/>
+            </a:xfrm>
+            <a:prstGeom prst="rect">
+              <a:avLst/>
+            </a:prstGeom>
+            <a:noFill/>
+          </p:spPr>
+          <p:txBody>
+            <a:bodyPr wrap="none" rtlCol="0">
+              <a:spAutoFit/>
+            </a:bodyPr>
+            <a:lstStyle/>
+            <a:p>
+              <a:r>
+                <a:rPr lang="en-US" sz="1200" dirty="0">
+                  <a:latin typeface="Times" pitchFamily="2" charset="0"/>
+                </a:rPr>
+                <a:t>= 0.92 (0.64 – 1.15); P = 0</a:t>
+              </a:r>
+            </a:p>
+            <a:p>
+              <a:endParaRPr lang="en-US" sz="1200" dirty="0">
+                <a:latin typeface="Times" pitchFamily="2" charset="0"/>
+              </a:endParaRPr>
+            </a:p>
+          </p:txBody>
+        </p:sp>
+        <mc:AlternateContent xmlns:mc="http://schemas.openxmlformats.org/markup-compatibility/2006">
+          <mc:Choice xmlns:a14="http://schemas.microsoft.com/office/drawing/2010/main" Requires="a14">
+            <p:sp>
+              <p:nvSpPr>
+                <p:cNvPr id="157" name="TextBox 156">
+                  <a:extLst>
+                    <a:ext uri="{FF2B5EF4-FFF2-40B4-BE49-F238E27FC236}">
+                      <a16:creationId xmlns:a16="http://schemas.microsoft.com/office/drawing/2014/main" id="{4AE2C63E-0792-584D-B507-B4FD50652CD4}"/>
+                    </a:ext>
+                  </a:extLst>
+                </p:cNvPr>
+                <p:cNvSpPr txBox="1"/>
+                <p:nvPr/>
+              </p:nvSpPr>
+              <p:spPr>
+                <a:xfrm>
+                  <a:off x="4062098" y="10572487"/>
+                  <a:ext cx="642034" cy="339132"/>
+                </a:xfrm>
+                <a:prstGeom prst="rect">
+                  <a:avLst/>
+                </a:prstGeom>
+                <a:noFill/>
+              </p:spPr>
+              <p:txBody>
+                <a:bodyPr wrap="none" rtlCol="0">
+                  <a:spAutoFit/>
+                </a:bodyPr>
+                <a:lstStyle/>
+                <a:p>
+                  <a14:m>
+                    <m:oMathPara xmlns:m="http://schemas.openxmlformats.org/officeDocument/2006/math">
+                      <m:oMathParaPr>
+                        <m:jc m:val="centerGroup"/>
+                      </m:oMathParaPr>
+                      <m:oMath xmlns:m="http://schemas.openxmlformats.org/officeDocument/2006/math">
+                        <m:sSub>
+                          <m:sSubPr>
+                            <m:ctrlPr>
+                              <a:rPr lang="en-US" sz="1600" i="1" smtClean="0">
+                                <a:latin typeface="Cambria Math" panose="02040503050406030204" pitchFamily="18" charset="0"/>
+                                <a:ea typeface="Cambria Math" panose="02040503050406030204" pitchFamily="18" charset="0"/>
+                              </a:rPr>
+                            </m:ctrlPr>
+                          </m:sSubPr>
+                          <m:e>
+                            <m:acc>
+                              <m:accPr>
+                                <m:chr m:val="̅"/>
+                                <m:ctrlPr>
+                                  <a:rPr lang="en-US" sz="1600" i="1" smtClean="0">
+                                    <a:latin typeface="Cambria Math" panose="02040503050406030204" pitchFamily="18" charset="0"/>
+                                    <a:ea typeface="Cambria Math" panose="02040503050406030204" pitchFamily="18" charset="0"/>
+                                  </a:rPr>
+                                </m:ctrlPr>
+                              </m:accPr>
+                              <m:e>
+                                <m:r>
+                                  <a:rPr lang="en-US" sz="1600" i="1">
+                                    <a:latin typeface="Cambria Math" panose="02040503050406030204" pitchFamily="18" charset="0"/>
+                                    <a:ea typeface="Cambria Math" panose="02040503050406030204" pitchFamily="18" charset="0"/>
+                                  </a:rPr>
+                                  <m:t>∆</m:t>
+                                </m:r>
+                              </m:e>
+                            </m:acc>
+                          </m:e>
+                          <m:sub>
+                            <m:r>
+                              <m:rPr>
+                                <m:sty m:val="p"/>
+                              </m:rPr>
+                              <a:rPr lang="en-US" sz="1600" b="0" i="0" smtClean="0">
+                                <a:latin typeface="Cambria Math" panose="02040503050406030204" pitchFamily="18" charset="0"/>
+                                <a:ea typeface="Cambria Math" panose="02040503050406030204" pitchFamily="18" charset="0"/>
+                              </a:rPr>
+                              <m:t>GxE</m:t>
+                            </m:r>
+                          </m:sub>
+                        </m:sSub>
+                      </m:oMath>
+                    </m:oMathPara>
+                  </a14:m>
+                  <a:endParaRPr lang="en-US" sz="1600" dirty="0"/>
+                </a:p>
+              </p:txBody>
+            </p:sp>
+          </mc:Choice>
+          <mc:Fallback>
+            <p:sp>
+              <p:nvSpPr>
+                <p:cNvPr id="157" name="TextBox 156">
+                  <a:extLst>
+                    <a:ext uri="{FF2B5EF4-FFF2-40B4-BE49-F238E27FC236}">
+                      <a16:creationId xmlns:a16="http://schemas.microsoft.com/office/drawing/2014/main" id="{4AE2C63E-0792-584D-B507-B4FD50652CD4}"/>
+                    </a:ext>
+                  </a:extLst>
+                </p:cNvPr>
+                <p:cNvSpPr txBox="1">
+                  <a:spLocks noRot="1" noChangeAspect="1" noMove="1" noResize="1" noEditPoints="1" noAdjustHandles="1" noChangeArrowheads="1" noChangeShapeType="1" noTextEdit="1"/>
+                </p:cNvSpPr>
+                <p:nvPr/>
+              </p:nvSpPr>
+              <p:spPr>
+                <a:xfrm>
+                  <a:off x="4062098" y="10572487"/>
+                  <a:ext cx="642034" cy="339132"/>
+                </a:xfrm>
+                <a:prstGeom prst="rect">
+                  <a:avLst/>
+                </a:prstGeom>
+                <a:blipFill>
+                  <a:blip r:embed="rId27"/>
+                  <a:stretch>
+                    <a:fillRect/>
+                  </a:stretch>
+                </a:blipFill>
+              </p:spPr>
+              <p:txBody>
+                <a:bodyPr/>
+                <a:lstStyle/>
+                <a:p>
+                  <a:r>
+                    <a:rPr lang="en-US">
+                      <a:noFill/>
+                    </a:rPr>
+                    <a:t> </a:t>
+                  </a:r>
+                </a:p>
+              </p:txBody>
+            </p:sp>
+          </mc:Fallback>
+        </mc:AlternateContent>
+      </p:grpSp>
+      <p:pic>
+        <p:nvPicPr>
+          <p:cNvPr id="168" name="Picture 167">
+            <a:extLst>
+              <a:ext uri="{FF2B5EF4-FFF2-40B4-BE49-F238E27FC236}">
+                <a16:creationId xmlns:a16="http://schemas.microsoft.com/office/drawing/2014/main" id="{BA027D34-DF99-2047-B540-849B6ACE6A02}"/>
               </a:ext>
             </a:extLst>
           </p:cNvPr>
@@ -4731,25 +7281,30 @@
         </p:nvPicPr>
         <p:blipFill rotWithShape="1">
           <a:blip r:embed="rId28"/>
-          <a:srcRect l="24002" t="86318" r="9457" b="6667"/>
+          <a:srcRect l="24260" t="83461" r="8612" b="6022"/>
           <a:stretch/>
         </p:blipFill>
         <p:spPr>
           <a:xfrm>
-            <a:off x="3566996" y="10804046"/>
-            <a:ext cx="1665652" cy="135694"/>
+            <a:off x="2666249" y="4630897"/>
+            <a:ext cx="1985910" cy="240409"/>
           </a:xfrm>
           <a:prstGeom prst="rect">
             <a:avLst/>
           </a:prstGeom>
+          <a:ln>
+            <a:solidFill>
+              <a:schemeClr val="tx1"/>
+            </a:solidFill>
+          </a:ln>
         </p:spPr>
       </p:pic>
       <p:pic>
         <p:nvPicPr>
-          <p:cNvPr id="118" name="Picture 117">
+          <p:cNvPr id="173" name="Picture 172">
             <a:extLst>
               <a:ext uri="{FF2B5EF4-FFF2-40B4-BE49-F238E27FC236}">
-                <a16:creationId xmlns:a16="http://schemas.microsoft.com/office/drawing/2014/main" id="{99AA4113-BC96-8C49-84F9-89A65E9810A5}"/>
+                <a16:creationId xmlns:a16="http://schemas.microsoft.com/office/drawing/2014/main" id="{D93FB41F-BEBA-C14D-AA6B-D4E84CBE2C80}"/>
               </a:ext>
             </a:extLst>
           </p:cNvPr>
@@ -4760,134 +7315,24 @@
         </p:nvPicPr>
         <p:blipFill rotWithShape="1">
           <a:blip r:embed="rId29"/>
-          <a:srcRect l="24002" t="86318" r="9457" b="6667"/>
+          <a:srcRect l="23360" t="87104" r="8756" b="6457"/>
           <a:stretch/>
         </p:blipFill>
         <p:spPr>
           <a:xfrm>
-            <a:off x="843880" y="10823036"/>
-            <a:ext cx="1665652" cy="135694"/>
+            <a:off x="2643920" y="8445945"/>
+            <a:ext cx="2008239" cy="147201"/>
           </a:xfrm>
           <a:prstGeom prst="rect">
             <a:avLst/>
           </a:prstGeom>
+          <a:ln>
+            <a:solidFill>
+              <a:schemeClr val="tx1"/>
+            </a:solidFill>
+          </a:ln>
         </p:spPr>
       </p:pic>
-      <p:pic>
-        <p:nvPicPr>
-          <p:cNvPr id="119" name="Picture 118">
-            <a:extLst>
-              <a:ext uri="{FF2B5EF4-FFF2-40B4-BE49-F238E27FC236}">
-                <a16:creationId xmlns:a16="http://schemas.microsoft.com/office/drawing/2014/main" id="{2CCB4A37-C7D1-3546-AF7D-C8F2B9C376C9}"/>
-              </a:ext>
-            </a:extLst>
-          </p:cNvPr>
-          <p:cNvPicPr>
-            <a:picLocks noChangeAspect="1"/>
-          </p:cNvPicPr>
-          <p:nvPr/>
-        </p:nvPicPr>
-        <p:blipFill rotWithShape="1">
-          <a:blip r:embed="rId30"/>
-          <a:srcRect l="24002" t="86318" r="9457" b="6667"/>
-          <a:stretch/>
-        </p:blipFill>
-        <p:spPr>
-          <a:xfrm>
-            <a:off x="843880" y="9214045"/>
-            <a:ext cx="1665652" cy="135694"/>
-          </a:xfrm>
-          <a:prstGeom prst="rect">
-            <a:avLst/>
-          </a:prstGeom>
-        </p:spPr>
-      </p:pic>
-      <p:sp>
-        <p:nvSpPr>
-          <p:cNvPr id="120" name="TextBox 119">
-            <a:extLst>
-              <a:ext uri="{FF2B5EF4-FFF2-40B4-BE49-F238E27FC236}">
-                <a16:creationId xmlns:a16="http://schemas.microsoft.com/office/drawing/2014/main" id="{2CA776D7-D154-D449-B6F3-6F6FD77AED9C}"/>
-              </a:ext>
-            </a:extLst>
-          </p:cNvPr>
-          <p:cNvSpPr txBox="1"/>
-          <p:nvPr/>
-        </p:nvSpPr>
-        <p:spPr>
-          <a:xfrm rot="16200000">
-            <a:off x="-197903" y="8559733"/>
-            <a:ext cx="787395" cy="369332"/>
-          </a:xfrm>
-          <a:prstGeom prst="rect">
-            <a:avLst/>
-          </a:prstGeom>
-          <a:noFill/>
-          <a:ln>
-            <a:noFill/>
-          </a:ln>
-        </p:spPr>
-        <p:txBody>
-          <a:bodyPr wrap="none" rtlCol="0">
-            <a:spAutoFit/>
-          </a:bodyPr>
-          <a:lstStyle/>
-          <a:p>
-            <a:r>
-              <a:rPr lang="en-US" dirty="0" err="1">
-                <a:latin typeface="Times" pitchFamily="2" charset="0"/>
-              </a:rPr>
-              <a:t>CoGV</a:t>
-            </a:r>
-            <a:endParaRPr lang="en-US" dirty="0">
-              <a:latin typeface="Times" pitchFamily="2" charset="0"/>
-            </a:endParaRPr>
-          </a:p>
-        </p:txBody>
-      </p:sp>
-      <p:sp>
-        <p:nvSpPr>
-          <p:cNvPr id="121" name="TextBox 120">
-            <a:extLst>
-              <a:ext uri="{FF2B5EF4-FFF2-40B4-BE49-F238E27FC236}">
-                <a16:creationId xmlns:a16="http://schemas.microsoft.com/office/drawing/2014/main" id="{C07DFDD7-14B4-8B4E-8F89-5F27F019332A}"/>
-              </a:ext>
-            </a:extLst>
-          </p:cNvPr>
-          <p:cNvSpPr txBox="1"/>
-          <p:nvPr/>
-        </p:nvSpPr>
-        <p:spPr>
-          <a:xfrm rot="16200000">
-            <a:off x="-197404" y="10032491"/>
-            <a:ext cx="787395" cy="369332"/>
-          </a:xfrm>
-          <a:prstGeom prst="rect">
-            <a:avLst/>
-          </a:prstGeom>
-          <a:noFill/>
-          <a:ln>
-            <a:noFill/>
-          </a:ln>
-        </p:spPr>
-        <p:txBody>
-          <a:bodyPr wrap="none" rtlCol="0">
-            <a:spAutoFit/>
-          </a:bodyPr>
-          <a:lstStyle/>
-          <a:p>
-            <a:r>
-              <a:rPr lang="en-US" dirty="0" err="1">
-                <a:latin typeface="Times" pitchFamily="2" charset="0"/>
-              </a:rPr>
-              <a:t>CnGV</a:t>
-            </a:r>
-            <a:endParaRPr lang="en-US" dirty="0">
-              <a:latin typeface="Times" pitchFamily="2" charset="0"/>
-            </a:endParaRPr>
-          </a:p>
-        </p:txBody>
-      </p:sp>
     </p:spTree>
     <p:extLst>
       <p:ext uri="{BB962C8B-B14F-4D97-AF65-F5344CB8AC3E}">
